--- a/Will_Section2_Resources/Section 2 Powerpoint.pptx
+++ b/Will_Section2_Resources/Section 2 Powerpoint.pptx
@@ -5,7 +5,7 @@
     <p:sldMasterId id="2147483648" r:id="rId1"/>
   </p:sldMasterIdLst>
   <p:notesMasterIdLst>
-    <p:notesMasterId r:id="rId40"/>
+    <p:notesMasterId r:id="rId28"/>
   </p:notesMasterIdLst>
   <p:sldIdLst>
     <p:sldId id="256" r:id="rId2"/>
@@ -22,30 +22,18 @@
     <p:sldId id="260" r:id="rId13"/>
     <p:sldId id="261" r:id="rId14"/>
     <p:sldId id="262" r:id="rId15"/>
-    <p:sldId id="264" r:id="rId16"/>
-    <p:sldId id="285" r:id="rId17"/>
-    <p:sldId id="265" r:id="rId18"/>
-    <p:sldId id="287" r:id="rId19"/>
-    <p:sldId id="266" r:id="rId20"/>
-    <p:sldId id="267" r:id="rId21"/>
-    <p:sldId id="268" r:id="rId22"/>
-    <p:sldId id="269" r:id="rId23"/>
-    <p:sldId id="270" r:id="rId24"/>
-    <p:sldId id="292" r:id="rId25"/>
-    <p:sldId id="293" r:id="rId26"/>
-    <p:sldId id="288" r:id="rId27"/>
-    <p:sldId id="294" r:id="rId28"/>
-    <p:sldId id="271" r:id="rId29"/>
-    <p:sldId id="291" r:id="rId30"/>
-    <p:sldId id="274" r:id="rId31"/>
-    <p:sldId id="275" r:id="rId32"/>
-    <p:sldId id="276" r:id="rId33"/>
-    <p:sldId id="277" r:id="rId34"/>
-    <p:sldId id="290" r:id="rId35"/>
-    <p:sldId id="279" r:id="rId36"/>
-    <p:sldId id="278" r:id="rId37"/>
-    <p:sldId id="280" r:id="rId38"/>
-    <p:sldId id="289" r:id="rId39"/>
+    <p:sldId id="265" r:id="rId16"/>
+    <p:sldId id="287" r:id="rId17"/>
+    <p:sldId id="266" r:id="rId18"/>
+    <p:sldId id="267" r:id="rId19"/>
+    <p:sldId id="268" r:id="rId20"/>
+    <p:sldId id="269" r:id="rId21"/>
+    <p:sldId id="270" r:id="rId22"/>
+    <p:sldId id="292" r:id="rId23"/>
+    <p:sldId id="293" r:id="rId24"/>
+    <p:sldId id="288" r:id="rId25"/>
+    <p:sldId id="294" r:id="rId26"/>
+    <p:sldId id="271" r:id="rId27"/>
   </p:sldIdLst>
   <p:sldSz cx="9144000" cy="6858000" type="screen4x3"/>
   <p:notesSz cx="6858000" cy="9144000"/>
@@ -229,7 +217,7 @@
           <a:p>
             <a:fld id="{CCA029D3-1330-3C46-858F-C62FC80DD7C5}" type="datetimeFigureOut">
               <a:rPr lang="en-US" smtClean="0"/>
-              <a:t>9/10/14</a:t>
+              <a:t>1/25/15</a:t>
             </a:fld>
             <a:endParaRPr lang="en-US"/>
           </a:p>
@@ -767,7 +755,7 @@
           <a:p>
             <a:fld id="{79499EB2-270D-B949-BEF5-95C506D62BA4}" type="datetimeFigureOut">
               <a:rPr lang="en-US" smtClean="0"/>
-              <a:t>9/10/14</a:t>
+              <a:t>1/25/15</a:t>
             </a:fld>
             <a:endParaRPr lang="en-US"/>
           </a:p>
@@ -937,7 +925,7 @@
           <a:p>
             <a:fld id="{79499EB2-270D-B949-BEF5-95C506D62BA4}" type="datetimeFigureOut">
               <a:rPr lang="en-US" smtClean="0"/>
-              <a:t>9/10/14</a:t>
+              <a:t>1/25/15</a:t>
             </a:fld>
             <a:endParaRPr lang="en-US"/>
           </a:p>
@@ -1117,7 +1105,7 @@
           <a:p>
             <a:fld id="{79499EB2-270D-B949-BEF5-95C506D62BA4}" type="datetimeFigureOut">
               <a:rPr lang="en-US" smtClean="0"/>
-              <a:t>9/10/14</a:t>
+              <a:t>1/25/15</a:t>
             </a:fld>
             <a:endParaRPr lang="en-US"/>
           </a:p>
@@ -1458,7 +1446,7 @@
           <a:p>
             <a:fld id="{79499EB2-270D-B949-BEF5-95C506D62BA4}" type="datetimeFigureOut">
               <a:rPr lang="en-US" smtClean="0"/>
-              <a:t>9/10/14</a:t>
+              <a:t>1/25/15</a:t>
             </a:fld>
             <a:endParaRPr lang="en-US"/>
           </a:p>
@@ -1704,7 +1692,7 @@
           <a:p>
             <a:fld id="{79499EB2-270D-B949-BEF5-95C506D62BA4}" type="datetimeFigureOut">
               <a:rPr lang="en-US" smtClean="0"/>
-              <a:t>9/10/14</a:t>
+              <a:t>1/25/15</a:t>
             </a:fld>
             <a:endParaRPr lang="en-US"/>
           </a:p>
@@ -1992,7 +1980,7 @@
           <a:p>
             <a:fld id="{79499EB2-270D-B949-BEF5-95C506D62BA4}" type="datetimeFigureOut">
               <a:rPr lang="en-US" smtClean="0"/>
-              <a:t>9/10/14</a:t>
+              <a:t>1/25/15</a:t>
             </a:fld>
             <a:endParaRPr lang="en-US"/>
           </a:p>
@@ -2414,7 +2402,7 @@
           <a:p>
             <a:fld id="{79499EB2-270D-B949-BEF5-95C506D62BA4}" type="datetimeFigureOut">
               <a:rPr lang="en-US" smtClean="0"/>
-              <a:t>9/10/14</a:t>
+              <a:t>1/25/15</a:t>
             </a:fld>
             <a:endParaRPr lang="en-US"/>
           </a:p>
@@ -2532,7 +2520,7 @@
           <a:p>
             <a:fld id="{79499EB2-270D-B949-BEF5-95C506D62BA4}" type="datetimeFigureOut">
               <a:rPr lang="en-US" smtClean="0"/>
-              <a:t>9/10/14</a:t>
+              <a:t>1/25/15</a:t>
             </a:fld>
             <a:endParaRPr lang="en-US"/>
           </a:p>
@@ -2627,7 +2615,7 @@
           <a:p>
             <a:fld id="{79499EB2-270D-B949-BEF5-95C506D62BA4}" type="datetimeFigureOut">
               <a:rPr lang="en-US" smtClean="0"/>
-              <a:t>9/10/14</a:t>
+              <a:t>1/25/15</a:t>
             </a:fld>
             <a:endParaRPr lang="en-US"/>
           </a:p>
@@ -2904,7 +2892,7 @@
           <a:p>
             <a:fld id="{79499EB2-270D-B949-BEF5-95C506D62BA4}" type="datetimeFigureOut">
               <a:rPr lang="en-US" smtClean="0"/>
-              <a:t>9/10/14</a:t>
+              <a:t>1/25/15</a:t>
             </a:fld>
             <a:endParaRPr lang="en-US"/>
           </a:p>
@@ -3157,7 +3145,7 @@
           <a:p>
             <a:fld id="{79499EB2-270D-B949-BEF5-95C506D62BA4}" type="datetimeFigureOut">
               <a:rPr lang="en-US" smtClean="0"/>
-              <a:t>9/10/14</a:t>
+              <a:t>1/25/15</a:t>
             </a:fld>
             <a:endParaRPr lang="en-US"/>
           </a:p>
@@ -3370,7 +3358,7 @@
           <a:p>
             <a:fld id="{79499EB2-270D-B949-BEF5-95C506D62BA4}" type="datetimeFigureOut">
               <a:rPr lang="en-US" smtClean="0"/>
-              <a:t>9/10/14</a:t>
+              <a:t>1/25/15</a:t>
             </a:fld>
             <a:endParaRPr lang="en-US"/>
           </a:p>
@@ -3763,11 +3751,7 @@
           <a:p>
             <a:r>
               <a:rPr lang="en-US" dirty="0" smtClean="0"/>
-              <a:t>Section </a:t>
-            </a:r>
-            <a:r>
-              <a:rPr lang="en-US" dirty="0" smtClean="0"/>
-              <a:t>2: Processes, Interrupts</a:t>
+              <a:t>Section 2: Processes, Interrupts</a:t>
             </a:r>
             <a:r>
               <a:rPr lang="en-US" dirty="0"/>
@@ -6311,7 +6295,7 @@
           <a:bodyPr/>
           <a:lstStyle/>
           <a:p>
-            <a:fld id="{D1A2B0B5-917F-F747-BDB9-C82D3B08DA05}" type="slidenum">
+            <a:fld id="{FA787FFE-6B42-594A-8EF7-5D9674ACCCA4}" type="slidenum">
               <a:rPr lang="ru-RU"/>
               <a:pPr/>
               <a:t>15</a:t>
@@ -6322,7 +6306,7 @@
       </p:sp>
       <p:sp>
         <p:nvSpPr>
-          <p:cNvPr id="16386" name="Rectangle 2"/>
+          <p:cNvPr id="9218" name="Rectangle 2"/>
           <p:cNvSpPr>
             <a:spLocks noGrp="1" noChangeArrowheads="1"/>
           </p:cNvSpPr>
@@ -6336,16 +6320,25 @@
           <a:lstStyle/>
           <a:p>
             <a:r>
-              <a:rPr lang="en-US" dirty="0" smtClean="0"/>
-              <a:t>DEMO – FORK1.C</a:t>
-            </a:r>
-            <a:endParaRPr lang="en-US" dirty="0"/>
-          </a:p>
-        </p:txBody>
-      </p:sp>
-      <p:sp>
-        <p:nvSpPr>
-          <p:cNvPr id="16387" name="Rectangle 3"/>
+              <a:rPr lang="en-US"/>
+              <a:t>The </a:t>
+            </a:r>
+            <a:r>
+              <a:rPr lang="en-US">
+                <a:latin typeface="Courier New" charset="0"/>
+              </a:rPr>
+              <a:t>exec()</a:t>
+            </a:r>
+            <a:r>
+              <a:rPr lang="en-US"/>
+              <a:t>System Call (1)</a:t>
+            </a:r>
+          </a:p>
+        </p:txBody>
+      </p:sp>
+      <p:sp>
+        <p:nvSpPr>
+          <p:cNvPr id="9219" name="Rectangle 3"/>
           <p:cNvSpPr>
             <a:spLocks noGrp="1" noChangeArrowheads="1"/>
           </p:cNvSpPr>
@@ -6353,38 +6346,138 @@
             <p:ph type="body" idx="1"/>
           </p:nvPr>
         </p:nvSpPr>
-        <p:spPr/>
+        <p:spPr>
+          <a:xfrm>
+            <a:off x="685800" y="1676400"/>
+            <a:ext cx="7772400" cy="4572000"/>
+          </a:xfrm>
+        </p:spPr>
         <p:txBody>
           <a:bodyPr>
             <a:normAutofit/>
           </a:bodyPr>
           <a:lstStyle/>
           <a:p>
-            <a:r>
-              <a:rPr lang="en-US" dirty="0"/>
-              <a:t>The parent prints a message stating its process ID and the child's process ID. </a:t>
-            </a:r>
-            <a:endParaRPr lang="en-US" dirty="0" smtClean="0"/>
-          </a:p>
-          <a:p>
-            <a:r>
-              <a:rPr lang="en-US" dirty="0"/>
-              <a:t>The parent and child then each exit. </a:t>
-            </a:r>
-            <a:endParaRPr lang="en-US" dirty="0" smtClean="0"/>
-          </a:p>
-          <a:p>
-            <a:r>
-              <a:rPr lang="en-US" dirty="0"/>
-              <a:t>Parameter is exit code of the program. The convention for Unix systems is to exit with a code of zero on success and a non-zero on failure. </a:t>
-            </a:r>
+            <a:pPr>
+              <a:lnSpc>
+                <a:spcPct val="90000"/>
+              </a:lnSpc>
+            </a:pPr>
+            <a:r>
+              <a:rPr lang="en-US" sz="2000" dirty="0"/>
+              <a:t>The </a:t>
+            </a:r>
+            <a:r>
+              <a:rPr lang="en-US" sz="2000" dirty="0">
+                <a:latin typeface="Courier New" charset="0"/>
+              </a:rPr>
+              <a:t>exec()</a:t>
+            </a:r>
+            <a:r>
+              <a:rPr lang="en-US" sz="2000" dirty="0"/>
+              <a:t> call replaces a current </a:t>
+            </a:r>
+            <a:r>
+              <a:rPr lang="en-US" sz="2000" dirty="0" smtClean="0"/>
+              <a:t>process</a:t>
+            </a:r>
+            <a:r>
+              <a:rPr lang="ja-JP" altLang="en-US" sz="2000" dirty="0" smtClean="0">
+                <a:latin typeface="Arial"/>
+              </a:rPr>
+              <a:t>‘</a:t>
+            </a:r>
+            <a:r>
+              <a:rPr lang="en-US" altLang="ja-JP" sz="2000" dirty="0"/>
+              <a:t> </a:t>
+            </a:r>
+            <a:r>
+              <a:rPr lang="en-US" altLang="ja-JP" sz="2000" dirty="0" smtClean="0"/>
+              <a:t>execution image</a:t>
+            </a:r>
+            <a:r>
+              <a:rPr lang="en-US" sz="2000" dirty="0" smtClean="0"/>
+              <a:t> </a:t>
+            </a:r>
+            <a:r>
+              <a:rPr lang="en-US" sz="2000" dirty="0"/>
+              <a:t>with a new one (i.e. loads a new program within current process)</a:t>
+            </a:r>
+            <a:r>
+              <a:rPr lang="en-US" sz="2000" dirty="0" smtClean="0"/>
+              <a:t>.</a:t>
+            </a:r>
+          </a:p>
+          <a:p>
+            <a:pPr>
+              <a:lnSpc>
+                <a:spcPct val="90000"/>
+              </a:lnSpc>
+            </a:pPr>
+            <a:r>
+              <a:rPr lang="en-US" sz="2000" dirty="0"/>
+              <a:t>new process is not created, the process identifier (PID) does not change, but the machine code, data, heap, and stack of the process are replaced by those of the new program</a:t>
+            </a:r>
+            <a:r>
+              <a:rPr lang="en-US" sz="2000" dirty="0" smtClean="0"/>
+              <a:t>.</a:t>
+            </a:r>
+          </a:p>
+          <a:p>
+            <a:r>
+              <a:rPr lang="en-US" sz="2000" dirty="0"/>
+              <a:t>In OS command interpreters, exec built-in command replaces the shell process with the specified program</a:t>
+            </a:r>
+            <a:r>
+              <a:rPr lang="en-US" sz="2000" dirty="0" smtClean="0"/>
+              <a:t>.</a:t>
+            </a:r>
+            <a:endParaRPr lang="en-US" sz="2000" dirty="0"/>
+          </a:p>
+          <a:p>
+            <a:r>
+              <a:rPr lang="en-US" sz="2000" dirty="0"/>
+              <a:t>   Try typing in exec </a:t>
+            </a:r>
+            <a:r>
+              <a:rPr lang="en-US" sz="2000" dirty="0" err="1"/>
+              <a:t>ls</a:t>
+            </a:r>
+            <a:r>
+              <a:rPr lang="en-US" sz="2000" dirty="0"/>
+              <a:t> in your terminal</a:t>
+            </a:r>
+            <a:r>
+              <a:rPr lang="en-US" sz="2000" dirty="0" smtClean="0"/>
+              <a:t>!</a:t>
+            </a:r>
+          </a:p>
+          <a:p>
+            <a:pPr>
+              <a:lnSpc>
+                <a:spcPct val="90000"/>
+              </a:lnSpc>
+            </a:pPr>
+            <a:r>
+              <a:rPr lang="en-US" sz="2000" dirty="0" smtClean="0"/>
+              <a:t>The </a:t>
+            </a:r>
+            <a:r>
+              <a:rPr lang="en-US" sz="2000" dirty="0"/>
+              <a:t>new image is either regular executable binary file or a shell script</a:t>
+            </a:r>
+            <a:r>
+              <a:rPr lang="en-US" sz="2000" dirty="0" smtClean="0"/>
+              <a:t>.</a:t>
+            </a:r>
+            <a:endParaRPr lang="en-US" sz="2000" dirty="0"/>
           </a:p>
         </p:txBody>
       </p:sp>
     </p:spTree>
     <p:extLst>
       <p:ext uri="{BB962C8B-B14F-4D97-AF65-F5344CB8AC3E}">
-        <p14:creationId xmlns:p14="http://schemas.microsoft.com/office/powerpoint/2010/main" val="3816945336"/>
+        <p14:creationId xmlns:p14="http://schemas.microsoft.com/office/powerpoint/2010/main" val="2533125422"/>
       </p:ext>
     </p:extLst>
   </p:cSld>
@@ -6433,11 +6526,7 @@
           <a:bodyPr/>
           <a:lstStyle/>
           <a:p>
-            <a:r>
-              <a:rPr lang="en-US" dirty="0" smtClean="0"/>
-              <a:t>System() – SYSTEM-EX.C</a:t>
-            </a:r>
-            <a:endParaRPr lang="en-US" dirty="0"/>
+            <a:endParaRPr lang="en-US"/>
           </a:p>
         </p:txBody>
       </p:sp>
@@ -6456,35 +6545,518 @@
           <a:bodyPr/>
           <a:lstStyle/>
           <a:p>
-            <a:r>
-              <a:rPr lang="en-US" dirty="0"/>
-              <a:t>The C library function </a:t>
-            </a:r>
-            <a:r>
-              <a:rPr lang="en-US" dirty="0" err="1"/>
+            <a:pPr>
+              <a:lnSpc>
+                <a:spcPct val="90000"/>
+              </a:lnSpc>
+            </a:pPr>
+            <a:r>
+              <a:rPr lang="en-US" sz="2000" dirty="0"/>
+              <a:t>There</a:t>
+            </a:r>
+            <a:r>
+              <a:rPr lang="ja-JP" altLang="en-US" sz="2000" dirty="0">
+                <a:latin typeface="Arial"/>
+              </a:rPr>
+              <a:t>’</a:t>
+            </a:r>
+            <a:r>
+              <a:rPr lang="en-US" sz="2000" dirty="0"/>
+              <a:t>s no a </a:t>
+            </a:r>
+            <a:r>
+              <a:rPr lang="en-US" sz="2000" dirty="0" err="1"/>
+              <a:t>syscall</a:t>
+            </a:r>
+            <a:r>
+              <a:rPr lang="en-US" sz="2000" dirty="0"/>
+              <a:t> under the name </a:t>
+            </a:r>
+            <a:r>
+              <a:rPr lang="en-US" sz="2000" dirty="0">
+                <a:latin typeface="Courier New" charset="0"/>
+              </a:rPr>
+              <a:t>exec()</a:t>
+            </a:r>
+            <a:r>
+              <a:rPr lang="en-US" sz="2000" dirty="0"/>
+              <a:t>. By </a:t>
+            </a:r>
+            <a:r>
+              <a:rPr lang="en-US" sz="2000" dirty="0">
+                <a:latin typeface="Courier New" charset="0"/>
+              </a:rPr>
+              <a:t>exec()</a:t>
+            </a:r>
+            <a:r>
+              <a:rPr lang="en-US" sz="2000" dirty="0"/>
+              <a:t> we usually refer to a family of calls: </a:t>
+            </a:r>
+          </a:p>
+          <a:p>
+            <a:pPr lvl="1">
+              <a:lnSpc>
+                <a:spcPct val="90000"/>
+              </a:lnSpc>
+            </a:pPr>
+            <a:r>
+              <a:rPr lang="en-US" sz="1600" dirty="0" err="1">
+                <a:latin typeface="Courier New" charset="0"/>
+                <a:cs typeface="Arial Unicode MS" charset="0"/>
+              </a:rPr>
               <a:t>int</a:t>
             </a:r>
             <a:r>
-              <a:rPr lang="en-US" dirty="0"/>
-              <a:t> system(</a:t>
-            </a:r>
-            <a:r>
-              <a:rPr lang="en-US" dirty="0" err="1"/>
-              <a:t>const</a:t>
-            </a:r>
-            <a:r>
-              <a:rPr lang="en-US" dirty="0"/>
-              <a:t> char *command) passes the command name or program name specified by command to the host environment to be executed by the command processor and returns after the command has been completed</a:t>
-            </a:r>
-            <a:r>
-              <a:rPr lang="en-US" dirty="0" smtClean="0"/>
-              <a:t>.</a:t>
-            </a:r>
-          </a:p>
-          <a:p>
-            <a:pPr marL="0" indent="0">
-              <a:buNone/>
+              <a:rPr lang="en-US" sz="1600" dirty="0">
+                <a:latin typeface="Courier New" charset="0"/>
+                <a:cs typeface="Arial Unicode MS" charset="0"/>
+              </a:rPr>
+              <a:t> </a:t>
+            </a:r>
+            <a:r>
+              <a:rPr lang="en-US" sz="1600" dirty="0" err="1">
+                <a:latin typeface="Courier New" charset="0"/>
+                <a:cs typeface="Arial Unicode MS" charset="0"/>
+              </a:rPr>
+              <a:t>execl</a:t>
+            </a:r>
+            <a:r>
+              <a:rPr lang="en-US" sz="1600" dirty="0">
+                <a:latin typeface="Courier New" charset="0"/>
+                <a:cs typeface="Arial Unicode MS" charset="0"/>
+              </a:rPr>
+              <a:t>(char *path, char *</a:t>
+            </a:r>
+            <a:r>
+              <a:rPr lang="en-US" sz="1600" dirty="0" err="1">
+                <a:latin typeface="Courier New" charset="0"/>
+                <a:cs typeface="Arial Unicode MS" charset="0"/>
+              </a:rPr>
+              <a:t>arg</a:t>
+            </a:r>
+            <a:r>
+              <a:rPr lang="en-US" sz="1600" dirty="0">
+                <a:latin typeface="Courier New" charset="0"/>
+                <a:cs typeface="Arial Unicode MS" charset="0"/>
+              </a:rPr>
+              <a:t>, ...);</a:t>
+            </a:r>
+          </a:p>
+          <a:p>
+            <a:pPr lvl="1">
+              <a:lnSpc>
+                <a:spcPct val="90000"/>
+              </a:lnSpc>
             </a:pPr>
+            <a:r>
+              <a:rPr lang="en-US" sz="1600" dirty="0" err="1">
+                <a:latin typeface="Courier New" charset="0"/>
+                <a:cs typeface="Arial Unicode MS" charset="0"/>
+              </a:rPr>
+              <a:t>int</a:t>
+            </a:r>
+            <a:r>
+              <a:rPr lang="en-US" sz="1600" dirty="0">
+                <a:latin typeface="Courier New" charset="0"/>
+                <a:cs typeface="Arial Unicode MS" charset="0"/>
+              </a:rPr>
+              <a:t> </a:t>
+            </a:r>
+            <a:r>
+              <a:rPr lang="en-US" sz="1600" dirty="0" err="1">
+                <a:latin typeface="Courier New" charset="0"/>
+                <a:cs typeface="Arial Unicode MS" charset="0"/>
+              </a:rPr>
+              <a:t>execv</a:t>
+            </a:r>
+            <a:r>
+              <a:rPr lang="en-US" sz="1600" dirty="0">
+                <a:latin typeface="Courier New" charset="0"/>
+                <a:cs typeface="Arial Unicode MS" charset="0"/>
+              </a:rPr>
+              <a:t>(char *path, char *</a:t>
+            </a:r>
+            <a:r>
+              <a:rPr lang="en-US" sz="1600" dirty="0" err="1">
+                <a:latin typeface="Courier New" charset="0"/>
+                <a:cs typeface="Arial Unicode MS" charset="0"/>
+              </a:rPr>
+              <a:t>argv</a:t>
+            </a:r>
+            <a:r>
+              <a:rPr lang="en-US" sz="1600" dirty="0">
+                <a:latin typeface="Courier New" charset="0"/>
+                <a:cs typeface="Arial Unicode MS" charset="0"/>
+              </a:rPr>
+              <a:t>[]);</a:t>
+            </a:r>
+          </a:p>
+          <a:p>
+            <a:pPr lvl="1">
+              <a:lnSpc>
+                <a:spcPct val="90000"/>
+              </a:lnSpc>
+            </a:pPr>
+            <a:r>
+              <a:rPr lang="en-US" sz="1600" dirty="0" err="1">
+                <a:latin typeface="Courier New" charset="0"/>
+                <a:cs typeface="Arial Unicode MS" charset="0"/>
+              </a:rPr>
+              <a:t>int</a:t>
+            </a:r>
+            <a:r>
+              <a:rPr lang="en-US" sz="1600" dirty="0">
+                <a:latin typeface="Courier New" charset="0"/>
+                <a:cs typeface="Arial Unicode MS" charset="0"/>
+              </a:rPr>
+              <a:t> </a:t>
+            </a:r>
+            <a:r>
+              <a:rPr lang="en-US" sz="1600" dirty="0" err="1">
+                <a:latin typeface="Courier New" charset="0"/>
+                <a:cs typeface="Arial Unicode MS" charset="0"/>
+              </a:rPr>
+              <a:t>execle</a:t>
+            </a:r>
+            <a:r>
+              <a:rPr lang="en-US" sz="1600" dirty="0">
+                <a:latin typeface="Courier New" charset="0"/>
+                <a:cs typeface="Arial Unicode MS" charset="0"/>
+              </a:rPr>
+              <a:t>(char *path, char *</a:t>
+            </a:r>
+            <a:r>
+              <a:rPr lang="en-US" sz="1600" dirty="0" err="1">
+                <a:latin typeface="Courier New" charset="0"/>
+                <a:cs typeface="Arial Unicode MS" charset="0"/>
+              </a:rPr>
+              <a:t>arg</a:t>
+            </a:r>
+            <a:r>
+              <a:rPr lang="en-US" sz="1600" dirty="0">
+                <a:latin typeface="Courier New" charset="0"/>
+                <a:cs typeface="Arial Unicode MS" charset="0"/>
+              </a:rPr>
+              <a:t>, ..., char *</a:t>
+            </a:r>
+            <a:r>
+              <a:rPr lang="en-US" sz="1600" dirty="0" err="1">
+                <a:latin typeface="Courier New" charset="0"/>
+                <a:cs typeface="Arial Unicode MS" charset="0"/>
+              </a:rPr>
+              <a:t>envp</a:t>
+            </a:r>
+            <a:r>
+              <a:rPr lang="en-US" sz="1600" dirty="0">
+                <a:latin typeface="Courier New" charset="0"/>
+                <a:cs typeface="Arial Unicode MS" charset="0"/>
+              </a:rPr>
+              <a:t>[]);</a:t>
+            </a:r>
+          </a:p>
+          <a:p>
+            <a:pPr lvl="1">
+              <a:lnSpc>
+                <a:spcPct val="90000"/>
+              </a:lnSpc>
+            </a:pPr>
+            <a:r>
+              <a:rPr lang="en-US" sz="1600" dirty="0" err="1">
+                <a:latin typeface="Courier New" charset="0"/>
+                <a:cs typeface="Arial Unicode MS" charset="0"/>
+              </a:rPr>
+              <a:t>int</a:t>
+            </a:r>
+            <a:r>
+              <a:rPr lang="en-US" sz="1600" dirty="0">
+                <a:latin typeface="Courier New" charset="0"/>
+                <a:cs typeface="Arial Unicode MS" charset="0"/>
+              </a:rPr>
+              <a:t> </a:t>
+            </a:r>
+            <a:r>
+              <a:rPr lang="en-US" sz="1600" dirty="0" err="1">
+                <a:latin typeface="Courier New" charset="0"/>
+                <a:cs typeface="Arial Unicode MS" charset="0"/>
+              </a:rPr>
+              <a:t>execve</a:t>
+            </a:r>
+            <a:r>
+              <a:rPr lang="en-US" sz="1600" dirty="0">
+                <a:latin typeface="Courier New" charset="0"/>
+                <a:cs typeface="Arial Unicode MS" charset="0"/>
+              </a:rPr>
+              <a:t>(char *path, char *</a:t>
+            </a:r>
+            <a:r>
+              <a:rPr lang="en-US" sz="1600" dirty="0" err="1">
+                <a:latin typeface="Courier New" charset="0"/>
+                <a:cs typeface="Arial Unicode MS" charset="0"/>
+              </a:rPr>
+              <a:t>argv</a:t>
+            </a:r>
+            <a:r>
+              <a:rPr lang="en-US" sz="1600" dirty="0">
+                <a:latin typeface="Courier New" charset="0"/>
+                <a:cs typeface="Arial Unicode MS" charset="0"/>
+              </a:rPr>
+              <a:t>[], char *</a:t>
+            </a:r>
+            <a:r>
+              <a:rPr lang="en-US" sz="1600" dirty="0" err="1">
+                <a:latin typeface="Courier New" charset="0"/>
+                <a:cs typeface="Arial Unicode MS" charset="0"/>
+              </a:rPr>
+              <a:t>envp</a:t>
+            </a:r>
+            <a:r>
+              <a:rPr lang="en-US" sz="1600" dirty="0">
+                <a:latin typeface="Courier New" charset="0"/>
+                <a:cs typeface="Arial Unicode MS" charset="0"/>
+              </a:rPr>
+              <a:t>[]);</a:t>
+            </a:r>
+          </a:p>
+          <a:p>
+            <a:pPr lvl="1">
+              <a:lnSpc>
+                <a:spcPct val="90000"/>
+              </a:lnSpc>
+            </a:pPr>
+            <a:r>
+              <a:rPr lang="en-US" sz="1600" dirty="0" err="1">
+                <a:latin typeface="Courier New" charset="0"/>
+                <a:cs typeface="Arial Unicode MS" charset="0"/>
+              </a:rPr>
+              <a:t>int</a:t>
+            </a:r>
+            <a:r>
+              <a:rPr lang="en-US" sz="1600" dirty="0">
+                <a:latin typeface="Courier New" charset="0"/>
+                <a:cs typeface="Arial Unicode MS" charset="0"/>
+              </a:rPr>
+              <a:t> </a:t>
+            </a:r>
+            <a:r>
+              <a:rPr lang="en-US" sz="1600" dirty="0" err="1">
+                <a:latin typeface="Courier New" charset="0"/>
+                <a:cs typeface="Arial Unicode MS" charset="0"/>
+              </a:rPr>
+              <a:t>execlp</a:t>
+            </a:r>
+            <a:r>
+              <a:rPr lang="en-US" sz="1600" dirty="0">
+                <a:latin typeface="Courier New" charset="0"/>
+                <a:cs typeface="Arial Unicode MS" charset="0"/>
+              </a:rPr>
+              <a:t>(char *file, char *</a:t>
+            </a:r>
+            <a:r>
+              <a:rPr lang="en-US" sz="1600" dirty="0" err="1">
+                <a:latin typeface="Courier New" charset="0"/>
+                <a:cs typeface="Arial Unicode MS" charset="0"/>
+              </a:rPr>
+              <a:t>arg</a:t>
+            </a:r>
+            <a:r>
+              <a:rPr lang="en-US" sz="1600" dirty="0">
+                <a:latin typeface="Courier New" charset="0"/>
+                <a:cs typeface="Arial Unicode MS" charset="0"/>
+              </a:rPr>
+              <a:t>, ...);</a:t>
+            </a:r>
+          </a:p>
+          <a:p>
+            <a:pPr lvl="1">
+              <a:lnSpc>
+                <a:spcPct val="90000"/>
+              </a:lnSpc>
+            </a:pPr>
+            <a:r>
+              <a:rPr lang="en-US" sz="1600" dirty="0" err="1">
+                <a:latin typeface="Courier New" charset="0"/>
+                <a:cs typeface="Arial Unicode MS" charset="0"/>
+              </a:rPr>
+              <a:t>int</a:t>
+            </a:r>
+            <a:r>
+              <a:rPr lang="en-US" sz="1600" dirty="0">
+                <a:latin typeface="Courier New" charset="0"/>
+                <a:cs typeface="Arial Unicode MS" charset="0"/>
+              </a:rPr>
+              <a:t> </a:t>
+            </a:r>
+            <a:r>
+              <a:rPr lang="en-US" sz="1600" dirty="0" err="1">
+                <a:latin typeface="Courier New" charset="0"/>
+                <a:cs typeface="Arial Unicode MS" charset="0"/>
+              </a:rPr>
+              <a:t>execvp</a:t>
+            </a:r>
+            <a:r>
+              <a:rPr lang="en-US" sz="1600" dirty="0">
+                <a:latin typeface="Courier New" charset="0"/>
+                <a:cs typeface="Arial Unicode MS" charset="0"/>
+              </a:rPr>
+              <a:t>(char *file, char *</a:t>
+            </a:r>
+            <a:r>
+              <a:rPr lang="en-US" sz="1600" dirty="0" err="1">
+                <a:latin typeface="Courier New" charset="0"/>
+                <a:cs typeface="Arial Unicode MS" charset="0"/>
+              </a:rPr>
+              <a:t>argv</a:t>
+            </a:r>
+            <a:r>
+              <a:rPr lang="en-US" sz="1600" dirty="0">
+                <a:latin typeface="Courier New" charset="0"/>
+                <a:cs typeface="Arial Unicode MS" charset="0"/>
+              </a:rPr>
+              <a:t>[]);</a:t>
+            </a:r>
+            <a:endParaRPr lang="en-US" sz="1600" dirty="0">
+              <a:latin typeface="Courier New" charset="0"/>
+            </a:endParaRPr>
+          </a:p>
+          <a:p>
+            <a:pPr>
+              <a:lnSpc>
+                <a:spcPct val="90000"/>
+              </a:lnSpc>
+            </a:pPr>
+            <a:r>
+              <a:rPr lang="en-US" sz="2000" dirty="0">
+                <a:cs typeface="Arial Unicode MS" charset="0"/>
+              </a:rPr>
+              <a:t>Here's what </a:t>
+            </a:r>
+            <a:r>
+              <a:rPr lang="en-US" sz="2000" i="1" dirty="0">
+                <a:cs typeface="Arial Unicode MS" charset="0"/>
+              </a:rPr>
+              <a:t>l</a:t>
+            </a:r>
+            <a:r>
+              <a:rPr lang="en-US" sz="2000" dirty="0">
+                <a:cs typeface="Arial Unicode MS" charset="0"/>
+              </a:rPr>
+              <a:t>, </a:t>
+            </a:r>
+            <a:r>
+              <a:rPr lang="en-US" sz="2000" i="1" dirty="0">
+                <a:cs typeface="Arial Unicode MS" charset="0"/>
+              </a:rPr>
+              <a:t>v</a:t>
+            </a:r>
+            <a:r>
+              <a:rPr lang="en-US" sz="2000" dirty="0">
+                <a:cs typeface="Arial Unicode MS" charset="0"/>
+              </a:rPr>
+              <a:t>, </a:t>
+            </a:r>
+            <a:r>
+              <a:rPr lang="en-US" sz="2000" i="1" dirty="0">
+                <a:cs typeface="Arial Unicode MS" charset="0"/>
+              </a:rPr>
+              <a:t>e</a:t>
+            </a:r>
+            <a:r>
+              <a:rPr lang="en-US" sz="2000" dirty="0">
+                <a:cs typeface="Arial Unicode MS" charset="0"/>
+              </a:rPr>
+              <a:t>, and </a:t>
+            </a:r>
+            <a:r>
+              <a:rPr lang="en-US" sz="2000" i="1" dirty="0">
+                <a:cs typeface="Arial Unicode MS" charset="0"/>
+              </a:rPr>
+              <a:t>p</a:t>
+            </a:r>
+            <a:r>
+              <a:rPr lang="en-US" sz="2000" dirty="0">
+                <a:cs typeface="Arial Unicode MS" charset="0"/>
+              </a:rPr>
+              <a:t> mean:</a:t>
+            </a:r>
+          </a:p>
+          <a:p>
+            <a:pPr lvl="1">
+              <a:lnSpc>
+                <a:spcPct val="60000"/>
+              </a:lnSpc>
+            </a:pPr>
+            <a:r>
+              <a:rPr lang="en-US" sz="1800" b="1" i="1" dirty="0">
+                <a:cs typeface="Arial Unicode MS" charset="0"/>
+              </a:rPr>
+              <a:t>l</a:t>
+            </a:r>
+            <a:r>
+              <a:rPr lang="en-US" sz="1800" dirty="0">
+                <a:cs typeface="Arial Unicode MS" charset="0"/>
+              </a:rPr>
+              <a:t> means an argument list,</a:t>
+            </a:r>
+          </a:p>
+          <a:p>
+            <a:pPr lvl="1">
+              <a:lnSpc>
+                <a:spcPct val="60000"/>
+              </a:lnSpc>
+            </a:pPr>
+            <a:r>
+              <a:rPr lang="en-US" sz="1800" b="1" i="1" dirty="0">
+                <a:cs typeface="Arial Unicode MS" charset="0"/>
+              </a:rPr>
+              <a:t>v</a:t>
+            </a:r>
+            <a:r>
+              <a:rPr lang="en-US" sz="1800" dirty="0">
+                <a:cs typeface="Arial Unicode MS" charset="0"/>
+              </a:rPr>
+              <a:t> means an argument vector,</a:t>
+            </a:r>
+          </a:p>
+          <a:p>
+            <a:pPr lvl="1">
+              <a:lnSpc>
+                <a:spcPct val="60000"/>
+              </a:lnSpc>
+            </a:pPr>
+            <a:r>
+              <a:rPr lang="en-US" sz="1800" b="1" i="1" dirty="0">
+                <a:cs typeface="Arial Unicode MS" charset="0"/>
+              </a:rPr>
+              <a:t>e</a:t>
+            </a:r>
+            <a:r>
+              <a:rPr lang="en-US" sz="1800" dirty="0">
+                <a:cs typeface="Arial Unicode MS" charset="0"/>
+              </a:rPr>
+              <a:t> means an environment vector, and</a:t>
+            </a:r>
+          </a:p>
+          <a:p>
+            <a:pPr lvl="1">
+              <a:lnSpc>
+                <a:spcPct val="60000"/>
+              </a:lnSpc>
+            </a:pPr>
+            <a:r>
+              <a:rPr lang="en-US" sz="1800" b="1" i="1" dirty="0">
+                <a:cs typeface="Arial Unicode MS" charset="0"/>
+              </a:rPr>
+              <a:t>p</a:t>
+            </a:r>
+            <a:r>
+              <a:rPr lang="en-US" sz="1800" dirty="0">
+                <a:cs typeface="Arial Unicode MS" charset="0"/>
+              </a:rPr>
+              <a:t> means a search path.</a:t>
+            </a:r>
+            <a:endParaRPr lang="en-US" sz="2000" dirty="0"/>
+          </a:p>
+          <a:p>
             <a:endParaRPr lang="en-US" dirty="0"/>
           </a:p>
         </p:txBody>
@@ -6492,7 +7064,7 @@
     </p:spTree>
     <p:extLst>
       <p:ext uri="{BB962C8B-B14F-4D97-AF65-F5344CB8AC3E}">
-        <p14:creationId xmlns:p14="http://schemas.microsoft.com/office/powerpoint/2010/main" val="4245616409"/>
+        <p14:creationId xmlns:p14="http://schemas.microsoft.com/office/powerpoint/2010/main" val="1120362296"/>
       </p:ext>
     </p:extLst>
   </p:cSld>
@@ -6528,7 +7100,7 @@
       </p:grpSpPr>
       <p:sp>
         <p:nvSpPr>
-          <p:cNvPr id="6" name="Slide Number Placeholder 5"/>
+          <p:cNvPr id="20" name="Slide Number Placeholder 5"/>
           <p:cNvSpPr>
             <a:spLocks noGrp="1"/>
           </p:cNvSpPr>
@@ -6541,828 +7113,10 @@
           <a:bodyPr/>
           <a:lstStyle/>
           <a:p>
-            <a:fld id="{FA787FFE-6B42-594A-8EF7-5D9674ACCCA4}" type="slidenum">
+            <a:fld id="{00CA6169-6C96-8040-9723-0938878A2FD1}" type="slidenum">
               <a:rPr lang="ru-RU"/>
               <a:pPr/>
               <a:t>17</a:t>
-            </a:fld>
-            <a:endParaRPr lang="ru-RU"/>
-          </a:p>
-        </p:txBody>
-      </p:sp>
-      <p:sp>
-        <p:nvSpPr>
-          <p:cNvPr id="9218" name="Rectangle 2"/>
-          <p:cNvSpPr>
-            <a:spLocks noGrp="1" noChangeArrowheads="1"/>
-          </p:cNvSpPr>
-          <p:nvPr>
-            <p:ph type="title"/>
-          </p:nvPr>
-        </p:nvSpPr>
-        <p:spPr/>
-        <p:txBody>
-          <a:bodyPr/>
-          <a:lstStyle/>
-          <a:p>
-            <a:r>
-              <a:rPr lang="en-US"/>
-              <a:t>The </a:t>
-            </a:r>
-            <a:r>
-              <a:rPr lang="en-US">
-                <a:latin typeface="Courier New" charset="0"/>
-              </a:rPr>
-              <a:t>exec()</a:t>
-            </a:r>
-            <a:r>
-              <a:rPr lang="en-US"/>
-              <a:t>System Call (1)</a:t>
-            </a:r>
-          </a:p>
-        </p:txBody>
-      </p:sp>
-      <p:sp>
-        <p:nvSpPr>
-          <p:cNvPr id="9219" name="Rectangle 3"/>
-          <p:cNvSpPr>
-            <a:spLocks noGrp="1" noChangeArrowheads="1"/>
-          </p:cNvSpPr>
-          <p:nvPr>
-            <p:ph type="body" idx="1"/>
-          </p:nvPr>
-        </p:nvSpPr>
-        <p:spPr>
-          <a:xfrm>
-            <a:off x="685800" y="1676400"/>
-            <a:ext cx="7772400" cy="4572000"/>
-          </a:xfrm>
-        </p:spPr>
-        <p:txBody>
-          <a:bodyPr>
-            <a:normAutofit/>
-          </a:bodyPr>
-          <a:lstStyle/>
-          <a:p>
-            <a:pPr>
-              <a:lnSpc>
-                <a:spcPct val="90000"/>
-              </a:lnSpc>
-            </a:pPr>
-            <a:r>
-              <a:rPr lang="en-US" sz="2000" dirty="0"/>
-              <a:t>The </a:t>
-            </a:r>
-            <a:r>
-              <a:rPr lang="en-US" sz="2000" dirty="0">
-                <a:latin typeface="Courier New" charset="0"/>
-              </a:rPr>
-              <a:t>exec()</a:t>
-            </a:r>
-            <a:r>
-              <a:rPr lang="en-US" sz="2000" dirty="0"/>
-              <a:t> call replaces a current </a:t>
-            </a:r>
-            <a:r>
-              <a:rPr lang="en-US" sz="2000" dirty="0" smtClean="0"/>
-              <a:t>process</a:t>
-            </a:r>
-            <a:r>
-              <a:rPr lang="ja-JP" altLang="en-US" sz="2000" dirty="0" smtClean="0">
-                <a:latin typeface="Arial"/>
-              </a:rPr>
-              <a:t>‘</a:t>
-            </a:r>
-            <a:r>
-              <a:rPr lang="en-US" altLang="ja-JP" sz="2000" dirty="0"/>
-              <a:t> </a:t>
-            </a:r>
-            <a:r>
-              <a:rPr lang="en-US" altLang="ja-JP" sz="2000" dirty="0" smtClean="0"/>
-              <a:t>execution image</a:t>
-            </a:r>
-            <a:r>
-              <a:rPr lang="en-US" sz="2000" dirty="0" smtClean="0"/>
-              <a:t> </a:t>
-            </a:r>
-            <a:r>
-              <a:rPr lang="en-US" sz="2000" dirty="0"/>
-              <a:t>with a new one (i.e. loads a new program within current process)</a:t>
-            </a:r>
-            <a:r>
-              <a:rPr lang="en-US" sz="2000" dirty="0" smtClean="0"/>
-              <a:t>.</a:t>
-            </a:r>
-          </a:p>
-          <a:p>
-            <a:pPr>
-              <a:lnSpc>
-                <a:spcPct val="90000"/>
-              </a:lnSpc>
-            </a:pPr>
-            <a:r>
-              <a:rPr lang="en-US" sz="2000" dirty="0"/>
-              <a:t>new process is not created, the process identifier (PID) does not change, but the machine code, data, heap, and stack of the process are replaced by those of the new program</a:t>
-            </a:r>
-            <a:r>
-              <a:rPr lang="en-US" sz="2000" dirty="0" smtClean="0"/>
-              <a:t>.</a:t>
-            </a:r>
-          </a:p>
-          <a:p>
-            <a:r>
-              <a:rPr lang="en-US" sz="2000" dirty="0"/>
-              <a:t>In OS command interpreters, exec built-in command replaces the shell process with the specified program</a:t>
-            </a:r>
-            <a:r>
-              <a:rPr lang="en-US" sz="2000" dirty="0" smtClean="0"/>
-              <a:t>.</a:t>
-            </a:r>
-            <a:endParaRPr lang="en-US" sz="2000" dirty="0"/>
-          </a:p>
-          <a:p>
-            <a:r>
-              <a:rPr lang="en-US" sz="2000" dirty="0"/>
-              <a:t>   Try typing in exec </a:t>
-            </a:r>
-            <a:r>
-              <a:rPr lang="en-US" sz="2000" dirty="0" err="1"/>
-              <a:t>ls</a:t>
-            </a:r>
-            <a:r>
-              <a:rPr lang="en-US" sz="2000" dirty="0"/>
-              <a:t> in your terminal</a:t>
-            </a:r>
-            <a:r>
-              <a:rPr lang="en-US" sz="2000" dirty="0" smtClean="0"/>
-              <a:t>!</a:t>
-            </a:r>
-          </a:p>
-          <a:p>
-            <a:pPr>
-              <a:lnSpc>
-                <a:spcPct val="90000"/>
-              </a:lnSpc>
-            </a:pPr>
-            <a:r>
-              <a:rPr lang="en-US" sz="2000" dirty="0" smtClean="0"/>
-              <a:t>The </a:t>
-            </a:r>
-            <a:r>
-              <a:rPr lang="en-US" sz="2000" dirty="0"/>
-              <a:t>new image is either regular executable binary file or a shell script</a:t>
-            </a:r>
-            <a:r>
-              <a:rPr lang="en-US" sz="2000" dirty="0" smtClean="0"/>
-              <a:t>.</a:t>
-            </a:r>
-            <a:endParaRPr lang="en-US" sz="2000" dirty="0"/>
-          </a:p>
-        </p:txBody>
-      </p:sp>
-    </p:spTree>
-    <p:extLst>
-      <p:ext uri="{BB962C8B-B14F-4D97-AF65-F5344CB8AC3E}">
-        <p14:creationId xmlns:p14="http://schemas.microsoft.com/office/powerpoint/2010/main" val="2533125422"/>
-      </p:ext>
-    </p:extLst>
-  </p:cSld>
-  <p:clrMapOvr>
-    <a:masterClrMapping/>
-  </p:clrMapOvr>
-  <p:timing>
-    <p:tnLst>
-      <p:par>
-        <p:cTn xmlns:p14="http://schemas.microsoft.com/office/powerpoint/2010/main" id="1" dur="indefinite" restart="never" nodeType="tmRoot"/>
-      </p:par>
-    </p:tnLst>
-  </p:timing>
-</p:sld>
-</file>
-
-<file path=ppt/slides/slide18.xml><?xml version="1.0" encoding="utf-8"?>
-<p:sld xmlns:a="http://schemas.openxmlformats.org/drawingml/2006/main" xmlns:r="http://schemas.openxmlformats.org/officeDocument/2006/relationships" xmlns:p="http://schemas.openxmlformats.org/presentationml/2006/main">
-  <p:cSld>
-    <p:spTree>
-      <p:nvGrpSpPr>
-        <p:cNvPr id="1" name=""/>
-        <p:cNvGrpSpPr/>
-        <p:nvPr/>
-      </p:nvGrpSpPr>
-      <p:grpSpPr>
-        <a:xfrm>
-          <a:off x="0" y="0"/>
-          <a:ext cx="0" cy="0"/>
-          <a:chOff x="0" y="0"/>
-          <a:chExt cx="0" cy="0"/>
-        </a:xfrm>
-      </p:grpSpPr>
-      <p:sp>
-        <p:nvSpPr>
-          <p:cNvPr id="2" name="Title 1"/>
-          <p:cNvSpPr>
-            <a:spLocks noGrp="1"/>
-          </p:cNvSpPr>
-          <p:nvPr>
-            <p:ph type="title"/>
-          </p:nvPr>
-        </p:nvSpPr>
-        <p:spPr/>
-        <p:txBody>
-          <a:bodyPr/>
-          <a:lstStyle/>
-          <a:p>
-            <a:endParaRPr lang="en-US"/>
-          </a:p>
-        </p:txBody>
-      </p:sp>
-      <p:sp>
-        <p:nvSpPr>
-          <p:cNvPr id="3" name="Content Placeholder 2"/>
-          <p:cNvSpPr>
-            <a:spLocks noGrp="1"/>
-          </p:cNvSpPr>
-          <p:nvPr>
-            <p:ph idx="1"/>
-          </p:nvPr>
-        </p:nvSpPr>
-        <p:spPr/>
-        <p:txBody>
-          <a:bodyPr/>
-          <a:lstStyle/>
-          <a:p>
-            <a:pPr>
-              <a:lnSpc>
-                <a:spcPct val="90000"/>
-              </a:lnSpc>
-            </a:pPr>
-            <a:r>
-              <a:rPr lang="en-US" sz="2000" dirty="0"/>
-              <a:t>There</a:t>
-            </a:r>
-            <a:r>
-              <a:rPr lang="ja-JP" altLang="en-US" sz="2000" dirty="0">
-                <a:latin typeface="Arial"/>
-              </a:rPr>
-              <a:t>’</a:t>
-            </a:r>
-            <a:r>
-              <a:rPr lang="en-US" sz="2000" dirty="0"/>
-              <a:t>s no a </a:t>
-            </a:r>
-            <a:r>
-              <a:rPr lang="en-US" sz="2000" dirty="0" err="1"/>
-              <a:t>syscall</a:t>
-            </a:r>
-            <a:r>
-              <a:rPr lang="en-US" sz="2000" dirty="0"/>
-              <a:t> under the name </a:t>
-            </a:r>
-            <a:r>
-              <a:rPr lang="en-US" sz="2000" dirty="0">
-                <a:latin typeface="Courier New" charset="0"/>
-              </a:rPr>
-              <a:t>exec()</a:t>
-            </a:r>
-            <a:r>
-              <a:rPr lang="en-US" sz="2000" dirty="0"/>
-              <a:t>. By </a:t>
-            </a:r>
-            <a:r>
-              <a:rPr lang="en-US" sz="2000" dirty="0">
-                <a:latin typeface="Courier New" charset="0"/>
-              </a:rPr>
-              <a:t>exec()</a:t>
-            </a:r>
-            <a:r>
-              <a:rPr lang="en-US" sz="2000" dirty="0"/>
-              <a:t> we usually refer to a family of calls: </a:t>
-            </a:r>
-          </a:p>
-          <a:p>
-            <a:pPr lvl="1">
-              <a:lnSpc>
-                <a:spcPct val="90000"/>
-              </a:lnSpc>
-            </a:pPr>
-            <a:r>
-              <a:rPr lang="en-US" sz="1600" dirty="0" err="1">
-                <a:latin typeface="Courier New" charset="0"/>
-                <a:cs typeface="Arial Unicode MS" charset="0"/>
-              </a:rPr>
-              <a:t>int</a:t>
-            </a:r>
-            <a:r>
-              <a:rPr lang="en-US" sz="1600" dirty="0">
-                <a:latin typeface="Courier New" charset="0"/>
-                <a:cs typeface="Arial Unicode MS" charset="0"/>
-              </a:rPr>
-              <a:t> </a:t>
-            </a:r>
-            <a:r>
-              <a:rPr lang="en-US" sz="1600" dirty="0" err="1">
-                <a:latin typeface="Courier New" charset="0"/>
-                <a:cs typeface="Arial Unicode MS" charset="0"/>
-              </a:rPr>
-              <a:t>execl</a:t>
-            </a:r>
-            <a:r>
-              <a:rPr lang="en-US" sz="1600" dirty="0">
-                <a:latin typeface="Courier New" charset="0"/>
-                <a:cs typeface="Arial Unicode MS" charset="0"/>
-              </a:rPr>
-              <a:t>(char *path, char *</a:t>
-            </a:r>
-            <a:r>
-              <a:rPr lang="en-US" sz="1600" dirty="0" err="1">
-                <a:latin typeface="Courier New" charset="0"/>
-                <a:cs typeface="Arial Unicode MS" charset="0"/>
-              </a:rPr>
-              <a:t>arg</a:t>
-            </a:r>
-            <a:r>
-              <a:rPr lang="en-US" sz="1600" dirty="0">
-                <a:latin typeface="Courier New" charset="0"/>
-                <a:cs typeface="Arial Unicode MS" charset="0"/>
-              </a:rPr>
-              <a:t>, ...);</a:t>
-            </a:r>
-          </a:p>
-          <a:p>
-            <a:pPr lvl="1">
-              <a:lnSpc>
-                <a:spcPct val="90000"/>
-              </a:lnSpc>
-            </a:pPr>
-            <a:r>
-              <a:rPr lang="en-US" sz="1600" dirty="0" err="1">
-                <a:latin typeface="Courier New" charset="0"/>
-                <a:cs typeface="Arial Unicode MS" charset="0"/>
-              </a:rPr>
-              <a:t>int</a:t>
-            </a:r>
-            <a:r>
-              <a:rPr lang="en-US" sz="1600" dirty="0">
-                <a:latin typeface="Courier New" charset="0"/>
-                <a:cs typeface="Arial Unicode MS" charset="0"/>
-              </a:rPr>
-              <a:t> </a:t>
-            </a:r>
-            <a:r>
-              <a:rPr lang="en-US" sz="1600" dirty="0" err="1">
-                <a:latin typeface="Courier New" charset="0"/>
-                <a:cs typeface="Arial Unicode MS" charset="0"/>
-              </a:rPr>
-              <a:t>execv</a:t>
-            </a:r>
-            <a:r>
-              <a:rPr lang="en-US" sz="1600" dirty="0">
-                <a:latin typeface="Courier New" charset="0"/>
-                <a:cs typeface="Arial Unicode MS" charset="0"/>
-              </a:rPr>
-              <a:t>(char *path, char *</a:t>
-            </a:r>
-            <a:r>
-              <a:rPr lang="en-US" sz="1600" dirty="0" err="1">
-                <a:latin typeface="Courier New" charset="0"/>
-                <a:cs typeface="Arial Unicode MS" charset="0"/>
-              </a:rPr>
-              <a:t>argv</a:t>
-            </a:r>
-            <a:r>
-              <a:rPr lang="en-US" sz="1600" dirty="0">
-                <a:latin typeface="Courier New" charset="0"/>
-                <a:cs typeface="Arial Unicode MS" charset="0"/>
-              </a:rPr>
-              <a:t>[]);</a:t>
-            </a:r>
-          </a:p>
-          <a:p>
-            <a:pPr lvl="1">
-              <a:lnSpc>
-                <a:spcPct val="90000"/>
-              </a:lnSpc>
-            </a:pPr>
-            <a:r>
-              <a:rPr lang="en-US" sz="1600" dirty="0" err="1">
-                <a:latin typeface="Courier New" charset="0"/>
-                <a:cs typeface="Arial Unicode MS" charset="0"/>
-              </a:rPr>
-              <a:t>int</a:t>
-            </a:r>
-            <a:r>
-              <a:rPr lang="en-US" sz="1600" dirty="0">
-                <a:latin typeface="Courier New" charset="0"/>
-                <a:cs typeface="Arial Unicode MS" charset="0"/>
-              </a:rPr>
-              <a:t> </a:t>
-            </a:r>
-            <a:r>
-              <a:rPr lang="en-US" sz="1600" dirty="0" err="1">
-                <a:latin typeface="Courier New" charset="0"/>
-                <a:cs typeface="Arial Unicode MS" charset="0"/>
-              </a:rPr>
-              <a:t>execle</a:t>
-            </a:r>
-            <a:r>
-              <a:rPr lang="en-US" sz="1600" dirty="0">
-                <a:latin typeface="Courier New" charset="0"/>
-                <a:cs typeface="Arial Unicode MS" charset="0"/>
-              </a:rPr>
-              <a:t>(char *path, char *</a:t>
-            </a:r>
-            <a:r>
-              <a:rPr lang="en-US" sz="1600" dirty="0" err="1">
-                <a:latin typeface="Courier New" charset="0"/>
-                <a:cs typeface="Arial Unicode MS" charset="0"/>
-              </a:rPr>
-              <a:t>arg</a:t>
-            </a:r>
-            <a:r>
-              <a:rPr lang="en-US" sz="1600" dirty="0">
-                <a:latin typeface="Courier New" charset="0"/>
-                <a:cs typeface="Arial Unicode MS" charset="0"/>
-              </a:rPr>
-              <a:t>, ..., char *</a:t>
-            </a:r>
-            <a:r>
-              <a:rPr lang="en-US" sz="1600" dirty="0" err="1">
-                <a:latin typeface="Courier New" charset="0"/>
-                <a:cs typeface="Arial Unicode MS" charset="0"/>
-              </a:rPr>
-              <a:t>envp</a:t>
-            </a:r>
-            <a:r>
-              <a:rPr lang="en-US" sz="1600" dirty="0">
-                <a:latin typeface="Courier New" charset="0"/>
-                <a:cs typeface="Arial Unicode MS" charset="0"/>
-              </a:rPr>
-              <a:t>[]);</a:t>
-            </a:r>
-          </a:p>
-          <a:p>
-            <a:pPr lvl="1">
-              <a:lnSpc>
-                <a:spcPct val="90000"/>
-              </a:lnSpc>
-            </a:pPr>
-            <a:r>
-              <a:rPr lang="en-US" sz="1600" dirty="0" err="1">
-                <a:latin typeface="Courier New" charset="0"/>
-                <a:cs typeface="Arial Unicode MS" charset="0"/>
-              </a:rPr>
-              <a:t>int</a:t>
-            </a:r>
-            <a:r>
-              <a:rPr lang="en-US" sz="1600" dirty="0">
-                <a:latin typeface="Courier New" charset="0"/>
-                <a:cs typeface="Arial Unicode MS" charset="0"/>
-              </a:rPr>
-              <a:t> </a:t>
-            </a:r>
-            <a:r>
-              <a:rPr lang="en-US" sz="1600" dirty="0" err="1">
-                <a:latin typeface="Courier New" charset="0"/>
-                <a:cs typeface="Arial Unicode MS" charset="0"/>
-              </a:rPr>
-              <a:t>execve</a:t>
-            </a:r>
-            <a:r>
-              <a:rPr lang="en-US" sz="1600" dirty="0">
-                <a:latin typeface="Courier New" charset="0"/>
-                <a:cs typeface="Arial Unicode MS" charset="0"/>
-              </a:rPr>
-              <a:t>(char *path, char *</a:t>
-            </a:r>
-            <a:r>
-              <a:rPr lang="en-US" sz="1600" dirty="0" err="1">
-                <a:latin typeface="Courier New" charset="0"/>
-                <a:cs typeface="Arial Unicode MS" charset="0"/>
-              </a:rPr>
-              <a:t>argv</a:t>
-            </a:r>
-            <a:r>
-              <a:rPr lang="en-US" sz="1600" dirty="0">
-                <a:latin typeface="Courier New" charset="0"/>
-                <a:cs typeface="Arial Unicode MS" charset="0"/>
-              </a:rPr>
-              <a:t>[], char *</a:t>
-            </a:r>
-            <a:r>
-              <a:rPr lang="en-US" sz="1600" dirty="0" err="1">
-                <a:latin typeface="Courier New" charset="0"/>
-                <a:cs typeface="Arial Unicode MS" charset="0"/>
-              </a:rPr>
-              <a:t>envp</a:t>
-            </a:r>
-            <a:r>
-              <a:rPr lang="en-US" sz="1600" dirty="0">
-                <a:latin typeface="Courier New" charset="0"/>
-                <a:cs typeface="Arial Unicode MS" charset="0"/>
-              </a:rPr>
-              <a:t>[]);</a:t>
-            </a:r>
-          </a:p>
-          <a:p>
-            <a:pPr lvl="1">
-              <a:lnSpc>
-                <a:spcPct val="90000"/>
-              </a:lnSpc>
-            </a:pPr>
-            <a:r>
-              <a:rPr lang="en-US" sz="1600" dirty="0" err="1">
-                <a:latin typeface="Courier New" charset="0"/>
-                <a:cs typeface="Arial Unicode MS" charset="0"/>
-              </a:rPr>
-              <a:t>int</a:t>
-            </a:r>
-            <a:r>
-              <a:rPr lang="en-US" sz="1600" dirty="0">
-                <a:latin typeface="Courier New" charset="0"/>
-                <a:cs typeface="Arial Unicode MS" charset="0"/>
-              </a:rPr>
-              <a:t> </a:t>
-            </a:r>
-            <a:r>
-              <a:rPr lang="en-US" sz="1600" dirty="0" err="1">
-                <a:latin typeface="Courier New" charset="0"/>
-                <a:cs typeface="Arial Unicode MS" charset="0"/>
-              </a:rPr>
-              <a:t>execlp</a:t>
-            </a:r>
-            <a:r>
-              <a:rPr lang="en-US" sz="1600" dirty="0">
-                <a:latin typeface="Courier New" charset="0"/>
-                <a:cs typeface="Arial Unicode MS" charset="0"/>
-              </a:rPr>
-              <a:t>(char *file, char *</a:t>
-            </a:r>
-            <a:r>
-              <a:rPr lang="en-US" sz="1600" dirty="0" err="1">
-                <a:latin typeface="Courier New" charset="0"/>
-                <a:cs typeface="Arial Unicode MS" charset="0"/>
-              </a:rPr>
-              <a:t>arg</a:t>
-            </a:r>
-            <a:r>
-              <a:rPr lang="en-US" sz="1600" dirty="0">
-                <a:latin typeface="Courier New" charset="0"/>
-                <a:cs typeface="Arial Unicode MS" charset="0"/>
-              </a:rPr>
-              <a:t>, ...);</a:t>
-            </a:r>
-          </a:p>
-          <a:p>
-            <a:pPr lvl="1">
-              <a:lnSpc>
-                <a:spcPct val="90000"/>
-              </a:lnSpc>
-            </a:pPr>
-            <a:r>
-              <a:rPr lang="en-US" sz="1600" dirty="0" err="1">
-                <a:latin typeface="Courier New" charset="0"/>
-                <a:cs typeface="Arial Unicode MS" charset="0"/>
-              </a:rPr>
-              <a:t>int</a:t>
-            </a:r>
-            <a:r>
-              <a:rPr lang="en-US" sz="1600" dirty="0">
-                <a:latin typeface="Courier New" charset="0"/>
-                <a:cs typeface="Arial Unicode MS" charset="0"/>
-              </a:rPr>
-              <a:t> </a:t>
-            </a:r>
-            <a:r>
-              <a:rPr lang="en-US" sz="1600" dirty="0" err="1">
-                <a:latin typeface="Courier New" charset="0"/>
-                <a:cs typeface="Arial Unicode MS" charset="0"/>
-              </a:rPr>
-              <a:t>execvp</a:t>
-            </a:r>
-            <a:r>
-              <a:rPr lang="en-US" sz="1600" dirty="0">
-                <a:latin typeface="Courier New" charset="0"/>
-                <a:cs typeface="Arial Unicode MS" charset="0"/>
-              </a:rPr>
-              <a:t>(char *file, char *</a:t>
-            </a:r>
-            <a:r>
-              <a:rPr lang="en-US" sz="1600" dirty="0" err="1">
-                <a:latin typeface="Courier New" charset="0"/>
-                <a:cs typeface="Arial Unicode MS" charset="0"/>
-              </a:rPr>
-              <a:t>argv</a:t>
-            </a:r>
-            <a:r>
-              <a:rPr lang="en-US" sz="1600" dirty="0">
-                <a:latin typeface="Courier New" charset="0"/>
-                <a:cs typeface="Arial Unicode MS" charset="0"/>
-              </a:rPr>
-              <a:t>[]);</a:t>
-            </a:r>
-            <a:endParaRPr lang="en-US" sz="1600" dirty="0">
-              <a:latin typeface="Courier New" charset="0"/>
-            </a:endParaRPr>
-          </a:p>
-          <a:p>
-            <a:pPr>
-              <a:lnSpc>
-                <a:spcPct val="90000"/>
-              </a:lnSpc>
-            </a:pPr>
-            <a:r>
-              <a:rPr lang="en-US" sz="2000" dirty="0">
-                <a:cs typeface="Arial Unicode MS" charset="0"/>
-              </a:rPr>
-              <a:t>Here's what </a:t>
-            </a:r>
-            <a:r>
-              <a:rPr lang="en-US" sz="2000" i="1" dirty="0">
-                <a:cs typeface="Arial Unicode MS" charset="0"/>
-              </a:rPr>
-              <a:t>l</a:t>
-            </a:r>
-            <a:r>
-              <a:rPr lang="en-US" sz="2000" dirty="0">
-                <a:cs typeface="Arial Unicode MS" charset="0"/>
-              </a:rPr>
-              <a:t>, </a:t>
-            </a:r>
-            <a:r>
-              <a:rPr lang="en-US" sz="2000" i="1" dirty="0">
-                <a:cs typeface="Arial Unicode MS" charset="0"/>
-              </a:rPr>
-              <a:t>v</a:t>
-            </a:r>
-            <a:r>
-              <a:rPr lang="en-US" sz="2000" dirty="0">
-                <a:cs typeface="Arial Unicode MS" charset="0"/>
-              </a:rPr>
-              <a:t>, </a:t>
-            </a:r>
-            <a:r>
-              <a:rPr lang="en-US" sz="2000" i="1" dirty="0">
-                <a:cs typeface="Arial Unicode MS" charset="0"/>
-              </a:rPr>
-              <a:t>e</a:t>
-            </a:r>
-            <a:r>
-              <a:rPr lang="en-US" sz="2000" dirty="0">
-                <a:cs typeface="Arial Unicode MS" charset="0"/>
-              </a:rPr>
-              <a:t>, and </a:t>
-            </a:r>
-            <a:r>
-              <a:rPr lang="en-US" sz="2000" i="1" dirty="0">
-                <a:cs typeface="Arial Unicode MS" charset="0"/>
-              </a:rPr>
-              <a:t>p</a:t>
-            </a:r>
-            <a:r>
-              <a:rPr lang="en-US" sz="2000" dirty="0">
-                <a:cs typeface="Arial Unicode MS" charset="0"/>
-              </a:rPr>
-              <a:t> mean:</a:t>
-            </a:r>
-          </a:p>
-          <a:p>
-            <a:pPr lvl="1">
-              <a:lnSpc>
-                <a:spcPct val="60000"/>
-              </a:lnSpc>
-            </a:pPr>
-            <a:r>
-              <a:rPr lang="en-US" sz="1800" b="1" i="1" dirty="0">
-                <a:cs typeface="Arial Unicode MS" charset="0"/>
-              </a:rPr>
-              <a:t>l</a:t>
-            </a:r>
-            <a:r>
-              <a:rPr lang="en-US" sz="1800" dirty="0">
-                <a:cs typeface="Arial Unicode MS" charset="0"/>
-              </a:rPr>
-              <a:t> means an argument list,</a:t>
-            </a:r>
-          </a:p>
-          <a:p>
-            <a:pPr lvl="1">
-              <a:lnSpc>
-                <a:spcPct val="60000"/>
-              </a:lnSpc>
-            </a:pPr>
-            <a:r>
-              <a:rPr lang="en-US" sz="1800" b="1" i="1" dirty="0">
-                <a:cs typeface="Arial Unicode MS" charset="0"/>
-              </a:rPr>
-              <a:t>v</a:t>
-            </a:r>
-            <a:r>
-              <a:rPr lang="en-US" sz="1800" dirty="0">
-                <a:cs typeface="Arial Unicode MS" charset="0"/>
-              </a:rPr>
-              <a:t> means an argument vector,</a:t>
-            </a:r>
-          </a:p>
-          <a:p>
-            <a:pPr lvl="1">
-              <a:lnSpc>
-                <a:spcPct val="60000"/>
-              </a:lnSpc>
-            </a:pPr>
-            <a:r>
-              <a:rPr lang="en-US" sz="1800" b="1" i="1" dirty="0">
-                <a:cs typeface="Arial Unicode MS" charset="0"/>
-              </a:rPr>
-              <a:t>e</a:t>
-            </a:r>
-            <a:r>
-              <a:rPr lang="en-US" sz="1800" dirty="0">
-                <a:cs typeface="Arial Unicode MS" charset="0"/>
-              </a:rPr>
-              <a:t> means an environment vector, and</a:t>
-            </a:r>
-          </a:p>
-          <a:p>
-            <a:pPr lvl="1">
-              <a:lnSpc>
-                <a:spcPct val="60000"/>
-              </a:lnSpc>
-            </a:pPr>
-            <a:r>
-              <a:rPr lang="en-US" sz="1800" b="1" i="1" dirty="0">
-                <a:cs typeface="Arial Unicode MS" charset="0"/>
-              </a:rPr>
-              <a:t>p</a:t>
-            </a:r>
-            <a:r>
-              <a:rPr lang="en-US" sz="1800" dirty="0">
-                <a:cs typeface="Arial Unicode MS" charset="0"/>
-              </a:rPr>
-              <a:t> means a search path.</a:t>
-            </a:r>
-            <a:endParaRPr lang="en-US" sz="2000" dirty="0"/>
-          </a:p>
-          <a:p>
-            <a:endParaRPr lang="en-US" dirty="0"/>
-          </a:p>
-        </p:txBody>
-      </p:sp>
-    </p:spTree>
-    <p:extLst>
-      <p:ext uri="{BB962C8B-B14F-4D97-AF65-F5344CB8AC3E}">
-        <p14:creationId xmlns:p14="http://schemas.microsoft.com/office/powerpoint/2010/main" val="1120362296"/>
-      </p:ext>
-    </p:extLst>
-  </p:cSld>
-  <p:clrMapOvr>
-    <a:masterClrMapping/>
-  </p:clrMapOvr>
-  <p:timing>
-    <p:tnLst>
-      <p:par>
-        <p:cTn xmlns:p14="http://schemas.microsoft.com/office/powerpoint/2010/main" id="1" dur="indefinite" restart="never" nodeType="tmRoot"/>
-      </p:par>
-    </p:tnLst>
-  </p:timing>
-</p:sld>
-</file>
-
-<file path=ppt/slides/slide19.xml><?xml version="1.0" encoding="utf-8"?>
-<p:sld xmlns:a="http://schemas.openxmlformats.org/drawingml/2006/main" xmlns:r="http://schemas.openxmlformats.org/officeDocument/2006/relationships" xmlns:p="http://schemas.openxmlformats.org/presentationml/2006/main">
-  <p:cSld>
-    <p:spTree>
-      <p:nvGrpSpPr>
-        <p:cNvPr id="1" name=""/>
-        <p:cNvGrpSpPr/>
-        <p:nvPr/>
-      </p:nvGrpSpPr>
-      <p:grpSpPr>
-        <a:xfrm>
-          <a:off x="0" y="0"/>
-          <a:ext cx="0" cy="0"/>
-          <a:chOff x="0" y="0"/>
-          <a:chExt cx="0" cy="0"/>
-        </a:xfrm>
-      </p:grpSpPr>
-      <p:sp>
-        <p:nvSpPr>
-          <p:cNvPr id="20" name="Slide Number Placeholder 5"/>
-          <p:cNvSpPr>
-            <a:spLocks noGrp="1"/>
-          </p:cNvSpPr>
-          <p:nvPr>
-            <p:ph type="sldNum" sz="quarter" idx="12"/>
-          </p:nvPr>
-        </p:nvSpPr>
-        <p:spPr/>
-        <p:txBody>
-          <a:bodyPr/>
-          <a:lstStyle/>
-          <a:p>
-            <a:fld id="{00CA6169-6C96-8040-9723-0938878A2FD1}" type="slidenum">
-              <a:rPr lang="ru-RU"/>
-              <a:pPr/>
-              <a:t>19</a:t>
             </a:fld>
             <a:endParaRPr lang="ru-RU"/>
           </a:p>
@@ -8263,7 +8017,7 @@
 </p:sld>
 </file>
 
-<file path=ppt/slides/slide2.xml><?xml version="1.0" encoding="utf-8"?>
+<file path=ppt/slides/slide18.xml><?xml version="1.0" encoding="utf-8"?>
 <p:sld xmlns:a="http://schemas.openxmlformats.org/drawingml/2006/main" xmlns:r="http://schemas.openxmlformats.org/officeDocument/2006/relationships" xmlns:p="http://schemas.openxmlformats.org/presentationml/2006/main">
   <p:cSld>
     <p:spTree>
@@ -8282,29 +8036,7 @@
       </p:grpSpPr>
       <p:sp>
         <p:nvSpPr>
-          <p:cNvPr id="6" name="Footer Placeholder 4"/>
-          <p:cNvSpPr>
-            <a:spLocks noGrp="1"/>
-          </p:cNvSpPr>
-          <p:nvPr>
-            <p:ph type="ftr" sz="quarter" idx="11"/>
-          </p:nvPr>
-        </p:nvSpPr>
-        <p:spPr/>
-        <p:txBody>
-          <a:bodyPr/>
-          <a:lstStyle/>
-          <a:p>
-            <a:r>
-              <a:rPr lang="en-US"/>
-              <a:t>3: Processes</a:t>
-            </a:r>
-          </a:p>
-        </p:txBody>
-      </p:sp>
-      <p:sp>
-        <p:nvSpPr>
-          <p:cNvPr id="7" name="Slide Number Placeholder 5"/>
+          <p:cNvPr id="6" name="Slide Number Placeholder 5"/>
           <p:cNvSpPr>
             <a:spLocks noGrp="1"/>
           </p:cNvSpPr>
@@ -8317,344 +8049,10 @@
           <a:bodyPr/>
           <a:lstStyle/>
           <a:p>
-            <a:fld id="{57CC4C17-1D9E-2E47-AF8C-37378750A00F}" type="slidenum">
-              <a:rPr lang="en-US"/>
-              <a:pPr/>
-              <a:t>2</a:t>
-            </a:fld>
-            <a:endParaRPr lang="en-US"/>
-          </a:p>
-        </p:txBody>
-      </p:sp>
-      <p:sp>
-        <p:nvSpPr>
-          <p:cNvPr id="2050" name="Rectangle 2"/>
-          <p:cNvSpPr>
-            <a:spLocks noGrp="1" noChangeArrowheads="1"/>
-          </p:cNvSpPr>
-          <p:nvPr>
-            <p:ph type="ctrTitle"/>
-          </p:nvPr>
-        </p:nvSpPr>
-        <p:spPr>
-          <a:xfrm>
-            <a:off x="228600" y="228600"/>
-            <a:ext cx="3733800" cy="914400"/>
-          </a:xfrm>
-        </p:spPr>
-        <p:txBody>
-          <a:bodyPr/>
-          <a:lstStyle/>
-          <a:p>
-            <a:r>
-              <a:rPr lang="en-US" b="1"/>
-              <a:t>PROCESSES</a:t>
-            </a:r>
-          </a:p>
-        </p:txBody>
-      </p:sp>
-      <p:sp>
-        <p:nvSpPr>
-          <p:cNvPr id="2051" name="Rectangle 3"/>
-          <p:cNvSpPr>
-            <a:spLocks noGrp="1" noChangeArrowheads="1"/>
-          </p:cNvSpPr>
-          <p:nvPr>
-            <p:ph type="subTitle" idx="1"/>
-          </p:nvPr>
-        </p:nvSpPr>
-        <p:spPr>
-          <a:xfrm>
-            <a:off x="304800" y="1219200"/>
-            <a:ext cx="8458200" cy="4800600"/>
-          </a:xfrm>
-        </p:spPr>
-        <p:txBody>
-          <a:bodyPr/>
-          <a:lstStyle/>
-          <a:p>
-            <a:pPr algn="just"/>
-            <a:r>
-              <a:rPr lang="en-US" sz="1600" b="1"/>
-              <a:t>PROCESS CONCEPT:</a:t>
-            </a:r>
-          </a:p>
-          <a:p>
-            <a:pPr algn="just"/>
-            <a:endParaRPr lang="en-US" sz="1600"/>
-          </a:p>
-          <a:p>
-            <a:pPr algn="just"/>
-            <a:r>
-              <a:rPr lang="en-US" sz="1600"/>
-              <a:t>A </a:t>
-            </a:r>
-            <a:r>
-              <a:rPr lang="en-US" sz="1600" b="1"/>
-              <a:t>program</a:t>
-            </a:r>
-            <a:r>
-              <a:rPr lang="en-US" sz="1600"/>
-              <a:t> is passive; a </a:t>
-            </a:r>
-            <a:r>
-              <a:rPr lang="en-US" sz="1600" b="1"/>
-              <a:t>process</a:t>
-            </a:r>
-            <a:r>
-              <a:rPr lang="en-US" sz="1600"/>
-              <a:t> active. </a:t>
-            </a:r>
-          </a:p>
-          <a:p>
-            <a:pPr algn="just"/>
-            <a:r>
-              <a:rPr lang="en-US" sz="1600"/>
-              <a:t>Attributes held by a process include </a:t>
-            </a:r>
-          </a:p>
-          <a:p>
-            <a:pPr algn="just">
-              <a:buFont typeface="Arial Unicode MS" charset="0"/>
-              <a:buChar char="•"/>
-            </a:pPr>
-            <a:r>
-              <a:rPr lang="en-US" sz="1600"/>
-              <a:t>hardware state, </a:t>
-            </a:r>
-          </a:p>
-          <a:p>
-            <a:pPr algn="just">
-              <a:buFont typeface="Arial Unicode MS" charset="0"/>
-              <a:buChar char="•"/>
-            </a:pPr>
-            <a:r>
-              <a:rPr lang="en-US" sz="1600"/>
-              <a:t>memory, </a:t>
-            </a:r>
-          </a:p>
-          <a:p>
-            <a:pPr algn="just">
-              <a:buFont typeface="Arial Unicode MS" charset="0"/>
-              <a:buChar char="•"/>
-            </a:pPr>
-            <a:r>
-              <a:rPr lang="en-US" sz="1600"/>
-              <a:t>CPU, </a:t>
-            </a:r>
-          </a:p>
-          <a:p>
-            <a:pPr algn="just">
-              <a:buFont typeface="Arial Unicode MS" charset="0"/>
-              <a:buChar char="•"/>
-            </a:pPr>
-            <a:r>
-              <a:rPr lang="en-US" sz="1600"/>
-              <a:t>progress (executing)</a:t>
-            </a:r>
-          </a:p>
-          <a:p>
-            <a:pPr algn="just">
-              <a:buFont typeface="Arial Unicode MS" charset="0"/>
-              <a:buChar char="•"/>
-            </a:pPr>
-            <a:endParaRPr lang="en-US" sz="1600"/>
-          </a:p>
-          <a:p>
-            <a:pPr algn="just"/>
-            <a:r>
-              <a:rPr lang="en-US" sz="1600" b="1"/>
-              <a:t>WHY HAVE PROCESSES?</a:t>
-            </a:r>
-          </a:p>
-          <a:p>
-            <a:pPr algn="just"/>
-            <a:endParaRPr lang="en-US" sz="1600"/>
-          </a:p>
-          <a:p>
-            <a:pPr lvl="1" algn="just">
-              <a:lnSpc>
-                <a:spcPct val="70000"/>
-              </a:lnSpc>
-              <a:buFont typeface="Symbol" charset="0"/>
-              <a:buNone/>
-            </a:pPr>
-            <a:r>
-              <a:rPr lang="en-US" sz="1600"/>
-              <a:t>Resource sharing ( logical (files) and physical(hardware) ).</a:t>
-            </a:r>
-          </a:p>
-          <a:p>
-            <a:pPr lvl="2" algn="just">
-              <a:lnSpc>
-                <a:spcPct val="70000"/>
-              </a:lnSpc>
-            </a:pPr>
-            <a:endParaRPr lang="en-US" sz="1600"/>
-          </a:p>
-          <a:p>
-            <a:pPr lvl="1" algn="just">
-              <a:lnSpc>
-                <a:spcPct val="70000"/>
-              </a:lnSpc>
-              <a:buFont typeface="Symbol" charset="0"/>
-              <a:buNone/>
-            </a:pPr>
-            <a:r>
-              <a:rPr lang="en-US" sz="1600"/>
-              <a:t>Computation speedup - taking advantage of multiprogramming – i.e. example of a customer/server database system. </a:t>
-            </a:r>
-          </a:p>
-          <a:p>
-            <a:pPr algn="just">
-              <a:lnSpc>
-                <a:spcPct val="70000"/>
-              </a:lnSpc>
-            </a:pPr>
-            <a:endParaRPr lang="en-US" sz="1600"/>
-          </a:p>
-          <a:p>
-            <a:pPr lvl="1" algn="just">
-              <a:lnSpc>
-                <a:spcPct val="70000"/>
-              </a:lnSpc>
-              <a:buFont typeface="Symbol" charset="0"/>
-              <a:buNone/>
-            </a:pPr>
-            <a:r>
-              <a:rPr lang="en-US" sz="1600"/>
-              <a:t>Modularity for protection.</a:t>
-            </a:r>
-          </a:p>
-          <a:p>
-            <a:endParaRPr lang="en-US" sz="1600"/>
-          </a:p>
-        </p:txBody>
-      </p:sp>
-      <p:sp>
-        <p:nvSpPr>
-          <p:cNvPr id="2056" name="Rectangle 8"/>
-          <p:cNvSpPr>
-            <a:spLocks noChangeArrowheads="1"/>
-          </p:cNvSpPr>
-          <p:nvPr/>
-        </p:nvSpPr>
-        <p:spPr bwMode="auto">
-          <a:xfrm>
-            <a:off x="5105400" y="228600"/>
-            <a:ext cx="3810000" cy="685800"/>
-          </a:xfrm>
-          <a:prstGeom prst="rect">
-            <a:avLst/>
-          </a:prstGeom>
-          <a:noFill/>
-          <a:ln>
-            <a:noFill/>
-          </a:ln>
-          <a:effectLst/>
-          <a:extLst>
-            <a:ext uri="{909E8E84-426E-40dd-AFC4-6F175D3DCCD1}">
-              <a14:hiddenFill xmlns:a14="http://schemas.microsoft.com/office/drawing/2010/main">
-                <a:solidFill>
-                  <a:schemeClr val="accent1"/>
-                </a:solidFill>
-              </a14:hiddenFill>
-            </a:ext>
-            <a:ext uri="{91240B29-F687-4f45-9708-019B960494DF}">
-              <a14:hiddenLine xmlns:a14="http://schemas.microsoft.com/office/drawing/2010/main" w="9525">
-                <a:solidFill>
-                  <a:schemeClr val="tx1"/>
-                </a:solidFill>
-                <a:miter lim="800000"/>
-                <a:headEnd/>
-                <a:tailEnd/>
-              </a14:hiddenLine>
-            </a:ext>
-            <a:ext uri="{AF507438-7753-43e0-B8FC-AC1667EBCBE1}">
-              <a14:hiddenEffects xmlns:a14="http://schemas.microsoft.com/office/drawing/2010/main">
-                <a:effectLst>
-                  <a:outerShdw blurRad="63500" dist="38099" dir="2700000" algn="ctr" rotWithShape="0">
-                    <a:schemeClr val="bg2">
-                      <a:alpha val="74998"/>
-                    </a:schemeClr>
-                  </a:outerShdw>
-                </a:effectLst>
-              </a14:hiddenEffects>
-            </a:ext>
-          </a:extLst>
-        </p:spPr>
-        <p:txBody>
-          <a:bodyPr wrap="none" anchor="ctr"/>
-          <a:lstStyle/>
-          <a:p>
-            <a:pPr algn="ctr"/>
-            <a:r>
-              <a:rPr lang="en-US" sz="2800" b="1">
-                <a:solidFill>
-                  <a:srgbClr val="FF3300"/>
-                </a:solidFill>
-              </a:rPr>
-              <a:t>Definitions</a:t>
-            </a:r>
-          </a:p>
-        </p:txBody>
-      </p:sp>
-    </p:spTree>
-    <p:extLst>
-      <p:ext uri="{BB962C8B-B14F-4D97-AF65-F5344CB8AC3E}">
-        <p14:creationId xmlns:p14="http://schemas.microsoft.com/office/powerpoint/2010/main" val="3747997253"/>
-      </p:ext>
-    </p:extLst>
-  </p:cSld>
-  <p:clrMapOvr>
-    <a:masterClrMapping/>
-  </p:clrMapOvr>
-  <p:timing>
-    <p:tnLst>
-      <p:par>
-        <p:cTn xmlns:p14="http://schemas.microsoft.com/office/powerpoint/2010/main" id="1" dur="indefinite" restart="never" nodeType="tmRoot"/>
-      </p:par>
-    </p:tnLst>
-  </p:timing>
-</p:sld>
-</file>
-
-<file path=ppt/slides/slide20.xml><?xml version="1.0" encoding="utf-8"?>
-<p:sld xmlns:a="http://schemas.openxmlformats.org/drawingml/2006/main" xmlns:r="http://schemas.openxmlformats.org/officeDocument/2006/relationships" xmlns:p="http://schemas.openxmlformats.org/presentationml/2006/main">
-  <p:cSld>
-    <p:spTree>
-      <p:nvGrpSpPr>
-        <p:cNvPr id="1" name=""/>
-        <p:cNvGrpSpPr/>
-        <p:nvPr/>
-      </p:nvGrpSpPr>
-      <p:grpSpPr>
-        <a:xfrm>
-          <a:off x="0" y="0"/>
-          <a:ext cx="0" cy="0"/>
-          <a:chOff x="0" y="0"/>
-          <a:chExt cx="0" cy="0"/>
-        </a:xfrm>
-      </p:grpSpPr>
-      <p:sp>
-        <p:nvSpPr>
-          <p:cNvPr id="6" name="Slide Number Placeholder 5"/>
-          <p:cNvSpPr>
-            <a:spLocks noGrp="1"/>
-          </p:cNvSpPr>
-          <p:nvPr>
-            <p:ph type="sldNum" sz="quarter" idx="12"/>
-          </p:nvPr>
-        </p:nvSpPr>
-        <p:spPr/>
-        <p:txBody>
-          <a:bodyPr/>
-          <a:lstStyle/>
-          <a:p>
             <a:fld id="{DEB1C447-A757-7443-B7D2-2BF717AC3E5E}" type="slidenum">
               <a:rPr lang="ru-RU"/>
               <a:pPr/>
-              <a:t>20</a:t>
+              <a:t>18</a:t>
             </a:fld>
             <a:endParaRPr lang="ru-RU"/>
           </a:p>
@@ -8948,7 +8346,7 @@
 </p:sld>
 </file>
 
-<file path=ppt/slides/slide21.xml><?xml version="1.0" encoding="utf-8"?>
+<file path=ppt/slides/slide19.xml><?xml version="1.0" encoding="utf-8"?>
 <p:sld xmlns:a="http://schemas.openxmlformats.org/drawingml/2006/main" xmlns:r="http://schemas.openxmlformats.org/officeDocument/2006/relationships" xmlns:p="http://schemas.openxmlformats.org/presentationml/2006/main">
   <p:cSld>
     <p:spTree>
@@ -8983,7 +8381,7 @@
             <a:fld id="{FAF96A98-EBF7-6B47-AEC1-674E179DFA3E}" type="slidenum">
               <a:rPr lang="ru-RU"/>
               <a:pPr/>
-              <a:t>21</a:t>
+              <a:t>19</a:t>
             </a:fld>
             <a:endParaRPr lang="ru-RU"/>
           </a:p>
@@ -10679,6 +10077,789 @@
 </p:sld>
 </file>
 
+<file path=ppt/slides/slide2.xml><?xml version="1.0" encoding="utf-8"?>
+<p:sld xmlns:a="http://schemas.openxmlformats.org/drawingml/2006/main" xmlns:r="http://schemas.openxmlformats.org/officeDocument/2006/relationships" xmlns:p="http://schemas.openxmlformats.org/presentationml/2006/main">
+  <p:cSld>
+    <p:spTree>
+      <p:nvGrpSpPr>
+        <p:cNvPr id="1" name=""/>
+        <p:cNvGrpSpPr/>
+        <p:nvPr/>
+      </p:nvGrpSpPr>
+      <p:grpSpPr>
+        <a:xfrm>
+          <a:off x="0" y="0"/>
+          <a:ext cx="0" cy="0"/>
+          <a:chOff x="0" y="0"/>
+          <a:chExt cx="0" cy="0"/>
+        </a:xfrm>
+      </p:grpSpPr>
+      <p:sp>
+        <p:nvSpPr>
+          <p:cNvPr id="6" name="Footer Placeholder 4"/>
+          <p:cNvSpPr>
+            <a:spLocks noGrp="1"/>
+          </p:cNvSpPr>
+          <p:nvPr>
+            <p:ph type="ftr" sz="quarter" idx="11"/>
+          </p:nvPr>
+        </p:nvSpPr>
+        <p:spPr/>
+        <p:txBody>
+          <a:bodyPr/>
+          <a:lstStyle/>
+          <a:p>
+            <a:r>
+              <a:rPr lang="en-US"/>
+              <a:t>3: Processes</a:t>
+            </a:r>
+          </a:p>
+        </p:txBody>
+      </p:sp>
+      <p:sp>
+        <p:nvSpPr>
+          <p:cNvPr id="7" name="Slide Number Placeholder 5"/>
+          <p:cNvSpPr>
+            <a:spLocks noGrp="1"/>
+          </p:cNvSpPr>
+          <p:nvPr>
+            <p:ph type="sldNum" sz="quarter" idx="12"/>
+          </p:nvPr>
+        </p:nvSpPr>
+        <p:spPr/>
+        <p:txBody>
+          <a:bodyPr/>
+          <a:lstStyle/>
+          <a:p>
+            <a:fld id="{57CC4C17-1D9E-2E47-AF8C-37378750A00F}" type="slidenum">
+              <a:rPr lang="en-US"/>
+              <a:pPr/>
+              <a:t>2</a:t>
+            </a:fld>
+            <a:endParaRPr lang="en-US"/>
+          </a:p>
+        </p:txBody>
+      </p:sp>
+      <p:sp>
+        <p:nvSpPr>
+          <p:cNvPr id="2050" name="Rectangle 2"/>
+          <p:cNvSpPr>
+            <a:spLocks noGrp="1" noChangeArrowheads="1"/>
+          </p:cNvSpPr>
+          <p:nvPr>
+            <p:ph type="ctrTitle"/>
+          </p:nvPr>
+        </p:nvSpPr>
+        <p:spPr>
+          <a:xfrm>
+            <a:off x="228600" y="228600"/>
+            <a:ext cx="3733800" cy="914400"/>
+          </a:xfrm>
+        </p:spPr>
+        <p:txBody>
+          <a:bodyPr/>
+          <a:lstStyle/>
+          <a:p>
+            <a:r>
+              <a:rPr lang="en-US" b="1"/>
+              <a:t>PROCESSES</a:t>
+            </a:r>
+          </a:p>
+        </p:txBody>
+      </p:sp>
+      <p:sp>
+        <p:nvSpPr>
+          <p:cNvPr id="2051" name="Rectangle 3"/>
+          <p:cNvSpPr>
+            <a:spLocks noGrp="1" noChangeArrowheads="1"/>
+          </p:cNvSpPr>
+          <p:nvPr>
+            <p:ph type="subTitle" idx="1"/>
+          </p:nvPr>
+        </p:nvSpPr>
+        <p:spPr>
+          <a:xfrm>
+            <a:off x="304800" y="1219200"/>
+            <a:ext cx="8458200" cy="4800600"/>
+          </a:xfrm>
+        </p:spPr>
+        <p:txBody>
+          <a:bodyPr/>
+          <a:lstStyle/>
+          <a:p>
+            <a:pPr algn="just"/>
+            <a:r>
+              <a:rPr lang="en-US" sz="1600" b="1" dirty="0"/>
+              <a:t>PROCESS CONCEPT:</a:t>
+            </a:r>
+          </a:p>
+          <a:p>
+            <a:pPr algn="just"/>
+            <a:endParaRPr lang="en-US" sz="1600" dirty="0"/>
+          </a:p>
+          <a:p>
+            <a:pPr algn="just"/>
+            <a:r>
+              <a:rPr lang="en-US" sz="1600" dirty="0"/>
+              <a:t>A </a:t>
+            </a:r>
+            <a:r>
+              <a:rPr lang="en-US" sz="1600" b="1" dirty="0"/>
+              <a:t>program</a:t>
+            </a:r>
+            <a:r>
+              <a:rPr lang="en-US" sz="1600" dirty="0"/>
+              <a:t> is passive; a </a:t>
+            </a:r>
+            <a:r>
+              <a:rPr lang="en-US" sz="1600" b="1" dirty="0"/>
+              <a:t>process</a:t>
+            </a:r>
+            <a:r>
+              <a:rPr lang="en-US" sz="1600" dirty="0"/>
+              <a:t> active. </a:t>
+            </a:r>
+          </a:p>
+          <a:p>
+            <a:pPr algn="just"/>
+            <a:r>
+              <a:rPr lang="en-US" sz="1600" dirty="0"/>
+              <a:t>Attributes held by a process include </a:t>
+            </a:r>
+          </a:p>
+          <a:p>
+            <a:pPr algn="just">
+              <a:buFont typeface="Arial Unicode MS" charset="0"/>
+              <a:buChar char="•"/>
+            </a:pPr>
+            <a:r>
+              <a:rPr lang="en-US" sz="1600" dirty="0"/>
+              <a:t>hardware state, </a:t>
+            </a:r>
+          </a:p>
+          <a:p>
+            <a:pPr algn="just">
+              <a:buFont typeface="Arial Unicode MS" charset="0"/>
+              <a:buChar char="•"/>
+            </a:pPr>
+            <a:r>
+              <a:rPr lang="en-US" sz="1600" dirty="0"/>
+              <a:t>memory, </a:t>
+            </a:r>
+          </a:p>
+          <a:p>
+            <a:pPr algn="just">
+              <a:buFont typeface="Arial Unicode MS" charset="0"/>
+              <a:buChar char="•"/>
+            </a:pPr>
+            <a:r>
+              <a:rPr lang="en-US" sz="1600" dirty="0"/>
+              <a:t>CPU, </a:t>
+            </a:r>
+          </a:p>
+          <a:p>
+            <a:pPr algn="just">
+              <a:buFont typeface="Arial Unicode MS" charset="0"/>
+              <a:buChar char="•"/>
+            </a:pPr>
+            <a:r>
+              <a:rPr lang="en-US" sz="1600" dirty="0"/>
+              <a:t>progress (executing)</a:t>
+            </a:r>
+          </a:p>
+          <a:p>
+            <a:pPr algn="just">
+              <a:buFont typeface="Arial Unicode MS" charset="0"/>
+              <a:buChar char="•"/>
+            </a:pPr>
+            <a:endParaRPr lang="en-US" sz="1600" dirty="0"/>
+          </a:p>
+          <a:p>
+            <a:pPr algn="just"/>
+            <a:r>
+              <a:rPr lang="en-US" sz="1600" b="1" dirty="0"/>
+              <a:t>WHY HAVE PROCESSES?</a:t>
+            </a:r>
+          </a:p>
+          <a:p>
+            <a:pPr algn="just"/>
+            <a:endParaRPr lang="en-US" sz="1600" dirty="0"/>
+          </a:p>
+          <a:p>
+            <a:pPr lvl="1" algn="just">
+              <a:lnSpc>
+                <a:spcPct val="70000"/>
+              </a:lnSpc>
+              <a:buFont typeface="Symbol" charset="0"/>
+              <a:buNone/>
+            </a:pPr>
+            <a:r>
+              <a:rPr lang="en-US" sz="1600" dirty="0"/>
+              <a:t>Resource sharing ( logical (files) and physical(hardware) ).</a:t>
+            </a:r>
+          </a:p>
+          <a:p>
+            <a:pPr lvl="2" algn="just">
+              <a:lnSpc>
+                <a:spcPct val="70000"/>
+              </a:lnSpc>
+            </a:pPr>
+            <a:endParaRPr lang="en-US" sz="1600" dirty="0"/>
+          </a:p>
+          <a:p>
+            <a:pPr lvl="1" algn="just">
+              <a:lnSpc>
+                <a:spcPct val="70000"/>
+              </a:lnSpc>
+              <a:buFont typeface="Symbol" charset="0"/>
+              <a:buNone/>
+            </a:pPr>
+            <a:r>
+              <a:rPr lang="en-US" sz="1600" dirty="0"/>
+              <a:t>Computation speedup - taking advantage of multiprogramming – i.e. example of a customer/server database system. </a:t>
+            </a:r>
+          </a:p>
+          <a:p>
+            <a:pPr algn="just">
+              <a:lnSpc>
+                <a:spcPct val="70000"/>
+              </a:lnSpc>
+            </a:pPr>
+            <a:endParaRPr lang="en-US" sz="1600" dirty="0"/>
+          </a:p>
+          <a:p>
+            <a:pPr lvl="1" algn="just">
+              <a:lnSpc>
+                <a:spcPct val="70000"/>
+              </a:lnSpc>
+              <a:buFont typeface="Symbol" charset="0"/>
+              <a:buNone/>
+            </a:pPr>
+            <a:r>
+              <a:rPr lang="en-US" sz="1600" dirty="0"/>
+              <a:t>Modularity for protection.</a:t>
+            </a:r>
+          </a:p>
+          <a:p>
+            <a:endParaRPr lang="en-US" sz="1600" dirty="0"/>
+          </a:p>
+        </p:txBody>
+      </p:sp>
+      <p:sp>
+        <p:nvSpPr>
+          <p:cNvPr id="2056" name="Rectangle 8"/>
+          <p:cNvSpPr>
+            <a:spLocks noChangeArrowheads="1"/>
+          </p:cNvSpPr>
+          <p:nvPr/>
+        </p:nvSpPr>
+        <p:spPr bwMode="auto">
+          <a:xfrm>
+            <a:off x="5105400" y="228600"/>
+            <a:ext cx="3810000" cy="685800"/>
+          </a:xfrm>
+          <a:prstGeom prst="rect">
+            <a:avLst/>
+          </a:prstGeom>
+          <a:noFill/>
+          <a:ln>
+            <a:noFill/>
+          </a:ln>
+          <a:effectLst/>
+          <a:extLst>
+            <a:ext uri="{909E8E84-426E-40dd-AFC4-6F175D3DCCD1}">
+              <a14:hiddenFill xmlns:a14="http://schemas.microsoft.com/office/drawing/2010/main">
+                <a:solidFill>
+                  <a:schemeClr val="accent1"/>
+                </a:solidFill>
+              </a14:hiddenFill>
+            </a:ext>
+            <a:ext uri="{91240B29-F687-4f45-9708-019B960494DF}">
+              <a14:hiddenLine xmlns:a14="http://schemas.microsoft.com/office/drawing/2010/main" w="9525">
+                <a:solidFill>
+                  <a:schemeClr val="tx1"/>
+                </a:solidFill>
+                <a:miter lim="800000"/>
+                <a:headEnd/>
+                <a:tailEnd/>
+              </a14:hiddenLine>
+            </a:ext>
+            <a:ext uri="{AF507438-7753-43e0-B8FC-AC1667EBCBE1}">
+              <a14:hiddenEffects xmlns:a14="http://schemas.microsoft.com/office/drawing/2010/main">
+                <a:effectLst>
+                  <a:outerShdw blurRad="63500" dist="38099" dir="2700000" algn="ctr" rotWithShape="0">
+                    <a:schemeClr val="bg2">
+                      <a:alpha val="74998"/>
+                    </a:schemeClr>
+                  </a:outerShdw>
+                </a:effectLst>
+              </a14:hiddenEffects>
+            </a:ext>
+          </a:extLst>
+        </p:spPr>
+        <p:txBody>
+          <a:bodyPr wrap="none" anchor="ctr"/>
+          <a:lstStyle/>
+          <a:p>
+            <a:pPr algn="ctr"/>
+            <a:r>
+              <a:rPr lang="en-US" sz="2800" b="1">
+                <a:solidFill>
+                  <a:srgbClr val="FF3300"/>
+                </a:solidFill>
+              </a:rPr>
+              <a:t>Definitions</a:t>
+            </a:r>
+          </a:p>
+        </p:txBody>
+      </p:sp>
+    </p:spTree>
+    <p:extLst>
+      <p:ext uri="{BB962C8B-B14F-4D97-AF65-F5344CB8AC3E}">
+        <p14:creationId xmlns:p14="http://schemas.microsoft.com/office/powerpoint/2010/main" val="3747997253"/>
+      </p:ext>
+    </p:extLst>
+  </p:cSld>
+  <p:clrMapOvr>
+    <a:masterClrMapping/>
+  </p:clrMapOvr>
+  <p:timing>
+    <p:tnLst>
+      <p:par>
+        <p:cTn xmlns:p14="http://schemas.microsoft.com/office/powerpoint/2010/main" id="1" dur="indefinite" restart="never" nodeType="tmRoot"/>
+      </p:par>
+    </p:tnLst>
+  </p:timing>
+</p:sld>
+</file>
+
+<file path=ppt/slides/slide20.xml><?xml version="1.0" encoding="utf-8"?>
+<p:sld xmlns:a="http://schemas.openxmlformats.org/drawingml/2006/main" xmlns:r="http://schemas.openxmlformats.org/officeDocument/2006/relationships" xmlns:p="http://schemas.openxmlformats.org/presentationml/2006/main">
+  <p:cSld>
+    <p:spTree>
+      <p:nvGrpSpPr>
+        <p:cNvPr id="1" name=""/>
+        <p:cNvGrpSpPr/>
+        <p:nvPr/>
+      </p:nvGrpSpPr>
+      <p:grpSpPr>
+        <a:xfrm>
+          <a:off x="0" y="0"/>
+          <a:ext cx="0" cy="0"/>
+          <a:chOff x="0" y="0"/>
+          <a:chExt cx="0" cy="0"/>
+        </a:xfrm>
+      </p:grpSpPr>
+      <p:sp>
+        <p:nvSpPr>
+          <p:cNvPr id="6" name="Slide Number Placeholder 5"/>
+          <p:cNvSpPr>
+            <a:spLocks noGrp="1"/>
+          </p:cNvSpPr>
+          <p:nvPr>
+            <p:ph type="sldNum" sz="quarter" idx="12"/>
+          </p:nvPr>
+        </p:nvSpPr>
+        <p:spPr/>
+        <p:txBody>
+          <a:bodyPr/>
+          <a:lstStyle/>
+          <a:p>
+            <a:fld id="{D1950D63-F935-2C41-825F-F23DDE1D12CC}" type="slidenum">
+              <a:rPr lang="ru-RU"/>
+              <a:pPr/>
+              <a:t>20</a:t>
+            </a:fld>
+            <a:endParaRPr lang="ru-RU"/>
+          </a:p>
+        </p:txBody>
+      </p:sp>
+      <p:sp>
+        <p:nvSpPr>
+          <p:cNvPr id="18434" name="Rectangle 2"/>
+          <p:cNvSpPr>
+            <a:spLocks noGrp="1" noChangeArrowheads="1"/>
+          </p:cNvSpPr>
+          <p:nvPr>
+            <p:ph type="title"/>
+          </p:nvPr>
+        </p:nvSpPr>
+        <p:spPr/>
+        <p:txBody>
+          <a:bodyPr/>
+          <a:lstStyle/>
+          <a:p>
+            <a:r>
+              <a:rPr lang="en-US"/>
+              <a:t>The System </a:t>
+            </a:r>
+            <a:r>
+              <a:rPr lang="en-US">
+                <a:latin typeface="Courier New" charset="0"/>
+              </a:rPr>
+              <a:t>wait()</a:t>
+            </a:r>
+            <a:r>
+              <a:rPr lang="en-US"/>
+              <a:t> Call</a:t>
+            </a:r>
+          </a:p>
+        </p:txBody>
+      </p:sp>
+      <p:sp>
+        <p:nvSpPr>
+          <p:cNvPr id="18435" name="Rectangle 3"/>
+          <p:cNvSpPr>
+            <a:spLocks noGrp="1" noChangeArrowheads="1"/>
+          </p:cNvSpPr>
+          <p:nvPr>
+            <p:ph type="body" idx="1"/>
+          </p:nvPr>
+        </p:nvSpPr>
+        <p:spPr/>
+        <p:txBody>
+          <a:bodyPr/>
+          <a:lstStyle/>
+          <a:p>
+            <a:r>
+              <a:rPr lang="en-US" dirty="0"/>
+              <a:t>Forces the parent to suspend execution, i.e. wait for its children or a specific child to die (</a:t>
+            </a:r>
+            <a:r>
+              <a:rPr lang="en-US" i="1" dirty="0"/>
+              <a:t>terminate</a:t>
+            </a:r>
+            <a:r>
+              <a:rPr lang="en-US" dirty="0"/>
+              <a:t> is more appropriate terminology, but a bit less common)</a:t>
+            </a:r>
+            <a:r>
+              <a:rPr lang="en-US" dirty="0" smtClean="0"/>
+              <a:t>.</a:t>
+            </a:r>
+            <a:endParaRPr lang="en-US" dirty="0"/>
+          </a:p>
+        </p:txBody>
+      </p:sp>
+    </p:spTree>
+    <p:extLst>
+      <p:ext uri="{BB962C8B-B14F-4D97-AF65-F5344CB8AC3E}">
+        <p14:creationId xmlns:p14="http://schemas.microsoft.com/office/powerpoint/2010/main" val="1301996039"/>
+      </p:ext>
+    </p:extLst>
+  </p:cSld>
+  <p:clrMapOvr>
+    <a:masterClrMapping/>
+  </p:clrMapOvr>
+  <p:timing>
+    <p:tnLst>
+      <p:par>
+        <p:cTn xmlns:p14="http://schemas.microsoft.com/office/powerpoint/2010/main" id="1" dur="indefinite" restart="never" nodeType="tmRoot"/>
+      </p:par>
+    </p:tnLst>
+  </p:timing>
+</p:sld>
+</file>
+
+<file path=ppt/slides/slide21.xml><?xml version="1.0" encoding="utf-8"?>
+<p:sld xmlns:a="http://schemas.openxmlformats.org/drawingml/2006/main" xmlns:r="http://schemas.openxmlformats.org/officeDocument/2006/relationships" xmlns:p="http://schemas.openxmlformats.org/presentationml/2006/main">
+  <p:cSld>
+    <p:spTree>
+      <p:nvGrpSpPr>
+        <p:cNvPr id="1" name=""/>
+        <p:cNvGrpSpPr/>
+        <p:nvPr/>
+      </p:nvGrpSpPr>
+      <p:grpSpPr>
+        <a:xfrm>
+          <a:off x="0" y="0"/>
+          <a:ext cx="0" cy="0"/>
+          <a:chOff x="0" y="0"/>
+          <a:chExt cx="0" cy="0"/>
+        </a:xfrm>
+      </p:grpSpPr>
+      <p:sp>
+        <p:nvSpPr>
+          <p:cNvPr id="7" name="Slide Number Placeholder 5"/>
+          <p:cNvSpPr>
+            <a:spLocks noGrp="1"/>
+          </p:cNvSpPr>
+          <p:nvPr>
+            <p:ph type="sldNum" sz="quarter" idx="12"/>
+          </p:nvPr>
+        </p:nvSpPr>
+        <p:spPr/>
+        <p:txBody>
+          <a:bodyPr/>
+          <a:lstStyle/>
+          <a:p>
+            <a:fld id="{68F76E00-E5DC-6B4E-A4A1-19C4074A1851}" type="slidenum">
+              <a:rPr lang="ru-RU"/>
+              <a:pPr/>
+              <a:t>21</a:t>
+            </a:fld>
+            <a:endParaRPr lang="ru-RU"/>
+          </a:p>
+        </p:txBody>
+      </p:sp>
+      <p:sp>
+        <p:nvSpPr>
+          <p:cNvPr id="28674" name="Rectangle 2"/>
+          <p:cNvSpPr>
+            <a:spLocks noGrp="1" noChangeArrowheads="1"/>
+          </p:cNvSpPr>
+          <p:nvPr>
+            <p:ph type="title"/>
+          </p:nvPr>
+        </p:nvSpPr>
+        <p:spPr/>
+        <p:txBody>
+          <a:bodyPr/>
+          <a:lstStyle/>
+          <a:p>
+            <a:r>
+              <a:rPr lang="en-US"/>
+              <a:t>The System </a:t>
+            </a:r>
+            <a:r>
+              <a:rPr lang="en-US">
+                <a:latin typeface="Courier New" charset="0"/>
+              </a:rPr>
+              <a:t>wait()</a:t>
+            </a:r>
+            <a:r>
+              <a:rPr lang="en-US"/>
+              <a:t> Call (2)</a:t>
+            </a:r>
+          </a:p>
+        </p:txBody>
+      </p:sp>
+      <p:sp>
+        <p:nvSpPr>
+          <p:cNvPr id="28675" name="Rectangle 3"/>
+          <p:cNvSpPr>
+            <a:spLocks noGrp="1" noChangeArrowheads="1"/>
+          </p:cNvSpPr>
+          <p:nvPr>
+            <p:ph type="body" idx="1"/>
+          </p:nvPr>
+        </p:nvSpPr>
+        <p:spPr>
+          <a:xfrm>
+            <a:off x="533400" y="3276600"/>
+            <a:ext cx="8153400" cy="2895600"/>
+          </a:xfrm>
+        </p:spPr>
+        <p:txBody>
+          <a:bodyPr>
+            <a:normAutofit fontScale="92500" lnSpcReduction="10000"/>
+          </a:bodyPr>
+          <a:lstStyle/>
+          <a:p>
+            <a:r>
+              <a:rPr lang="en-US" sz="2400" dirty="0"/>
+              <a:t>The </a:t>
+            </a:r>
+            <a:r>
+              <a:rPr lang="en-US" sz="2400" dirty="0">
+                <a:latin typeface="Courier New" charset="0"/>
+              </a:rPr>
+              <a:t>wait()</a:t>
+            </a:r>
+            <a:r>
+              <a:rPr lang="en-US" sz="2400" dirty="0"/>
+              <a:t> causes the parent to wait for any child process.</a:t>
+            </a:r>
+          </a:p>
+          <a:p>
+            <a:r>
+              <a:rPr lang="en-US" sz="2400" dirty="0"/>
+              <a:t>The </a:t>
+            </a:r>
+            <a:r>
+              <a:rPr lang="en-US" sz="2400" dirty="0" err="1">
+                <a:latin typeface="Courier New" charset="0"/>
+              </a:rPr>
+              <a:t>waitpid</a:t>
+            </a:r>
+            <a:r>
+              <a:rPr lang="en-US" sz="2400" dirty="0">
+                <a:latin typeface="Courier New" charset="0"/>
+              </a:rPr>
+              <a:t>()</a:t>
+            </a:r>
+            <a:r>
+              <a:rPr lang="en-US" sz="2400" dirty="0"/>
+              <a:t> waits for the child with specific PID.</a:t>
+            </a:r>
+          </a:p>
+          <a:p>
+            <a:r>
+              <a:rPr lang="en-US" sz="2400" dirty="0"/>
+              <a:t>The status, if not NULL, stores exit information of the child, which can be analyzed by the parent using the </a:t>
+            </a:r>
+            <a:r>
+              <a:rPr lang="en-US" sz="2400" dirty="0">
+                <a:latin typeface="Courier New" charset="0"/>
+              </a:rPr>
+              <a:t>W*()</a:t>
+            </a:r>
+            <a:r>
+              <a:rPr lang="en-US" sz="2400" dirty="0"/>
+              <a:t> </a:t>
+            </a:r>
+            <a:r>
+              <a:rPr lang="en-US" sz="2400" dirty="0" smtClean="0"/>
+              <a:t>macros.</a:t>
+            </a:r>
+          </a:p>
+          <a:p>
+            <a:r>
+              <a:rPr lang="en-US" sz="2400" dirty="0"/>
+              <a:t>http://man7.org/</a:t>
+            </a:r>
+            <a:r>
+              <a:rPr lang="en-US" sz="2400" dirty="0" err="1"/>
+              <a:t>linux</a:t>
+            </a:r>
+            <a:r>
+              <a:rPr lang="en-US" sz="2400" dirty="0"/>
+              <a:t>/man-pages/man2/wait.2.html</a:t>
+            </a:r>
+          </a:p>
+          <a:p>
+            <a:r>
+              <a:rPr lang="en-US" sz="2400" dirty="0"/>
+              <a:t>The return value is:</a:t>
+            </a:r>
+          </a:p>
+          <a:p>
+            <a:pPr lvl="1"/>
+            <a:r>
+              <a:rPr lang="en-US" sz="2000" dirty="0"/>
+              <a:t>PID of the exited process, if no error</a:t>
+            </a:r>
+          </a:p>
+          <a:p>
+            <a:pPr lvl="1"/>
+            <a:r>
+              <a:rPr lang="en-US" sz="2000" dirty="0"/>
+              <a:t>(-1) if an error has happened</a:t>
+            </a:r>
+          </a:p>
+        </p:txBody>
+      </p:sp>
+      <p:sp>
+        <p:nvSpPr>
+          <p:cNvPr id="28676" name="Text Box 4"/>
+          <p:cNvSpPr txBox="1">
+            <a:spLocks noChangeArrowheads="1"/>
+          </p:cNvSpPr>
+          <p:nvPr/>
+        </p:nvSpPr>
+        <p:spPr bwMode="auto">
+          <a:xfrm>
+            <a:off x="1371600" y="1676400"/>
+            <a:ext cx="6427788" cy="1323975"/>
+          </a:xfrm>
+          <a:prstGeom prst="rect">
+            <a:avLst/>
+          </a:prstGeom>
+          <a:noFill/>
+          <a:ln w="9525">
+            <a:solidFill>
+              <a:schemeClr val="tx1"/>
+            </a:solidFill>
+            <a:miter lim="800000"/>
+            <a:headEnd/>
+            <a:tailEnd/>
+          </a:ln>
+          <a:effectLst/>
+          <a:extLst>
+            <a:ext uri="{909E8E84-426E-40dd-AFC4-6F175D3DCCD1}">
+              <a14:hiddenFill xmlns:a14="http://schemas.microsoft.com/office/drawing/2010/main">
+                <a:solidFill>
+                  <a:schemeClr val="accent1"/>
+                </a:solidFill>
+              </a14:hiddenFill>
+            </a:ext>
+            <a:ext uri="{AF507438-7753-43e0-B8FC-AC1667EBCBE1}">
+              <a14:hiddenEffects xmlns:a14="http://schemas.microsoft.com/office/drawing/2010/main">
+                <a:effectLst>
+                  <a:outerShdw blurRad="63500" dist="38099" dir="2700000" algn="ctr" rotWithShape="0">
+                    <a:schemeClr val="bg2">
+                      <a:alpha val="74998"/>
+                    </a:schemeClr>
+                  </a:outerShdw>
+                </a:effectLst>
+              </a14:hiddenEffects>
+            </a:ext>
+          </a:extLst>
+        </p:spPr>
+        <p:txBody>
+          <a:bodyPr wrap="none">
+            <a:spAutoFit/>
+          </a:bodyPr>
+          <a:lstStyle/>
+          <a:p>
+            <a:r>
+              <a:rPr lang="en-US" sz="1600">
+                <a:latin typeface="Courier New" charset="0"/>
+              </a:rPr>
+              <a:t>#include &lt;sys/types.h&gt;</a:t>
+            </a:r>
+          </a:p>
+          <a:p>
+            <a:r>
+              <a:rPr lang="en-US" sz="1600">
+                <a:latin typeface="Courier New" charset="0"/>
+              </a:rPr>
+              <a:t>#include &lt;sys/wait.h&gt;</a:t>
+            </a:r>
+          </a:p>
+          <a:p>
+            <a:endParaRPr lang="en-US" sz="1600">
+              <a:latin typeface="Courier New" charset="0"/>
+            </a:endParaRPr>
+          </a:p>
+          <a:p>
+            <a:r>
+              <a:rPr lang="en-US" sz="1600">
+                <a:latin typeface="Courier New" charset="0"/>
+              </a:rPr>
+              <a:t>pid_t wait(int *status);</a:t>
+            </a:r>
+          </a:p>
+          <a:p>
+            <a:r>
+              <a:rPr lang="en-US" sz="1600">
+                <a:latin typeface="Courier New" charset="0"/>
+              </a:rPr>
+              <a:t>pid_t waitpid(pid_t pid, int *status, int options);</a:t>
+            </a:r>
+          </a:p>
+        </p:txBody>
+      </p:sp>
+    </p:spTree>
+    <p:extLst>
+      <p:ext uri="{BB962C8B-B14F-4D97-AF65-F5344CB8AC3E}">
+        <p14:creationId xmlns:p14="http://schemas.microsoft.com/office/powerpoint/2010/main" val="3053172849"/>
+      </p:ext>
+    </p:extLst>
+  </p:cSld>
+  <p:clrMapOvr>
+    <a:masterClrMapping/>
+  </p:clrMapOvr>
+  <p:timing>
+    <p:tnLst>
+      <p:par>
+        <p:cTn xmlns:p14="http://schemas.microsoft.com/office/powerpoint/2010/main" id="1" dur="indefinite" restart="never" nodeType="tmRoot"/>
+      </p:par>
+    </p:tnLst>
+  </p:timing>
+</p:sld>
+</file>
+
 <file path=ppt/slides/slide22.xml><?xml version="1.0" encoding="utf-8"?>
 <p:sld xmlns:a="http://schemas.openxmlformats.org/drawingml/2006/main" xmlns:r="http://schemas.openxmlformats.org/officeDocument/2006/relationships" xmlns:p="http://schemas.openxmlformats.org/presentationml/2006/main">
   <p:cSld>
@@ -10698,33 +10879,9 @@
       </p:grpSpPr>
       <p:sp>
         <p:nvSpPr>
-          <p:cNvPr id="6" name="Slide Number Placeholder 5"/>
+          <p:cNvPr id="2" name="Title 1"/>
           <p:cNvSpPr>
             <a:spLocks noGrp="1"/>
-          </p:cNvSpPr>
-          <p:nvPr>
-            <p:ph type="sldNum" sz="quarter" idx="12"/>
-          </p:nvPr>
-        </p:nvSpPr>
-        <p:spPr/>
-        <p:txBody>
-          <a:bodyPr/>
-          <a:lstStyle/>
-          <a:p>
-            <a:fld id="{D1950D63-F935-2C41-825F-F23DDE1D12CC}" type="slidenum">
-              <a:rPr lang="ru-RU"/>
-              <a:pPr/>
-              <a:t>22</a:t>
-            </a:fld>
-            <a:endParaRPr lang="ru-RU"/>
-          </a:p>
-        </p:txBody>
-      </p:sp>
-      <p:sp>
-        <p:nvSpPr>
-          <p:cNvPr id="18434" name="Rectangle 2"/>
-          <p:cNvSpPr>
-            <a:spLocks noGrp="1" noChangeArrowheads="1"/>
           </p:cNvSpPr>
           <p:nvPr>
             <p:ph type="title"/>
@@ -10736,30 +10893,21 @@
           <a:lstStyle/>
           <a:p>
             <a:r>
-              <a:rPr lang="en-US"/>
-              <a:t>The System </a:t>
-            </a:r>
-            <a:r>
-              <a:rPr lang="en-US">
-                <a:latin typeface="Courier New" charset="0"/>
-              </a:rPr>
-              <a:t>wait()</a:t>
-            </a:r>
-            <a:r>
-              <a:rPr lang="en-US"/>
-              <a:t> Call</a:t>
-            </a:r>
-          </a:p>
-        </p:txBody>
-      </p:sp>
-      <p:sp>
-        <p:nvSpPr>
-          <p:cNvPr id="18435" name="Rectangle 3"/>
-          <p:cNvSpPr>
-            <a:spLocks noGrp="1" noChangeArrowheads="1"/>
+              <a:rPr lang="en-US" dirty="0" smtClean="0"/>
+              <a:t>HW1 Hints	</a:t>
+            </a:r>
+            <a:endParaRPr lang="en-US" dirty="0"/>
+          </a:p>
+        </p:txBody>
+      </p:sp>
+      <p:sp>
+        <p:nvSpPr>
+          <p:cNvPr id="3" name="Content Placeholder 2"/>
+          <p:cNvSpPr>
+            <a:spLocks noGrp="1"/>
           </p:cNvSpPr>
           <p:nvPr>
-            <p:ph type="body" idx="1"/>
+            <p:ph idx="1"/>
           </p:nvPr>
         </p:nvSpPr>
         <p:spPr/>
@@ -10768,29 +10916,41 @@
           <a:lstStyle/>
           <a:p>
             <a:r>
+              <a:rPr lang="en-US" dirty="0" smtClean="0"/>
+              <a:t>How to wait for all background processes to finish?</a:t>
+            </a:r>
+          </a:p>
+          <a:p>
+            <a:r>
+              <a:rPr lang="en-US" dirty="0" smtClean="0"/>
+              <a:t>Fork child process. The </a:t>
+            </a:r>
+            <a:r>
               <a:rPr lang="en-US" dirty="0"/>
-              <a:t>Forces the parent to suspend execution, i.e. wait for its children or a specific child to die (</a:t>
-            </a:r>
-            <a:r>
-              <a:rPr lang="en-US" i="1" dirty="0"/>
-              <a:t>terminate</a:t>
-            </a:r>
+              <a:t>stack will be copied completely. Copied, not shared. Thus if you want your parent and child to communicate you have to use sockets or shared memory. </a:t>
+            </a:r>
+            <a:endParaRPr lang="en-US" dirty="0" smtClean="0"/>
+          </a:p>
+          <a:p>
             <a:r>
               <a:rPr lang="en-US" dirty="0"/>
-              <a:t> is more appropriate terminology, but a bit less common)</a:t>
-            </a:r>
-            <a:r>
-              <a:rPr lang="en-US" dirty="0" smtClean="0"/>
-              <a:t>.</a:t>
-            </a:r>
-            <a:endParaRPr lang="en-US" dirty="0"/>
+              <a:t>Better approach: http://man7.org/</a:t>
+            </a:r>
+            <a:r>
+              <a:rPr lang="en-US" dirty="0" err="1"/>
+              <a:t>linux</a:t>
+            </a:r>
+            <a:r>
+              <a:rPr lang="en-US" dirty="0"/>
+              <a:t>/man-pages/man3/errno.3.html</a:t>
+            </a:r>
           </a:p>
         </p:txBody>
       </p:sp>
     </p:spTree>
     <p:extLst>
       <p:ext uri="{BB962C8B-B14F-4D97-AF65-F5344CB8AC3E}">
-        <p14:creationId xmlns:p14="http://schemas.microsoft.com/office/powerpoint/2010/main" val="1301996039"/>
+        <p14:creationId xmlns:p14="http://schemas.microsoft.com/office/powerpoint/2010/main" val="3436233034"/>
       </p:ext>
     </p:extLst>
   </p:cSld>
@@ -10826,33 +10986,9 @@
       </p:grpSpPr>
       <p:sp>
         <p:nvSpPr>
-          <p:cNvPr id="7" name="Slide Number Placeholder 5"/>
+          <p:cNvPr id="2" name="Title 1"/>
           <p:cNvSpPr>
             <a:spLocks noGrp="1"/>
-          </p:cNvSpPr>
-          <p:nvPr>
-            <p:ph type="sldNum" sz="quarter" idx="12"/>
-          </p:nvPr>
-        </p:nvSpPr>
-        <p:spPr/>
-        <p:txBody>
-          <a:bodyPr/>
-          <a:lstStyle/>
-          <a:p>
-            <a:fld id="{68F76E00-E5DC-6B4E-A4A1-19C4074A1851}" type="slidenum">
-              <a:rPr lang="ru-RU"/>
-              <a:pPr/>
-              <a:t>23</a:t>
-            </a:fld>
-            <a:endParaRPr lang="ru-RU"/>
-          </a:p>
-        </p:txBody>
-      </p:sp>
-      <p:sp>
-        <p:nvSpPr>
-          <p:cNvPr id="28674" name="Rectangle 2"/>
-          <p:cNvSpPr>
-            <a:spLocks noGrp="1" noChangeArrowheads="1"/>
           </p:cNvSpPr>
           <p:nvPr>
             <p:ph type="title"/>
@@ -10864,232 +11000,158 @@
           <a:lstStyle/>
           <a:p>
             <a:r>
-              <a:rPr lang="en-US"/>
-              <a:t>The System </a:t>
-            </a:r>
-            <a:r>
-              <a:rPr lang="en-US">
-                <a:latin typeface="Courier New" charset="0"/>
-              </a:rPr>
-              <a:t>wait()</a:t>
-            </a:r>
-            <a:r>
-              <a:rPr lang="en-US"/>
-              <a:t> Call (2)</a:t>
-            </a:r>
-          </a:p>
-        </p:txBody>
-      </p:sp>
-      <p:sp>
-        <p:nvSpPr>
-          <p:cNvPr id="28675" name="Rectangle 3"/>
-          <p:cNvSpPr>
-            <a:spLocks noGrp="1" noChangeArrowheads="1"/>
+              <a:rPr lang="en-US" dirty="0" err="1" smtClean="0"/>
+              <a:t>Errno.h</a:t>
+            </a:r>
+            <a:endParaRPr lang="en-US" dirty="0"/>
+          </a:p>
+        </p:txBody>
+      </p:sp>
+      <p:sp>
+        <p:nvSpPr>
+          <p:cNvPr id="3" name="Content Placeholder 2"/>
+          <p:cNvSpPr>
+            <a:spLocks noGrp="1"/>
           </p:cNvSpPr>
           <p:nvPr>
-            <p:ph type="body" idx="1"/>
+            <p:ph idx="1"/>
           </p:nvPr>
         </p:nvSpPr>
-        <p:spPr>
-          <a:xfrm>
-            <a:off x="533400" y="3276600"/>
-            <a:ext cx="8153400" cy="2895600"/>
-          </a:xfrm>
-        </p:spPr>
+        <p:spPr/>
         <p:txBody>
           <a:bodyPr>
-            <a:normAutofit fontScale="92500" lnSpcReduction="10000"/>
+            <a:normAutofit fontScale="85000" lnSpcReduction="20000"/>
           </a:bodyPr>
           <a:lstStyle/>
           <a:p>
             <a:r>
-              <a:rPr lang="en-US" sz="2400" dirty="0"/>
-              <a:t>The </a:t>
-            </a:r>
-            <a:r>
-              <a:rPr lang="en-US" sz="2400" dirty="0">
-                <a:latin typeface="Courier New" charset="0"/>
-              </a:rPr>
-              <a:t>wait()</a:t>
-            </a:r>
-            <a:r>
-              <a:rPr lang="en-US" sz="2400" dirty="0"/>
-              <a:t> causes the parent to wait for any child process.</a:t>
-            </a:r>
-          </a:p>
-          <a:p>
-            <a:r>
-              <a:rPr lang="en-US" sz="2400" dirty="0"/>
-              <a:t>The </a:t>
-            </a:r>
-            <a:r>
-              <a:rPr lang="en-US" sz="2400" dirty="0" err="1">
-                <a:latin typeface="Courier New" charset="0"/>
-              </a:rPr>
-              <a:t>waitpid</a:t>
-            </a:r>
-            <a:r>
-              <a:rPr lang="en-US" sz="2400" dirty="0">
-                <a:latin typeface="Courier New" charset="0"/>
-              </a:rPr>
-              <a:t>()</a:t>
-            </a:r>
-            <a:r>
-              <a:rPr lang="en-US" sz="2400" dirty="0"/>
-              <a:t> waits for the child with specific PID.</a:t>
-            </a:r>
-          </a:p>
-          <a:p>
-            <a:r>
-              <a:rPr lang="en-US" sz="2400" dirty="0"/>
-              <a:t>The status, if not NULL, stores exit information of the child, which can be analyzed by the parent using the </a:t>
-            </a:r>
-            <a:r>
-              <a:rPr lang="en-US" sz="2400" dirty="0">
-                <a:latin typeface="Courier New" charset="0"/>
-              </a:rPr>
-              <a:t>W*()</a:t>
-            </a:r>
-            <a:r>
-              <a:rPr lang="en-US" sz="2400" dirty="0"/>
-              <a:t> </a:t>
-            </a:r>
-            <a:r>
-              <a:rPr lang="en-US" sz="2400" dirty="0" smtClean="0"/>
-              <a:t>macros.</a:t>
-            </a:r>
-          </a:p>
-          <a:p>
-            <a:r>
-              <a:rPr lang="en-US" sz="2400" dirty="0"/>
-              <a:t>http://man7.org/</a:t>
-            </a:r>
-            <a:r>
-              <a:rPr lang="en-US" sz="2400" dirty="0" err="1"/>
-              <a:t>linux</a:t>
-            </a:r>
-            <a:r>
-              <a:rPr lang="en-US" sz="2400" dirty="0"/>
-              <a:t>/man-pages/man2/wait.2.html</a:t>
-            </a:r>
-          </a:p>
-          <a:p>
-            <a:r>
-              <a:rPr lang="en-US" sz="2400" dirty="0"/>
-              <a:t>The return value is:</a:t>
-            </a:r>
-          </a:p>
-          <a:p>
-            <a:pPr lvl="1"/>
-            <a:r>
-              <a:rPr lang="en-US" sz="2000" dirty="0"/>
-              <a:t>PID of the exited process, if no error</a:t>
-            </a:r>
-          </a:p>
-          <a:p>
-            <a:pPr lvl="1"/>
-            <a:r>
-              <a:rPr lang="en-US" sz="2000" dirty="0"/>
-              <a:t>(-1) if an error has happened</a:t>
-            </a:r>
-          </a:p>
-        </p:txBody>
-      </p:sp>
-      <p:sp>
-        <p:nvSpPr>
-          <p:cNvPr id="28676" name="Text Box 4"/>
-          <p:cNvSpPr txBox="1">
-            <a:spLocks noChangeArrowheads="1"/>
-          </p:cNvSpPr>
-          <p:nvPr/>
-        </p:nvSpPr>
-        <p:spPr bwMode="auto">
-          <a:xfrm>
-            <a:off x="1371600" y="1676400"/>
-            <a:ext cx="6427788" cy="1323975"/>
-          </a:xfrm>
-          <a:prstGeom prst="rect">
-            <a:avLst/>
-          </a:prstGeom>
-          <a:noFill/>
-          <a:ln w="9525">
-            <a:solidFill>
-              <a:schemeClr val="tx1"/>
-            </a:solidFill>
-            <a:miter lim="800000"/>
-            <a:headEnd/>
-            <a:tailEnd/>
-          </a:ln>
-          <a:effectLst/>
-          <a:extLst>
-            <a:ext uri="{909E8E84-426E-40dd-AFC4-6F175D3DCCD1}">
-              <a14:hiddenFill xmlns:a14="http://schemas.microsoft.com/office/drawing/2010/main">
-                <a:solidFill>
-                  <a:schemeClr val="accent1"/>
-                </a:solidFill>
-              </a14:hiddenFill>
-            </a:ext>
-            <a:ext uri="{AF507438-7753-43e0-B8FC-AC1667EBCBE1}">
-              <a14:hiddenEffects xmlns:a14="http://schemas.microsoft.com/office/drawing/2010/main">
-                <a:effectLst>
-                  <a:outerShdw blurRad="63500" dist="38099" dir="2700000" algn="ctr" rotWithShape="0">
-                    <a:schemeClr val="bg2">
-                      <a:alpha val="74998"/>
-                    </a:schemeClr>
-                  </a:outerShdw>
-                </a:effectLst>
-              </a14:hiddenEffects>
-            </a:ext>
-          </a:extLst>
-        </p:spPr>
-        <p:txBody>
-          <a:bodyPr wrap="none">
-            <a:spAutoFit/>
-          </a:bodyPr>
-          <a:lstStyle/>
-          <a:p>
-            <a:r>
-              <a:rPr lang="en-US" sz="1600">
-                <a:latin typeface="Courier New" charset="0"/>
-              </a:rPr>
-              <a:t>#include &lt;sys/types.h&gt;</a:t>
-            </a:r>
-          </a:p>
-          <a:p>
-            <a:r>
-              <a:rPr lang="en-US" sz="1600">
-                <a:latin typeface="Courier New" charset="0"/>
-              </a:rPr>
-              <a:t>#include &lt;sys/wait.h&gt;</a:t>
-            </a:r>
-          </a:p>
-          <a:p>
-            <a:endParaRPr lang="en-US" sz="1600">
-              <a:latin typeface="Courier New" charset="0"/>
-            </a:endParaRPr>
-          </a:p>
-          <a:p>
-            <a:r>
-              <a:rPr lang="en-US" sz="1600">
-                <a:latin typeface="Courier New" charset="0"/>
-              </a:rPr>
-              <a:t>pid_t wait(int *status);</a:t>
-            </a:r>
-          </a:p>
-          <a:p>
-            <a:r>
-              <a:rPr lang="en-US" sz="1600">
-                <a:latin typeface="Courier New" charset="0"/>
-              </a:rPr>
-              <a:t>pid_t waitpid(pid_t pid, int *status, int options);</a:t>
-            </a:r>
+              <a:rPr lang="en-US" dirty="0"/>
+              <a:t>The &lt;</a:t>
+            </a:r>
+            <a:r>
+              <a:rPr lang="en-US" dirty="0" err="1"/>
+              <a:t>errno.h</a:t>
+            </a:r>
+            <a:r>
+              <a:rPr lang="en-US" dirty="0"/>
+              <a:t>&gt; header file defines the integer variable </a:t>
+            </a:r>
+            <a:r>
+              <a:rPr lang="en-US" dirty="0" err="1"/>
+              <a:t>errno</a:t>
+            </a:r>
+            <a:r>
+              <a:rPr lang="en-US" dirty="0"/>
+              <a:t>, </a:t>
+            </a:r>
+            <a:r>
+              <a:rPr lang="en-US" dirty="0" smtClean="0"/>
+              <a:t>which  </a:t>
+            </a:r>
+            <a:r>
+              <a:rPr lang="en-US" dirty="0"/>
+              <a:t>is set by system calls and some library functions in the event of </a:t>
+            </a:r>
+            <a:r>
+              <a:rPr lang="en-US" dirty="0" smtClean="0"/>
+              <a:t>an  </a:t>
+            </a:r>
+            <a:r>
+              <a:rPr lang="en-US" dirty="0"/>
+              <a:t>error to indicate what went wrong</a:t>
+            </a:r>
+            <a:r>
+              <a:rPr lang="en-US" dirty="0" smtClean="0"/>
+              <a:t>.</a:t>
+            </a:r>
+          </a:p>
+          <a:p>
+            <a:r>
+              <a:rPr lang="en-US" dirty="0"/>
+              <a:t>ECHILD No child processes (POSIX.1</a:t>
+            </a:r>
+            <a:r>
+              <a:rPr lang="en-US" dirty="0" smtClean="0"/>
+              <a:t>)</a:t>
+            </a:r>
+          </a:p>
+          <a:p>
+            <a:endParaRPr lang="en-US" dirty="0" smtClean="0"/>
+          </a:p>
+          <a:p>
+            <a:pPr marL="0" indent="0">
+              <a:buNone/>
+            </a:pPr>
+            <a:r>
+              <a:rPr lang="en-US" dirty="0" smtClean="0"/>
+              <a:t>while </a:t>
+            </a:r>
+            <a:r>
+              <a:rPr lang="en-US" dirty="0"/>
+              <a:t>(</a:t>
+            </a:r>
+            <a:r>
+              <a:rPr lang="en-US" dirty="0" err="1"/>
+              <a:t>pid</a:t>
+            </a:r>
+            <a:r>
+              <a:rPr lang="en-US" dirty="0"/>
+              <a:t> = wait(NULL))) {</a:t>
+            </a:r>
+          </a:p>
+          <a:p>
+            <a:pPr marL="0" indent="0">
+              <a:buNone/>
+            </a:pPr>
+            <a:r>
+              <a:rPr lang="en-US" dirty="0"/>
+              <a:t>   if (</a:t>
+            </a:r>
+            <a:r>
+              <a:rPr lang="en-US" dirty="0" err="1"/>
+              <a:t>errno</a:t>
+            </a:r>
+            <a:r>
+              <a:rPr lang="en-US" dirty="0"/>
+              <a:t> == ECHILD) {</a:t>
+            </a:r>
+          </a:p>
+          <a:p>
+            <a:pPr marL="0" indent="0">
+              <a:buNone/>
+            </a:pPr>
+            <a:r>
+              <a:rPr lang="en-US" dirty="0"/>
+              <a:t>      break;</a:t>
+            </a:r>
+          </a:p>
+          <a:p>
+            <a:pPr marL="0" indent="0">
+              <a:buNone/>
+            </a:pPr>
+            <a:r>
+              <a:rPr lang="en-US" dirty="0"/>
+              <a:t>   }</a:t>
+            </a:r>
+          </a:p>
+          <a:p>
+            <a:pPr marL="0" indent="0">
+              <a:buNone/>
+            </a:pPr>
+            <a:r>
+              <a:rPr lang="en-US" dirty="0"/>
+              <a:t>}</a:t>
+            </a:r>
+          </a:p>
+          <a:p>
+            <a:endParaRPr lang="en-US" dirty="0"/>
           </a:p>
         </p:txBody>
       </p:sp>
     </p:spTree>
     <p:extLst>
       <p:ext uri="{BB962C8B-B14F-4D97-AF65-F5344CB8AC3E}">
-        <p14:creationId xmlns:p14="http://schemas.microsoft.com/office/powerpoint/2010/main" val="3053172849"/>
+        <p14:creationId xmlns:p14="http://schemas.microsoft.com/office/powerpoint/2010/main" val="3098467640"/>
       </p:ext>
     </p:extLst>
   </p:cSld>
@@ -11140,7 +11202,7 @@
           <a:p>
             <a:r>
               <a:rPr lang="en-US" dirty="0" smtClean="0"/>
-              <a:t>HW1 Hints	</a:t>
+              <a:t>Zombie Processes</a:t>
             </a:r>
             <a:endParaRPr lang="en-US" dirty="0"/>
           </a:p>
@@ -11158,45 +11220,74 @@
         </p:nvSpPr>
         <p:spPr/>
         <p:txBody>
-          <a:bodyPr/>
-          <a:lstStyle/>
-          <a:p>
+          <a:bodyPr>
+            <a:normAutofit fontScale="92500" lnSpcReduction="10000"/>
+          </a:bodyPr>
+          <a:lstStyle/>
+          <a:p>
+            <a:r>
+              <a:rPr lang="en-US" dirty="0"/>
+              <a:t>When a child process terminates, it </a:t>
+            </a:r>
             <a:r>
               <a:rPr lang="en-US" dirty="0" smtClean="0"/>
-              <a:t>How to wait for all background processes to finish?</a:t>
-            </a:r>
+              <a:t>continues </a:t>
+            </a:r>
+            <a:r>
+              <a:rPr lang="en-US" dirty="0"/>
+              <a:t>to exist as an entry in the system process table even though it is no longer an actively executing program. </a:t>
+            </a:r>
+            <a:endParaRPr lang="en-US" dirty="0" smtClean="0"/>
           </a:p>
           <a:p>
             <a:r>
               <a:rPr lang="en-US" dirty="0" smtClean="0"/>
-              <a:t>Fork child process. The </a:t>
+              <a:t>Typically waited </a:t>
             </a:r>
             <a:r>
               <a:rPr lang="en-US" dirty="0"/>
-              <a:t>stack will be copied completely. Copied, not shared. Thus if you want your parent and child to communicate you have to use sockets or shared memory. </a:t>
-            </a:r>
-            <a:endParaRPr lang="en-US" dirty="0" smtClean="0"/>
-          </a:p>
-          <a:p>
+              <a:t>on by its parent, and </a:t>
+            </a:r>
+            <a:r>
+              <a:rPr lang="en-US" dirty="0" smtClean="0"/>
+              <a:t>reclaimed by system</a:t>
+            </a:r>
+          </a:p>
+          <a:p>
+            <a:r>
+              <a:rPr lang="en-US" dirty="0" smtClean="0"/>
+              <a:t>If </a:t>
+            </a:r>
             <a:r>
               <a:rPr lang="en-US" dirty="0"/>
-              <a:t>Better approach: http://man7.org/</a:t>
-            </a:r>
-            <a:r>
-              <a:rPr lang="en-US" dirty="0" err="1"/>
-              <a:t>linux</a:t>
+              <a:t>a child is not waited on by its parent, it continues to consume this resource indefinitely, and thus is a resource </a:t>
+            </a:r>
+            <a:r>
+              <a:rPr lang="en-US" dirty="0" smtClean="0"/>
+              <a:t>leak</a:t>
             </a:r>
             <a:r>
               <a:rPr lang="en-US" dirty="0"/>
-              <a:t>/man-pages/man3/errno.3.html</a:t>
-            </a:r>
+              <a:t> </a:t>
+            </a:r>
+            <a:r>
+              <a:rPr lang="en-US" dirty="0" smtClean="0"/>
+              <a:t>-&gt; Zombie Processes</a:t>
+            </a:r>
+          </a:p>
+          <a:p>
+            <a:r>
+              <a:rPr lang="en-US" dirty="0" smtClean="0"/>
+              <a:t>Look out for when doing hw1!</a:t>
+            </a:r>
+            <a:endParaRPr lang="en-US" dirty="0"/>
           </a:p>
         </p:txBody>
       </p:sp>
     </p:spTree>
     <p:extLst>
       <p:ext uri="{BB962C8B-B14F-4D97-AF65-F5344CB8AC3E}">
-        <p14:creationId xmlns:p14="http://schemas.microsoft.com/office/powerpoint/2010/main" val="3436233034"/>
+        <p14:creationId xmlns:p14="http://schemas.microsoft.com/office/powerpoint/2010/main" val="2150334150"/>
       </p:ext>
     </p:extLst>
   </p:cSld>
@@ -11242,12 +11333,14 @@
         </p:nvSpPr>
         <p:spPr/>
         <p:txBody>
-          <a:bodyPr/>
-          <a:lstStyle/>
-          <a:p>
-            <a:r>
-              <a:rPr lang="en-US" dirty="0" err="1" smtClean="0"/>
-              <a:t>Errno.h</a:t>
+          <a:bodyPr>
+            <a:normAutofit fontScale="90000"/>
+          </a:bodyPr>
+          <a:lstStyle/>
+          <a:p>
+            <a:r>
+              <a:rPr lang="en-US" dirty="0" smtClean="0"/>
+              <a:t>How to get rid of zombie processes?	</a:t>
             </a:r>
             <a:endParaRPr lang="en-US" dirty="0"/>
           </a:p>
@@ -11266,59 +11359,23 @@
         <p:spPr/>
         <p:txBody>
           <a:bodyPr>
-            <a:normAutofit fontScale="85000" lnSpcReduction="20000"/>
+            <a:normAutofit lnSpcReduction="10000"/>
           </a:bodyPr>
           <a:lstStyle/>
           <a:p>
             <a:r>
+              <a:rPr lang="en-US" dirty="0" smtClean="0"/>
+              <a:t>Signals</a:t>
+            </a:r>
+          </a:p>
+          <a:p>
+            <a:r>
               <a:rPr lang="en-US" dirty="0"/>
-              <a:t>The &lt;</a:t>
-            </a:r>
-            <a:r>
-              <a:rPr lang="en-US" dirty="0" err="1"/>
-              <a:t>errno.h</a:t>
-            </a:r>
-            <a:r>
-              <a:rPr lang="en-US" dirty="0"/>
-              <a:t>&gt; header file defines the integer variable </a:t>
-            </a:r>
-            <a:r>
-              <a:rPr lang="en-US" dirty="0" err="1"/>
-              <a:t>errno</a:t>
-            </a:r>
-            <a:r>
-              <a:rPr lang="en-US" dirty="0"/>
-              <a:t>, </a:t>
-            </a:r>
-            <a:r>
-              <a:rPr lang="en-US" dirty="0" smtClean="0"/>
-              <a:t>which  </a:t>
-            </a:r>
-            <a:r>
-              <a:rPr lang="en-US" dirty="0"/>
-              <a:t>is set by system calls and some library functions in the event of </a:t>
-            </a:r>
-            <a:r>
-              <a:rPr lang="en-US" dirty="0" smtClean="0"/>
-              <a:t>an  </a:t>
-            </a:r>
-            <a:r>
-              <a:rPr lang="en-US" dirty="0"/>
-              <a:t>error to indicate what went wrong</a:t>
+              <a:t>SIGCHLD is a signal your program receives if a child process gets terminated</a:t>
             </a:r>
             <a:r>
               <a:rPr lang="en-US" dirty="0" smtClean="0"/>
               <a:t>.</a:t>
-            </a:r>
-          </a:p>
-          <a:p>
-            <a:r>
-              <a:rPr lang="en-US" dirty="0"/>
-              <a:t>ECHILD No child processes (POSIX.1</a:t>
-            </a:r>
-            <a:r>
-              <a:rPr lang="en-US" dirty="0" smtClean="0"/>
-              <a:t>)</a:t>
             </a:r>
           </a:p>
           <a:p>
@@ -11329,8 +11386,12 @@
               <a:buNone/>
             </a:pPr>
             <a:r>
-              <a:rPr lang="en-US" dirty="0" smtClean="0"/>
-              <a:t>while </a:t>
+              <a:rPr lang="en-US" dirty="0"/>
+              <a:t>void </a:t>
+            </a:r>
+            <a:r>
+              <a:rPr lang="en-US" dirty="0" err="1"/>
+              <a:t>cleanup_child</a:t>
             </a:r>
             <a:r>
               <a:rPr lang="en-US" dirty="0"/>
@@ -11338,11 +11399,11 @@
             </a:r>
             <a:r>
               <a:rPr lang="en-US" dirty="0" err="1"/>
-              <a:t>pid</a:t>
+              <a:t>int</a:t>
             </a:r>
             <a:r>
               <a:rPr lang="en-US" dirty="0"/>
-              <a:t> = wait(NULL))) {</a:t>
+              <a:t> signal) {</a:t>
             </a:r>
           </a:p>
           <a:p>
@@ -11351,15 +11412,7 @@
             </a:pPr>
             <a:r>
               <a:rPr lang="en-US" dirty="0"/>
-              <a:t>   if (</a:t>
-            </a:r>
-            <a:r>
-              <a:rPr lang="en-US" dirty="0" err="1"/>
-              <a:t>errno</a:t>
-            </a:r>
-            <a:r>
-              <a:rPr lang="en-US" dirty="0"/>
-              <a:t> == ECHILD) {</a:t>
+              <a:t>    wait();</a:t>
             </a:r>
           </a:p>
           <a:p>
@@ -11367,8 +11420,8 @@
               <a:buNone/>
             </a:pPr>
             <a:r>
-              <a:rPr lang="en-US" dirty="0"/>
-              <a:t>      break;</a:t>
+              <a:rPr lang="en-US" dirty="0" smtClean="0"/>
+              <a:t>}</a:t>
             </a:r>
           </a:p>
           <a:p>
@@ -11377,27 +11430,23 @@
             </a:pPr>
             <a:r>
               <a:rPr lang="en-US" dirty="0"/>
-              <a:t>   }</a:t>
-            </a:r>
-          </a:p>
-          <a:p>
-            <a:pPr marL="0" indent="0">
-              <a:buNone/>
-            </a:pPr>
+              <a:t>signal(</a:t>
+            </a:r>
+            <a:r>
+              <a:rPr lang="en-US" dirty="0" err="1"/>
+              <a:t>SIGCHLD,cleanup_child</a:t>
+            </a:r>
             <a:r>
               <a:rPr lang="en-US" dirty="0"/>
-              <a:t>}</a:t>
-            </a:r>
-          </a:p>
-          <a:p>
-            <a:endParaRPr lang="en-US" dirty="0"/>
+              <a:t>);</a:t>
+            </a:r>
           </a:p>
         </p:txBody>
       </p:sp>
     </p:spTree>
     <p:extLst>
       <p:ext uri="{BB962C8B-B14F-4D97-AF65-F5344CB8AC3E}">
-        <p14:creationId xmlns:p14="http://schemas.microsoft.com/office/powerpoint/2010/main" val="3098467640"/>
+        <p14:creationId xmlns:p14="http://schemas.microsoft.com/office/powerpoint/2010/main" val="2038790733"/>
       </p:ext>
     </p:extLst>
   </p:cSld>
@@ -11433,301 +11482,6 @@
       </p:grpSpPr>
       <p:sp>
         <p:nvSpPr>
-          <p:cNvPr id="2" name="Title 1"/>
-          <p:cNvSpPr>
-            <a:spLocks noGrp="1"/>
-          </p:cNvSpPr>
-          <p:nvPr>
-            <p:ph type="title"/>
-          </p:nvPr>
-        </p:nvSpPr>
-        <p:spPr/>
-        <p:txBody>
-          <a:bodyPr/>
-          <a:lstStyle/>
-          <a:p>
-            <a:r>
-              <a:rPr lang="en-US" dirty="0" smtClean="0"/>
-              <a:t>Zombie Processes</a:t>
-            </a:r>
-            <a:endParaRPr lang="en-US" dirty="0"/>
-          </a:p>
-        </p:txBody>
-      </p:sp>
-      <p:sp>
-        <p:nvSpPr>
-          <p:cNvPr id="3" name="Content Placeholder 2"/>
-          <p:cNvSpPr>
-            <a:spLocks noGrp="1"/>
-          </p:cNvSpPr>
-          <p:nvPr>
-            <p:ph idx="1"/>
-          </p:nvPr>
-        </p:nvSpPr>
-        <p:spPr/>
-        <p:txBody>
-          <a:bodyPr>
-            <a:normAutofit fontScale="92500" lnSpcReduction="10000"/>
-          </a:bodyPr>
-          <a:lstStyle/>
-          <a:p>
-            <a:r>
-              <a:rPr lang="en-US" dirty="0"/>
-              <a:t>When a child process terminates, it </a:t>
-            </a:r>
-            <a:r>
-              <a:rPr lang="en-US" dirty="0" smtClean="0"/>
-              <a:t>continues </a:t>
-            </a:r>
-            <a:r>
-              <a:rPr lang="en-US" dirty="0"/>
-              <a:t>to exist as an entry in the system process table even though it is no longer an actively executing program. </a:t>
-            </a:r>
-            <a:endParaRPr lang="en-US" dirty="0" smtClean="0"/>
-          </a:p>
-          <a:p>
-            <a:r>
-              <a:rPr lang="en-US" dirty="0" smtClean="0"/>
-              <a:t>Typically waited </a:t>
-            </a:r>
-            <a:r>
-              <a:rPr lang="en-US" dirty="0"/>
-              <a:t>on by its parent, and </a:t>
-            </a:r>
-            <a:r>
-              <a:rPr lang="en-US" dirty="0" smtClean="0"/>
-              <a:t>reclaimed by system</a:t>
-            </a:r>
-          </a:p>
-          <a:p>
-            <a:r>
-              <a:rPr lang="en-US" dirty="0" smtClean="0"/>
-              <a:t>If </a:t>
-            </a:r>
-            <a:r>
-              <a:rPr lang="en-US" dirty="0"/>
-              <a:t>a child is not waited on by its parent, it continues to consume this resource indefinitely, and thus is a resource </a:t>
-            </a:r>
-            <a:r>
-              <a:rPr lang="en-US" dirty="0" smtClean="0"/>
-              <a:t>leak</a:t>
-            </a:r>
-            <a:r>
-              <a:rPr lang="en-US" dirty="0"/>
-              <a:t> </a:t>
-            </a:r>
-            <a:r>
-              <a:rPr lang="en-US" dirty="0" smtClean="0"/>
-              <a:t>-&gt; Zombie Processes</a:t>
-            </a:r>
-          </a:p>
-          <a:p>
-            <a:r>
-              <a:rPr lang="en-US" dirty="0" smtClean="0"/>
-              <a:t>Look out for when doing hw1!</a:t>
-            </a:r>
-            <a:endParaRPr lang="en-US" dirty="0"/>
-          </a:p>
-        </p:txBody>
-      </p:sp>
-    </p:spTree>
-    <p:extLst>
-      <p:ext uri="{BB962C8B-B14F-4D97-AF65-F5344CB8AC3E}">
-        <p14:creationId xmlns:p14="http://schemas.microsoft.com/office/powerpoint/2010/main" val="2150334150"/>
-      </p:ext>
-    </p:extLst>
-  </p:cSld>
-  <p:clrMapOvr>
-    <a:masterClrMapping/>
-  </p:clrMapOvr>
-  <p:timing>
-    <p:tnLst>
-      <p:par>
-        <p:cTn xmlns:p14="http://schemas.microsoft.com/office/powerpoint/2010/main" id="1" dur="indefinite" restart="never" nodeType="tmRoot"/>
-      </p:par>
-    </p:tnLst>
-  </p:timing>
-</p:sld>
-</file>
-
-<file path=ppt/slides/slide27.xml><?xml version="1.0" encoding="utf-8"?>
-<p:sld xmlns:a="http://schemas.openxmlformats.org/drawingml/2006/main" xmlns:r="http://schemas.openxmlformats.org/officeDocument/2006/relationships" xmlns:p="http://schemas.openxmlformats.org/presentationml/2006/main">
-  <p:cSld>
-    <p:spTree>
-      <p:nvGrpSpPr>
-        <p:cNvPr id="1" name=""/>
-        <p:cNvGrpSpPr/>
-        <p:nvPr/>
-      </p:nvGrpSpPr>
-      <p:grpSpPr>
-        <a:xfrm>
-          <a:off x="0" y="0"/>
-          <a:ext cx="0" cy="0"/>
-          <a:chOff x="0" y="0"/>
-          <a:chExt cx="0" cy="0"/>
-        </a:xfrm>
-      </p:grpSpPr>
-      <p:sp>
-        <p:nvSpPr>
-          <p:cNvPr id="2" name="Title 1"/>
-          <p:cNvSpPr>
-            <a:spLocks noGrp="1"/>
-          </p:cNvSpPr>
-          <p:nvPr>
-            <p:ph type="title"/>
-          </p:nvPr>
-        </p:nvSpPr>
-        <p:spPr/>
-        <p:txBody>
-          <a:bodyPr>
-            <a:normAutofit fontScale="90000"/>
-          </a:bodyPr>
-          <a:lstStyle/>
-          <a:p>
-            <a:r>
-              <a:rPr lang="en-US" dirty="0" smtClean="0"/>
-              <a:t>How to get rid of zombie processes?	</a:t>
-            </a:r>
-            <a:endParaRPr lang="en-US" dirty="0"/>
-          </a:p>
-        </p:txBody>
-      </p:sp>
-      <p:sp>
-        <p:nvSpPr>
-          <p:cNvPr id="3" name="Content Placeholder 2"/>
-          <p:cNvSpPr>
-            <a:spLocks noGrp="1"/>
-          </p:cNvSpPr>
-          <p:nvPr>
-            <p:ph idx="1"/>
-          </p:nvPr>
-        </p:nvSpPr>
-        <p:spPr/>
-        <p:txBody>
-          <a:bodyPr>
-            <a:normAutofit lnSpcReduction="10000"/>
-          </a:bodyPr>
-          <a:lstStyle/>
-          <a:p>
-            <a:r>
-              <a:rPr lang="en-US" dirty="0" smtClean="0"/>
-              <a:t>Signals</a:t>
-            </a:r>
-          </a:p>
-          <a:p>
-            <a:r>
-              <a:rPr lang="en-US" dirty="0"/>
-              <a:t>SIGCHLD is a signal your program receives if a child process gets terminated</a:t>
-            </a:r>
-            <a:r>
-              <a:rPr lang="en-US" dirty="0" smtClean="0"/>
-              <a:t>.</a:t>
-            </a:r>
-          </a:p>
-          <a:p>
-            <a:endParaRPr lang="en-US" dirty="0" smtClean="0"/>
-          </a:p>
-          <a:p>
-            <a:pPr marL="0" indent="0">
-              <a:buNone/>
-            </a:pPr>
-            <a:r>
-              <a:rPr lang="en-US" dirty="0"/>
-              <a:t>void </a:t>
-            </a:r>
-            <a:r>
-              <a:rPr lang="en-US" dirty="0" err="1"/>
-              <a:t>cleanup_child</a:t>
-            </a:r>
-            <a:r>
-              <a:rPr lang="en-US" dirty="0"/>
-              <a:t>(</a:t>
-            </a:r>
-            <a:r>
-              <a:rPr lang="en-US" dirty="0" err="1"/>
-              <a:t>int</a:t>
-            </a:r>
-            <a:r>
-              <a:rPr lang="en-US" dirty="0"/>
-              <a:t> signal) {</a:t>
-            </a:r>
-          </a:p>
-          <a:p>
-            <a:pPr marL="0" indent="0">
-              <a:buNone/>
-            </a:pPr>
-            <a:r>
-              <a:rPr lang="en-US" dirty="0"/>
-              <a:t>    wait();</a:t>
-            </a:r>
-          </a:p>
-          <a:p>
-            <a:pPr marL="0" indent="0">
-              <a:buNone/>
-            </a:pPr>
-            <a:r>
-              <a:rPr lang="en-US" dirty="0" smtClean="0"/>
-              <a:t>}</a:t>
-            </a:r>
-          </a:p>
-          <a:p>
-            <a:pPr marL="0" indent="0">
-              <a:buNone/>
-            </a:pPr>
-            <a:r>
-              <a:rPr lang="en-US" dirty="0"/>
-              <a:t>signal(</a:t>
-            </a:r>
-            <a:r>
-              <a:rPr lang="en-US" dirty="0" err="1"/>
-              <a:t>SIGCHLD,cleanup_child</a:t>
-            </a:r>
-            <a:r>
-              <a:rPr lang="en-US" dirty="0"/>
-              <a:t>);</a:t>
-            </a:r>
-          </a:p>
-        </p:txBody>
-      </p:sp>
-    </p:spTree>
-    <p:extLst>
-      <p:ext uri="{BB962C8B-B14F-4D97-AF65-F5344CB8AC3E}">
-        <p14:creationId xmlns:p14="http://schemas.microsoft.com/office/powerpoint/2010/main" val="2038790733"/>
-      </p:ext>
-    </p:extLst>
-  </p:cSld>
-  <p:clrMapOvr>
-    <a:masterClrMapping/>
-  </p:clrMapOvr>
-  <p:timing>
-    <p:tnLst>
-      <p:par>
-        <p:cTn xmlns:p14="http://schemas.microsoft.com/office/powerpoint/2010/main" id="1" dur="indefinite" restart="never" nodeType="tmRoot"/>
-      </p:par>
-    </p:tnLst>
-  </p:timing>
-</p:sld>
-</file>
-
-<file path=ppt/slides/slide28.xml><?xml version="1.0" encoding="utf-8"?>
-<p:sld xmlns:a="http://schemas.openxmlformats.org/drawingml/2006/main" xmlns:r="http://schemas.openxmlformats.org/officeDocument/2006/relationships" xmlns:p="http://schemas.openxmlformats.org/presentationml/2006/main">
-  <p:cSld>
-    <p:spTree>
-      <p:nvGrpSpPr>
-        <p:cNvPr id="1" name=""/>
-        <p:cNvGrpSpPr/>
-        <p:nvPr/>
-      </p:nvGrpSpPr>
-      <p:grpSpPr>
-        <a:xfrm>
-          <a:off x="0" y="0"/>
-          <a:ext cx="0" cy="0"/>
-          <a:chOff x="0" y="0"/>
-          <a:chExt cx="0" cy="0"/>
-        </a:xfrm>
-      </p:grpSpPr>
-      <p:sp>
-        <p:nvSpPr>
           <p:cNvPr id="7" name="Slide Number Placeholder 5"/>
           <p:cNvSpPr>
             <a:spLocks noGrp="1"/>
@@ -11744,7 +11498,7 @@
             <a:fld id="{518CAA84-77D7-BA44-8241-0D9AC5C484A2}" type="slidenum">
               <a:rPr lang="ru-RU"/>
               <a:pPr/>
-              <a:t>28</a:t>
+              <a:t>26</a:t>
             </a:fld>
             <a:endParaRPr lang="ru-RU"/>
           </a:p>
@@ -11920,87 +11674,6 @@
     <p:extLst>
       <p:ext uri="{BB962C8B-B14F-4D97-AF65-F5344CB8AC3E}">
         <p14:creationId xmlns:p14="http://schemas.microsoft.com/office/powerpoint/2010/main" val="1577240377"/>
-      </p:ext>
-    </p:extLst>
-  </p:cSld>
-  <p:clrMapOvr>
-    <a:masterClrMapping/>
-  </p:clrMapOvr>
-  <p:timing>
-    <p:tnLst>
-      <p:par>
-        <p:cTn xmlns:p14="http://schemas.microsoft.com/office/powerpoint/2010/main" id="1" dur="indefinite" restart="never" nodeType="tmRoot"/>
-      </p:par>
-    </p:tnLst>
-  </p:timing>
-</p:sld>
-</file>
-
-<file path=ppt/slides/slide29.xml><?xml version="1.0" encoding="utf-8"?>
-<p:sld xmlns:a="http://schemas.openxmlformats.org/drawingml/2006/main" xmlns:r="http://schemas.openxmlformats.org/officeDocument/2006/relationships" xmlns:p="http://schemas.openxmlformats.org/presentationml/2006/main">
-  <p:cSld>
-    <p:spTree>
-      <p:nvGrpSpPr>
-        <p:cNvPr id="1" name=""/>
-        <p:cNvGrpSpPr/>
-        <p:nvPr/>
-      </p:nvGrpSpPr>
-      <p:grpSpPr>
-        <a:xfrm>
-          <a:off x="0" y="0"/>
-          <a:ext cx="0" cy="0"/>
-          <a:chOff x="0" y="0"/>
-          <a:chExt cx="0" cy="0"/>
-        </a:xfrm>
-      </p:grpSpPr>
-      <p:sp>
-        <p:nvSpPr>
-          <p:cNvPr id="2" name="Title 1"/>
-          <p:cNvSpPr>
-            <a:spLocks noGrp="1"/>
-          </p:cNvSpPr>
-          <p:nvPr>
-            <p:ph type="title"/>
-          </p:nvPr>
-        </p:nvSpPr>
-        <p:spPr/>
-        <p:txBody>
-          <a:bodyPr/>
-          <a:lstStyle/>
-          <a:p>
-            <a:endParaRPr lang="en-US"/>
-          </a:p>
-        </p:txBody>
-      </p:sp>
-      <p:sp>
-        <p:nvSpPr>
-          <p:cNvPr id="3" name="Content Placeholder 2"/>
-          <p:cNvSpPr>
-            <a:spLocks noGrp="1"/>
-          </p:cNvSpPr>
-          <p:nvPr>
-            <p:ph idx="1"/>
-          </p:nvPr>
-        </p:nvSpPr>
-        <p:spPr/>
-        <p:txBody>
-          <a:bodyPr/>
-          <a:lstStyle/>
-          <a:p>
-            <a:r>
-              <a:rPr lang="en-US" dirty="0" smtClean="0"/>
-              <a:t>Ex4.c</a:t>
-            </a:r>
-          </a:p>
-          <a:p>
-            <a:endParaRPr lang="en-US" dirty="0"/>
-          </a:p>
-        </p:txBody>
-      </p:sp>
-    </p:spTree>
-    <p:extLst>
-      <p:ext uri="{BB962C8B-B14F-4D97-AF65-F5344CB8AC3E}">
-        <p14:creationId xmlns:p14="http://schemas.microsoft.com/office/powerpoint/2010/main" val="3033170756"/>
       </p:ext>
     </p:extLst>
   </p:cSld>
@@ -12468,4999 +12141,6 @@
     <p:extLst>
       <p:ext uri="{BB962C8B-B14F-4D97-AF65-F5344CB8AC3E}">
         <p14:creationId xmlns:p14="http://schemas.microsoft.com/office/powerpoint/2010/main" val="2081885227"/>
-      </p:ext>
-    </p:extLst>
-  </p:cSld>
-  <p:clrMapOvr>
-    <a:masterClrMapping/>
-  </p:clrMapOvr>
-  <p:timing>
-    <p:tnLst>
-      <p:par>
-        <p:cTn xmlns:p14="http://schemas.microsoft.com/office/powerpoint/2010/main" id="1" dur="indefinite" restart="never" nodeType="tmRoot"/>
-      </p:par>
-    </p:tnLst>
-  </p:timing>
-</p:sld>
-</file>
-
-<file path=ppt/slides/slide30.xml><?xml version="1.0" encoding="utf-8"?>
-<p:sld xmlns:a="http://schemas.openxmlformats.org/drawingml/2006/main" xmlns:r="http://schemas.openxmlformats.org/officeDocument/2006/relationships" xmlns:p="http://schemas.openxmlformats.org/presentationml/2006/main">
-  <p:cSld>
-    <p:spTree>
-      <p:nvGrpSpPr>
-        <p:cNvPr id="1" name=""/>
-        <p:cNvGrpSpPr/>
-        <p:nvPr/>
-      </p:nvGrpSpPr>
-      <p:grpSpPr>
-        <a:xfrm>
-          <a:off x="0" y="0"/>
-          <a:ext cx="0" cy="0"/>
-          <a:chOff x="0" y="0"/>
-          <a:chExt cx="0" cy="0"/>
-        </a:xfrm>
-      </p:grpSpPr>
-      <p:sp>
-        <p:nvSpPr>
-          <p:cNvPr id="2050" name="Rectangle 2"/>
-          <p:cNvSpPr>
-            <a:spLocks noGrp="1" noChangeArrowheads="1"/>
-          </p:cNvSpPr>
-          <p:nvPr>
-            <p:ph type="title"/>
-          </p:nvPr>
-        </p:nvSpPr>
-        <p:spPr>
-          <a:xfrm>
-            <a:off x="685800" y="2514600"/>
-            <a:ext cx="7772400" cy="1143000"/>
-          </a:xfrm>
-        </p:spPr>
-        <p:txBody>
-          <a:bodyPr/>
-          <a:lstStyle/>
-          <a:p>
-            <a:r>
-              <a:rPr lang="en-US" sz="5400">
-                <a:latin typeface="Times New Roman" charset="0"/>
-              </a:rPr>
-              <a:t>UNIX signals &amp; pipes</a:t>
-            </a:r>
-          </a:p>
-        </p:txBody>
-      </p:sp>
-    </p:spTree>
-    <p:extLst>
-      <p:ext uri="{BB962C8B-B14F-4D97-AF65-F5344CB8AC3E}">
-        <p14:creationId xmlns:p14="http://schemas.microsoft.com/office/powerpoint/2010/main" val="3412794089"/>
-      </p:ext>
-    </p:extLst>
-  </p:cSld>
-  <p:clrMapOvr>
-    <a:masterClrMapping/>
-  </p:clrMapOvr>
-  <p:timing>
-    <p:tnLst>
-      <p:par>
-        <p:cTn xmlns:p14="http://schemas.microsoft.com/office/powerpoint/2010/main" id="1" dur="indefinite" restart="never" nodeType="tmRoot"/>
-      </p:par>
-    </p:tnLst>
-  </p:timing>
-</p:sld>
-</file>
-
-<file path=ppt/slides/slide31.xml><?xml version="1.0" encoding="utf-8"?>
-<p:sld xmlns:a="http://schemas.openxmlformats.org/drawingml/2006/main" xmlns:r="http://schemas.openxmlformats.org/officeDocument/2006/relationships" xmlns:p="http://schemas.openxmlformats.org/presentationml/2006/main">
-  <p:cSld>
-    <p:spTree>
-      <p:nvGrpSpPr>
-        <p:cNvPr id="1" name=""/>
-        <p:cNvGrpSpPr/>
-        <p:nvPr/>
-      </p:nvGrpSpPr>
-      <p:grpSpPr>
-        <a:xfrm>
-          <a:off x="0" y="0"/>
-          <a:ext cx="0" cy="0"/>
-          <a:chOff x="0" y="0"/>
-          <a:chExt cx="0" cy="0"/>
-        </a:xfrm>
-      </p:grpSpPr>
-      <p:sp>
-        <p:nvSpPr>
-          <p:cNvPr id="11266" name="Rectangle 2"/>
-          <p:cNvSpPr>
-            <a:spLocks noGrp="1" noChangeArrowheads="1"/>
-          </p:cNvSpPr>
-          <p:nvPr>
-            <p:ph type="title"/>
-          </p:nvPr>
-        </p:nvSpPr>
-        <p:spPr>
-          <a:xfrm>
-            <a:off x="685800" y="304800"/>
-            <a:ext cx="7772400" cy="609600"/>
-          </a:xfrm>
-          <a:solidFill>
-            <a:schemeClr val="bg1">
-              <a:lumMod val="85000"/>
-            </a:schemeClr>
-          </a:solidFill>
-        </p:spPr>
-        <p:txBody>
-          <a:bodyPr>
-            <a:normAutofit fontScale="90000"/>
-          </a:bodyPr>
-          <a:lstStyle/>
-          <a:p>
-            <a:pPr>
-              <a:defRPr/>
-            </a:pPr>
-            <a:r>
-              <a:rPr lang="en-US" sz="3600" b="1" dirty="0" smtClean="0">
-                <a:ea typeface="+mj-ea"/>
-              </a:rPr>
-              <a:t>UNIX Signals</a:t>
-            </a:r>
-          </a:p>
-        </p:txBody>
-      </p:sp>
-      <p:sp>
-        <p:nvSpPr>
-          <p:cNvPr id="11267" name="Rectangle 3"/>
-          <p:cNvSpPr>
-            <a:spLocks noGrp="1" noChangeArrowheads="1"/>
-          </p:cNvSpPr>
-          <p:nvPr>
-            <p:ph type="body" idx="1"/>
-          </p:nvPr>
-        </p:nvSpPr>
-        <p:spPr>
-          <a:xfrm>
-            <a:off x="685800" y="1066800"/>
-            <a:ext cx="7772400" cy="5486400"/>
-          </a:xfrm>
-          <a:solidFill>
-            <a:schemeClr val="bg1"/>
-          </a:solidFill>
-        </p:spPr>
-        <p:txBody>
-          <a:bodyPr/>
-          <a:lstStyle/>
-          <a:p>
-            <a:r>
-              <a:rPr lang="en-US" sz="2800" dirty="0">
-                <a:latin typeface="Times New Roman" charset="0"/>
-              </a:rPr>
-              <a:t>A UNIX signal corresponds to an event</a:t>
-            </a:r>
-          </a:p>
-          <a:p>
-            <a:pPr lvl="1"/>
-            <a:r>
-              <a:rPr lang="en-US" sz="2400" dirty="0">
-                <a:latin typeface="Times New Roman" charset="0"/>
-              </a:rPr>
-              <a:t>It is </a:t>
-            </a:r>
-            <a:r>
-              <a:rPr lang="en-US" sz="2400" i="1" u="sng" dirty="0">
-                <a:latin typeface="Times New Roman" charset="0"/>
-              </a:rPr>
-              <a:t>raised</a:t>
-            </a:r>
-            <a:r>
-              <a:rPr lang="en-US" sz="2400" dirty="0">
-                <a:latin typeface="Times New Roman" charset="0"/>
-              </a:rPr>
-              <a:t> by one process (or hardware) to call another process</a:t>
-            </a:r>
-            <a:r>
-              <a:rPr lang="ja-JP" altLang="en-US" sz="2400" dirty="0">
-                <a:latin typeface="Times New Roman" charset="0"/>
-              </a:rPr>
-              <a:t>’</a:t>
-            </a:r>
-            <a:r>
-              <a:rPr lang="en-US" sz="2400" dirty="0">
-                <a:latin typeface="Times New Roman" charset="0"/>
-              </a:rPr>
-              <a:t>s attention to an event</a:t>
-            </a:r>
-          </a:p>
-          <a:p>
-            <a:pPr lvl="1"/>
-            <a:r>
-              <a:rPr lang="en-US" sz="2400" dirty="0">
-                <a:latin typeface="Times New Roman" charset="0"/>
-              </a:rPr>
-              <a:t>It can be </a:t>
-            </a:r>
-            <a:r>
-              <a:rPr lang="en-US" sz="2400" i="1" u="sng" dirty="0">
-                <a:latin typeface="Times New Roman" charset="0"/>
-              </a:rPr>
-              <a:t>caught</a:t>
-            </a:r>
-            <a:r>
-              <a:rPr lang="en-US" sz="2400" dirty="0">
-                <a:latin typeface="Times New Roman" charset="0"/>
-              </a:rPr>
-              <a:t> (or ignored) by the subject process</a:t>
-            </a:r>
-          </a:p>
-          <a:p>
-            <a:endParaRPr lang="en-US" sz="2800" dirty="0">
-              <a:latin typeface="Times New Roman" charset="0"/>
-            </a:endParaRPr>
-          </a:p>
-          <a:p>
-            <a:r>
-              <a:rPr lang="en-US" sz="2800" dirty="0">
-                <a:latin typeface="Times New Roman" charset="0"/>
-              </a:rPr>
-              <a:t>Justification for including signals was for the OS to inform a user process of an event</a:t>
-            </a:r>
-          </a:p>
-          <a:p>
-            <a:pPr lvl="1"/>
-            <a:r>
-              <a:rPr lang="en-US" sz="2400" dirty="0">
-                <a:latin typeface="Times New Roman" charset="0"/>
-              </a:rPr>
-              <a:t>User pressed </a:t>
-            </a:r>
-            <a:r>
-              <a:rPr lang="en-US" sz="2400" dirty="0">
-                <a:latin typeface="Courier New" charset="0"/>
-              </a:rPr>
-              <a:t>delete</a:t>
-            </a:r>
-            <a:r>
-              <a:rPr lang="en-US" sz="2400" dirty="0">
-                <a:latin typeface="Times New Roman" charset="0"/>
-              </a:rPr>
-              <a:t> key</a:t>
-            </a:r>
-          </a:p>
-          <a:p>
-            <a:pPr lvl="1"/>
-            <a:r>
-              <a:rPr lang="en-US" sz="2400" dirty="0">
-                <a:latin typeface="Times New Roman" charset="0"/>
-              </a:rPr>
-              <a:t>Program tried to divide by zero</a:t>
-            </a:r>
-          </a:p>
-          <a:p>
-            <a:pPr lvl="1"/>
-            <a:r>
-              <a:rPr lang="en-US" sz="2400" dirty="0">
-                <a:latin typeface="Times New Roman" charset="0"/>
-              </a:rPr>
-              <a:t>Attempt to write to a nonexistent pipe</a:t>
-            </a:r>
-          </a:p>
-          <a:p>
-            <a:pPr lvl="1"/>
-            <a:r>
-              <a:rPr lang="en-US" sz="2400" dirty="0">
-                <a:latin typeface="Times New Roman" charset="0"/>
-              </a:rPr>
-              <a:t>etc.</a:t>
-            </a:r>
-          </a:p>
-        </p:txBody>
-      </p:sp>
-    </p:spTree>
-    <p:extLst>
-      <p:ext uri="{BB962C8B-B14F-4D97-AF65-F5344CB8AC3E}">
-        <p14:creationId xmlns:p14="http://schemas.microsoft.com/office/powerpoint/2010/main" val="237557906"/>
-      </p:ext>
-    </p:extLst>
-  </p:cSld>
-  <p:clrMapOvr>
-    <a:masterClrMapping/>
-  </p:clrMapOvr>
-  <p:timing>
-    <p:tnLst>
-      <p:par>
-        <p:cTn xmlns:p14="http://schemas.microsoft.com/office/powerpoint/2010/main" id="1" dur="indefinite" restart="never" nodeType="tmRoot"/>
-      </p:par>
-    </p:tnLst>
-  </p:timing>
-</p:sld>
-</file>
-
-<file path=ppt/slides/slide32.xml><?xml version="1.0" encoding="utf-8"?>
-<p:sld xmlns:a="http://schemas.openxmlformats.org/drawingml/2006/main" xmlns:r="http://schemas.openxmlformats.org/officeDocument/2006/relationships" xmlns:p="http://schemas.openxmlformats.org/presentationml/2006/main">
-  <p:cSld>
-    <p:spTree>
-      <p:nvGrpSpPr>
-        <p:cNvPr id="1" name=""/>
-        <p:cNvGrpSpPr/>
-        <p:nvPr/>
-      </p:nvGrpSpPr>
-      <p:grpSpPr>
-        <a:xfrm>
-          <a:off x="0" y="0"/>
-          <a:ext cx="0" cy="0"/>
-          <a:chOff x="0" y="0"/>
-          <a:chExt cx="0" cy="0"/>
-        </a:xfrm>
-      </p:grpSpPr>
-      <p:sp>
-        <p:nvSpPr>
-          <p:cNvPr id="12290" name="Rectangle 2"/>
-          <p:cNvSpPr>
-            <a:spLocks noGrp="1" noChangeArrowheads="1"/>
-          </p:cNvSpPr>
-          <p:nvPr>
-            <p:ph type="title"/>
-          </p:nvPr>
-        </p:nvSpPr>
-        <p:spPr>
-          <a:xfrm>
-            <a:off x="685800" y="381000"/>
-            <a:ext cx="7772400" cy="609600"/>
-          </a:xfrm>
-          <a:solidFill>
-            <a:schemeClr val="bg1">
-              <a:lumMod val="85000"/>
-            </a:schemeClr>
-          </a:solidFill>
-        </p:spPr>
-        <p:txBody>
-          <a:bodyPr>
-            <a:normAutofit fontScale="90000"/>
-          </a:bodyPr>
-          <a:lstStyle/>
-          <a:p>
-            <a:pPr>
-              <a:defRPr/>
-            </a:pPr>
-            <a:r>
-              <a:rPr lang="en-US" sz="3600" b="1" dirty="0" smtClean="0">
-                <a:ea typeface="+mj-ea"/>
-              </a:rPr>
-              <a:t>More on Signals</a:t>
-            </a:r>
-          </a:p>
-        </p:txBody>
-      </p:sp>
-      <p:sp>
-        <p:nvSpPr>
-          <p:cNvPr id="12291" name="Rectangle 3"/>
-          <p:cNvSpPr>
-            <a:spLocks noGrp="1" noChangeArrowheads="1"/>
-          </p:cNvSpPr>
-          <p:nvPr>
-            <p:ph type="body" idx="1"/>
-          </p:nvPr>
-        </p:nvSpPr>
-        <p:spPr>
-          <a:xfrm>
-            <a:off x="685800" y="1219200"/>
-            <a:ext cx="7772400" cy="4953000"/>
-          </a:xfrm>
-          <a:solidFill>
-            <a:schemeClr val="bg1"/>
-          </a:solidFill>
-        </p:spPr>
-        <p:txBody>
-          <a:bodyPr>
-            <a:normAutofit/>
-          </a:bodyPr>
-          <a:lstStyle/>
-          <a:p>
-            <a:pPr>
-              <a:defRPr/>
-            </a:pPr>
-            <a:r>
-              <a:rPr lang="en-US" sz="2400" dirty="0" smtClean="0">
-                <a:ea typeface="+mn-ea"/>
-              </a:rPr>
-              <a:t>UNIX has a fixed set of signals (Linux has 32 of them)</a:t>
-            </a:r>
-            <a:endParaRPr lang="en-US" sz="2000" dirty="0" smtClean="0">
-              <a:latin typeface="Courier New" pitchFamily="49" charset="0"/>
-              <a:ea typeface="+mn-ea"/>
-            </a:endParaRPr>
-          </a:p>
-          <a:p>
-            <a:pPr>
-              <a:defRPr/>
-            </a:pPr>
-            <a:r>
-              <a:rPr lang="en-US" sz="2000" dirty="0" err="1" smtClean="0">
-                <a:latin typeface="Courier New" pitchFamily="49" charset="0"/>
-                <a:ea typeface="+mn-ea"/>
-              </a:rPr>
-              <a:t>signal.h</a:t>
-            </a:r>
-            <a:r>
-              <a:rPr lang="en-US" sz="2400" dirty="0" smtClean="0">
-                <a:ea typeface="+mn-ea"/>
-              </a:rPr>
-              <a:t> defines the signals in the OS</a:t>
-            </a:r>
-          </a:p>
-          <a:p>
-            <a:pPr>
-              <a:defRPr/>
-            </a:pPr>
-            <a:endParaRPr lang="en-US" sz="2400" dirty="0" smtClean="0">
-              <a:ea typeface="+mn-ea"/>
-            </a:endParaRPr>
-          </a:p>
-          <a:p>
-            <a:pPr>
-              <a:defRPr/>
-            </a:pPr>
-            <a:endParaRPr lang="en-US" sz="2400" dirty="0" smtClean="0">
-              <a:ea typeface="+mn-ea"/>
-            </a:endParaRPr>
-          </a:p>
-          <a:p>
-            <a:pPr>
-              <a:defRPr/>
-            </a:pPr>
-            <a:r>
-              <a:rPr lang="en-US" sz="2400" dirty="0" smtClean="0">
-                <a:ea typeface="+mn-ea"/>
-              </a:rPr>
-              <a:t>Raise a signal with </a:t>
-            </a:r>
-            <a:r>
-              <a:rPr lang="en-US" sz="2000" dirty="0" smtClean="0">
-                <a:latin typeface="Courier New" pitchFamily="49" charset="0"/>
-                <a:ea typeface="+mn-ea"/>
-              </a:rPr>
-              <a:t>kill(</a:t>
-            </a:r>
-            <a:r>
-              <a:rPr lang="en-US" sz="2000" dirty="0" err="1" smtClean="0">
-                <a:latin typeface="Courier New" pitchFamily="49" charset="0"/>
-                <a:ea typeface="+mn-ea"/>
-              </a:rPr>
-              <a:t>pid</a:t>
-            </a:r>
-            <a:r>
-              <a:rPr lang="en-US" sz="2000" dirty="0" smtClean="0">
-                <a:latin typeface="Courier New" pitchFamily="49" charset="0"/>
-                <a:ea typeface="+mn-ea"/>
-              </a:rPr>
-              <a:t>, signal)</a:t>
-            </a:r>
-          </a:p>
-          <a:p>
-            <a:pPr>
-              <a:defRPr/>
-            </a:pPr>
-            <a:endParaRPr lang="en-US" sz="2400" dirty="0" smtClean="0">
-              <a:ea typeface="+mn-ea"/>
-            </a:endParaRPr>
-          </a:p>
-          <a:p>
-            <a:pPr>
-              <a:defRPr/>
-            </a:pPr>
-            <a:r>
-              <a:rPr lang="en-US" sz="2400" dirty="0" smtClean="0">
-                <a:ea typeface="+mn-ea"/>
-              </a:rPr>
-              <a:t>3 ways to handle a </a:t>
-            </a:r>
-            <a:r>
-              <a:rPr lang="en-US" sz="2400" i="1" dirty="0" smtClean="0">
-                <a:solidFill>
-                  <a:schemeClr val="accent6"/>
-                </a:solidFill>
-                <a:ea typeface="+mn-ea"/>
-              </a:rPr>
-              <a:t>signal</a:t>
-            </a:r>
-            <a:endParaRPr lang="en-US" sz="2400" dirty="0" smtClean="0">
-              <a:solidFill>
-                <a:schemeClr val="accent6"/>
-              </a:solidFill>
-              <a:ea typeface="+mn-ea"/>
-            </a:endParaRPr>
-          </a:p>
-          <a:p>
-            <a:pPr lvl="1">
-              <a:defRPr/>
-            </a:pPr>
-            <a:r>
-              <a:rPr lang="en-US" sz="2000" dirty="0" smtClean="0"/>
-              <a:t>Ignore it:   </a:t>
-            </a:r>
-            <a:r>
-              <a:rPr lang="en-US" sz="1800" b="1" dirty="0" smtClean="0">
-                <a:solidFill>
-                  <a:schemeClr val="accent6"/>
-                </a:solidFill>
-                <a:latin typeface="Courier New" pitchFamily="49" charset="0"/>
-              </a:rPr>
-              <a:t>signal</a:t>
-            </a:r>
-            <a:r>
-              <a:rPr lang="en-US" sz="1800" b="1" dirty="0" smtClean="0">
-                <a:latin typeface="Courier New" pitchFamily="49" charset="0"/>
-              </a:rPr>
-              <a:t>(SIG#, SIG_IGN)</a:t>
-            </a:r>
-            <a:endParaRPr lang="en-US" sz="2000" b="1" dirty="0" smtClean="0"/>
-          </a:p>
-          <a:p>
-            <a:pPr lvl="1">
-              <a:defRPr/>
-            </a:pPr>
-            <a:r>
-              <a:rPr lang="en-US" sz="2000" dirty="0" smtClean="0"/>
-              <a:t>Run the default handler:   </a:t>
-            </a:r>
-            <a:r>
-              <a:rPr lang="en-US" sz="1800" b="1" dirty="0" smtClean="0">
-                <a:solidFill>
-                  <a:schemeClr val="accent6"/>
-                </a:solidFill>
-                <a:latin typeface="Courier New" pitchFamily="49" charset="0"/>
-              </a:rPr>
-              <a:t>signal</a:t>
-            </a:r>
-            <a:r>
-              <a:rPr lang="en-US" sz="1800" b="1" dirty="0" smtClean="0">
-                <a:latin typeface="Courier New" pitchFamily="49" charset="0"/>
-              </a:rPr>
-              <a:t>(SIG#, SIG_DFL)</a:t>
-            </a:r>
-            <a:endParaRPr lang="en-US" sz="2000" b="1" dirty="0" smtClean="0"/>
-          </a:p>
-          <a:p>
-            <a:pPr lvl="1">
-              <a:defRPr/>
-            </a:pPr>
-            <a:r>
-              <a:rPr lang="en-US" sz="2000" dirty="0" smtClean="0"/>
-              <a:t>Run the user handler:   </a:t>
-            </a:r>
-            <a:r>
-              <a:rPr lang="en-US" sz="1800" b="1" dirty="0" smtClean="0">
-                <a:solidFill>
-                  <a:schemeClr val="accent6"/>
-                </a:solidFill>
-                <a:latin typeface="Courier New" pitchFamily="49" charset="0"/>
-              </a:rPr>
-              <a:t>signal</a:t>
-            </a:r>
-            <a:r>
-              <a:rPr lang="en-US" sz="1800" b="1" dirty="0" smtClean="0">
-                <a:latin typeface="Courier New" pitchFamily="49" charset="0"/>
-              </a:rPr>
-              <a:t>(SIG#, </a:t>
-            </a:r>
-            <a:r>
-              <a:rPr lang="en-US" sz="1800" b="1" dirty="0" err="1" smtClean="0">
-                <a:latin typeface="Courier New" pitchFamily="49" charset="0"/>
-              </a:rPr>
-              <a:t>myHandler</a:t>
-            </a:r>
-            <a:r>
-              <a:rPr lang="en-US" sz="1800" b="1" dirty="0" smtClean="0">
-                <a:latin typeface="Courier New" pitchFamily="49" charset="0"/>
-              </a:rPr>
-              <a:t>)</a:t>
-            </a:r>
-            <a:endParaRPr lang="en-US" sz="2000" dirty="0" smtClean="0"/>
-          </a:p>
-        </p:txBody>
-      </p:sp>
-    </p:spTree>
-    <p:extLst>
-      <p:ext uri="{BB962C8B-B14F-4D97-AF65-F5344CB8AC3E}">
-        <p14:creationId xmlns:p14="http://schemas.microsoft.com/office/powerpoint/2010/main" val="2629904148"/>
-      </p:ext>
-    </p:extLst>
-  </p:cSld>
-  <p:clrMapOvr>
-    <a:masterClrMapping/>
-  </p:clrMapOvr>
-  <p:transition xmlns:p14="http://schemas.microsoft.com/office/powerpoint/2010/main"/>
-  <p:timing>
-    <p:tnLst>
-      <p:par>
-        <p:cTn xmlns:p14="http://schemas.microsoft.com/office/powerpoint/2010/main" id="1" dur="indefinite" restart="never" nodeType="tmRoot"/>
-      </p:par>
-    </p:tnLst>
-  </p:timing>
-</p:sld>
-</file>
-
-<file path=ppt/slides/slide33.xml><?xml version="1.0" encoding="utf-8"?>
-<p:sld xmlns:a="http://schemas.openxmlformats.org/drawingml/2006/main" xmlns:r="http://schemas.openxmlformats.org/officeDocument/2006/relationships" xmlns:p="http://schemas.openxmlformats.org/presentationml/2006/main">
-  <p:cSld>
-    <p:spTree>
-      <p:nvGrpSpPr>
-        <p:cNvPr id="1" name=""/>
-        <p:cNvGrpSpPr/>
-        <p:nvPr/>
-      </p:nvGrpSpPr>
-      <p:grpSpPr>
-        <a:xfrm>
-          <a:off x="0" y="0"/>
-          <a:ext cx="0" cy="0"/>
-          <a:chOff x="0" y="0"/>
-          <a:chExt cx="0" cy="0"/>
-        </a:xfrm>
-      </p:grpSpPr>
-      <p:sp>
-        <p:nvSpPr>
-          <p:cNvPr id="16386" name="Rectangle 2"/>
-          <p:cNvSpPr>
-            <a:spLocks noGrp="1" noChangeArrowheads="1"/>
-          </p:cNvSpPr>
-          <p:nvPr>
-            <p:ph type="title"/>
-          </p:nvPr>
-        </p:nvSpPr>
-        <p:spPr>
-          <a:xfrm>
-            <a:off x="685800" y="609600"/>
-            <a:ext cx="7772400" cy="609600"/>
-          </a:xfrm>
-          <a:solidFill>
-            <a:schemeClr val="bg1">
-              <a:lumMod val="85000"/>
-            </a:schemeClr>
-          </a:solidFill>
-        </p:spPr>
-        <p:txBody>
-          <a:bodyPr>
-            <a:normAutofit fontScale="90000"/>
-          </a:bodyPr>
-          <a:lstStyle/>
-          <a:p>
-            <a:pPr>
-              <a:defRPr/>
-            </a:pPr>
-            <a:r>
-              <a:rPr lang="en-US" sz="3600" b="1" dirty="0" smtClean="0">
-                <a:ea typeface="+mj-ea"/>
-              </a:rPr>
-              <a:t>Signal Handling</a:t>
-            </a:r>
-          </a:p>
-        </p:txBody>
-      </p:sp>
-      <p:sp>
-        <p:nvSpPr>
-          <p:cNvPr id="16387" name="Text Box 3"/>
-          <p:cNvSpPr txBox="1">
-            <a:spLocks noChangeArrowheads="1"/>
-          </p:cNvSpPr>
-          <p:nvPr/>
-        </p:nvSpPr>
-        <p:spPr bwMode="auto">
-          <a:xfrm>
-            <a:off x="730250" y="1600200"/>
-            <a:ext cx="4375150" cy="1631950"/>
-          </a:xfrm>
-          <a:prstGeom prst="rect">
-            <a:avLst/>
-          </a:prstGeom>
-          <a:solidFill>
-            <a:schemeClr val="bg1"/>
-          </a:solidFill>
-          <a:ln w="9525">
-            <a:noFill/>
-            <a:miter lim="800000"/>
-            <a:headEnd/>
-            <a:tailEnd/>
-          </a:ln>
-          <a:effectLst/>
-        </p:spPr>
-        <p:txBody>
-          <a:bodyPr>
-            <a:spAutoFit/>
-          </a:bodyPr>
-          <a:lstStyle/>
-          <a:p>
-            <a:pPr>
-              <a:defRPr/>
-            </a:pPr>
-            <a:r>
-              <a:rPr lang="en-US" sz="2000" dirty="0">
-                <a:latin typeface="Courier New" pitchFamily="49" charset="0"/>
-                <a:ea typeface="+mn-ea"/>
-              </a:rPr>
-              <a:t>/* code for process p */</a:t>
-            </a:r>
-          </a:p>
-          <a:p>
-            <a:pPr>
-              <a:defRPr/>
-            </a:pPr>
-            <a:r>
-              <a:rPr lang="en-US" sz="2000" dirty="0">
-                <a:latin typeface="Courier New" pitchFamily="49" charset="0"/>
-                <a:ea typeface="+mn-ea"/>
-              </a:rPr>
-              <a:t>. . .</a:t>
-            </a:r>
-          </a:p>
-          <a:p>
-            <a:pPr>
-              <a:defRPr/>
-            </a:pPr>
-            <a:r>
-              <a:rPr lang="en-US" sz="2000" b="1" dirty="0">
-                <a:latin typeface="Courier New" pitchFamily="49" charset="0"/>
-                <a:ea typeface="+mn-ea"/>
-              </a:rPr>
-              <a:t>signal</a:t>
-            </a:r>
-            <a:r>
-              <a:rPr lang="en-US" sz="2000" dirty="0">
-                <a:latin typeface="Courier New" pitchFamily="49" charset="0"/>
-                <a:ea typeface="+mn-ea"/>
-              </a:rPr>
-              <a:t>(SIG#, </a:t>
-            </a:r>
-            <a:r>
-              <a:rPr lang="en-US" sz="2000" b="1" dirty="0" err="1">
-                <a:solidFill>
-                  <a:schemeClr val="accent6">
-                    <a:lumMod val="75000"/>
-                  </a:schemeClr>
-                </a:solidFill>
-                <a:latin typeface="Courier New" pitchFamily="49" charset="0"/>
-                <a:ea typeface="+mn-ea"/>
-              </a:rPr>
-              <a:t>sig_hndlr</a:t>
-            </a:r>
-            <a:r>
-              <a:rPr lang="en-US" sz="2000" dirty="0">
-                <a:latin typeface="Courier New" pitchFamily="49" charset="0"/>
-                <a:ea typeface="+mn-ea"/>
-              </a:rPr>
-              <a:t>);</a:t>
-            </a:r>
-          </a:p>
-          <a:p>
-            <a:pPr>
-              <a:defRPr/>
-            </a:pPr>
-            <a:r>
-              <a:rPr lang="en-US" sz="2000" dirty="0">
-                <a:latin typeface="Courier New" pitchFamily="49" charset="0"/>
-                <a:ea typeface="+mn-ea"/>
-              </a:rPr>
-              <a:t>. . .</a:t>
-            </a:r>
-          </a:p>
-          <a:p>
-            <a:pPr>
-              <a:defRPr/>
-            </a:pPr>
-            <a:r>
-              <a:rPr lang="en-US" sz="2000" dirty="0">
-                <a:latin typeface="Courier New" pitchFamily="49" charset="0"/>
-                <a:ea typeface="+mn-ea"/>
-              </a:rPr>
-              <a:t>/* ARBITRARY CODE */</a:t>
-            </a:r>
-            <a:endParaRPr lang="en-US" sz="2800" dirty="0">
-              <a:latin typeface="Times New Roman" pitchFamily="18" charset="0"/>
-              <a:ea typeface="+mn-ea"/>
-            </a:endParaRPr>
-          </a:p>
-        </p:txBody>
-      </p:sp>
-      <p:sp>
-        <p:nvSpPr>
-          <p:cNvPr id="16389" name="Text Box 5"/>
-          <p:cNvSpPr txBox="1">
-            <a:spLocks noChangeArrowheads="1"/>
-          </p:cNvSpPr>
-          <p:nvPr/>
-        </p:nvSpPr>
-        <p:spPr bwMode="auto">
-          <a:xfrm>
-            <a:off x="5410200" y="1600200"/>
-            <a:ext cx="2941638" cy="1477963"/>
-          </a:xfrm>
-          <a:prstGeom prst="rect">
-            <a:avLst/>
-          </a:prstGeom>
-          <a:solidFill>
-            <a:schemeClr val="bg1">
-              <a:lumMod val="95000"/>
-            </a:schemeClr>
-          </a:solidFill>
-          <a:ln w="9525">
-            <a:noFill/>
-            <a:miter lim="800000"/>
-            <a:headEnd/>
-            <a:tailEnd/>
-          </a:ln>
-          <a:effectLst/>
-        </p:spPr>
-        <p:txBody>
-          <a:bodyPr wrap="none">
-            <a:spAutoFit/>
-          </a:bodyPr>
-          <a:lstStyle>
-            <a:lvl1pPr>
-              <a:defRPr sz="2400">
-                <a:solidFill>
-                  <a:schemeClr val="tx1"/>
-                </a:solidFill>
-                <a:latin typeface="Times New Roman" charset="0"/>
-                <a:ea typeface="ＭＳ Ｐゴシック" charset="0"/>
-              </a:defRPr>
-            </a:lvl1pPr>
-            <a:lvl2pPr marL="742950" indent="-285750">
-              <a:defRPr sz="2400">
-                <a:solidFill>
-                  <a:schemeClr val="tx1"/>
-                </a:solidFill>
-                <a:latin typeface="Times New Roman" charset="0"/>
-                <a:ea typeface="ＭＳ Ｐゴシック" charset="0"/>
-              </a:defRPr>
-            </a:lvl2pPr>
-            <a:lvl3pPr marL="1143000" indent="-228600">
-              <a:defRPr sz="2400">
-                <a:solidFill>
-                  <a:schemeClr val="tx1"/>
-                </a:solidFill>
-                <a:latin typeface="Times New Roman" charset="0"/>
-                <a:ea typeface="ＭＳ Ｐゴシック" charset="0"/>
-              </a:defRPr>
-            </a:lvl3pPr>
-            <a:lvl4pPr marL="1600200" indent="-228600">
-              <a:defRPr sz="2400">
-                <a:solidFill>
-                  <a:schemeClr val="tx1"/>
-                </a:solidFill>
-                <a:latin typeface="Times New Roman" charset="0"/>
-                <a:ea typeface="ＭＳ Ｐゴシック" charset="0"/>
-              </a:defRPr>
-            </a:lvl4pPr>
-            <a:lvl5pPr marL="2057400" indent="-228600">
-              <a:defRPr sz="2400">
-                <a:solidFill>
-                  <a:schemeClr val="tx1"/>
-                </a:solidFill>
-                <a:latin typeface="Times New Roman" charset="0"/>
-                <a:ea typeface="ＭＳ Ｐゴシック" charset="0"/>
-              </a:defRPr>
-            </a:lvl5pPr>
-            <a:lvl6pPr marL="2514600" indent="-228600" eaLnBrk="0" fontAlgn="base" hangingPunct="0">
-              <a:spcBef>
-                <a:spcPct val="0"/>
-              </a:spcBef>
-              <a:spcAft>
-                <a:spcPct val="0"/>
-              </a:spcAft>
-              <a:defRPr sz="2400">
-                <a:solidFill>
-                  <a:schemeClr val="tx1"/>
-                </a:solidFill>
-                <a:latin typeface="Times New Roman" charset="0"/>
-                <a:ea typeface="ＭＳ Ｐゴシック" charset="0"/>
-              </a:defRPr>
-            </a:lvl6pPr>
-            <a:lvl7pPr marL="2971800" indent="-228600" eaLnBrk="0" fontAlgn="base" hangingPunct="0">
-              <a:spcBef>
-                <a:spcPct val="0"/>
-              </a:spcBef>
-              <a:spcAft>
-                <a:spcPct val="0"/>
-              </a:spcAft>
-              <a:defRPr sz="2400">
-                <a:solidFill>
-                  <a:schemeClr val="tx1"/>
-                </a:solidFill>
-                <a:latin typeface="Times New Roman" charset="0"/>
-                <a:ea typeface="ＭＳ Ｐゴシック" charset="0"/>
-              </a:defRPr>
-            </a:lvl7pPr>
-            <a:lvl8pPr marL="3429000" indent="-228600" eaLnBrk="0" fontAlgn="base" hangingPunct="0">
-              <a:spcBef>
-                <a:spcPct val="0"/>
-              </a:spcBef>
-              <a:spcAft>
-                <a:spcPct val="0"/>
-              </a:spcAft>
-              <a:defRPr sz="2400">
-                <a:solidFill>
-                  <a:schemeClr val="tx1"/>
-                </a:solidFill>
-                <a:latin typeface="Times New Roman" charset="0"/>
-                <a:ea typeface="ＭＳ Ｐゴシック" charset="0"/>
-              </a:defRPr>
-            </a:lvl8pPr>
-            <a:lvl9pPr marL="3886200" indent="-228600" eaLnBrk="0" fontAlgn="base" hangingPunct="0">
-              <a:spcBef>
-                <a:spcPct val="0"/>
-              </a:spcBef>
-              <a:spcAft>
-                <a:spcPct val="0"/>
-              </a:spcAft>
-              <a:defRPr sz="2400">
-                <a:solidFill>
-                  <a:schemeClr val="tx1"/>
-                </a:solidFill>
-                <a:latin typeface="Times New Roman" charset="0"/>
-                <a:ea typeface="ＭＳ Ｐゴシック" charset="0"/>
-              </a:defRPr>
-            </a:lvl9pPr>
-          </a:lstStyle>
-          <a:p>
-            <a:r>
-              <a:rPr lang="en-US" sz="1800">
-                <a:latin typeface="Courier New" charset="0"/>
-              </a:rPr>
-              <a:t>void </a:t>
-            </a:r>
-            <a:r>
-              <a:rPr lang="en-US" sz="1800" b="1">
-                <a:solidFill>
-                  <a:srgbClr val="22228B"/>
-                </a:solidFill>
-                <a:latin typeface="Courier New" charset="0"/>
-              </a:rPr>
-              <a:t>sig_hndlr</a:t>
-            </a:r>
-            <a:r>
-              <a:rPr lang="en-US" sz="1800">
-                <a:latin typeface="Courier New" charset="0"/>
-              </a:rPr>
-              <a:t>(...){</a:t>
-            </a:r>
-          </a:p>
-          <a:p>
-            <a:r>
-              <a:rPr lang="en-US" sz="1800">
-                <a:latin typeface="Courier New" charset="0"/>
-              </a:rPr>
-              <a:t>…</a:t>
-            </a:r>
-          </a:p>
-          <a:p>
-            <a:r>
-              <a:rPr lang="en-US" sz="1800">
-                <a:latin typeface="Courier New" charset="0"/>
-              </a:rPr>
-              <a:t>  /* handler code */</a:t>
-            </a:r>
-          </a:p>
-          <a:p>
-            <a:endParaRPr lang="en-US" sz="1800">
-              <a:latin typeface="Courier New" charset="0"/>
-            </a:endParaRPr>
-          </a:p>
-          <a:p>
-            <a:r>
-              <a:rPr lang="en-US" sz="1800">
-                <a:latin typeface="Courier New" charset="0"/>
-              </a:rPr>
-              <a:t>}</a:t>
-            </a:r>
-            <a:endParaRPr lang="en-US"/>
-          </a:p>
-        </p:txBody>
-      </p:sp>
-      <p:sp>
-        <p:nvSpPr>
-          <p:cNvPr id="16390" name="Line 6"/>
-          <p:cNvSpPr>
-            <a:spLocks noChangeShapeType="1"/>
-          </p:cNvSpPr>
-          <p:nvPr/>
-        </p:nvSpPr>
-        <p:spPr bwMode="auto">
-          <a:xfrm>
-            <a:off x="990600" y="3505200"/>
-            <a:ext cx="7010400" cy="0"/>
-          </a:xfrm>
-          <a:prstGeom prst="line">
-            <a:avLst/>
-          </a:prstGeom>
-          <a:noFill/>
-          <a:ln w="9525">
-            <a:solidFill>
-              <a:schemeClr val="tx1"/>
-            </a:solidFill>
-            <a:round/>
-            <a:headEnd/>
-            <a:tailEnd/>
-          </a:ln>
-          <a:extLst>
-            <a:ext uri="{909E8E84-426E-40dd-AFC4-6F175D3DCCD1}">
-              <a14:hiddenFill xmlns:a14="http://schemas.microsoft.com/office/drawing/2010/main">
-                <a:noFill/>
-              </a14:hiddenFill>
-            </a:ext>
-          </a:extLst>
-        </p:spPr>
-        <p:txBody>
-          <a:bodyPr wrap="none" anchor="ctr"/>
-          <a:lstStyle/>
-          <a:p>
-            <a:endParaRPr lang="en-US"/>
-          </a:p>
-        </p:txBody>
-      </p:sp>
-      <p:sp>
-        <p:nvSpPr>
-          <p:cNvPr id="16391" name="Line 7"/>
-          <p:cNvSpPr>
-            <a:spLocks noChangeShapeType="1"/>
-          </p:cNvSpPr>
-          <p:nvPr/>
-        </p:nvSpPr>
-        <p:spPr bwMode="auto">
-          <a:xfrm>
-            <a:off x="3505200" y="4191000"/>
-            <a:ext cx="0" cy="838200"/>
-          </a:xfrm>
-          <a:prstGeom prst="line">
-            <a:avLst/>
-          </a:prstGeom>
-          <a:noFill/>
-          <a:ln w="38100">
-            <a:solidFill>
-              <a:schemeClr val="tx1"/>
-            </a:solidFill>
-            <a:prstDash val="dash"/>
-            <a:round/>
-            <a:headEnd/>
-            <a:tailEnd/>
-          </a:ln>
-          <a:extLst>
-            <a:ext uri="{909E8E84-426E-40dd-AFC4-6F175D3DCCD1}">
-              <a14:hiddenFill xmlns:a14="http://schemas.microsoft.com/office/drawing/2010/main">
-                <a:noFill/>
-              </a14:hiddenFill>
-            </a:ext>
-          </a:extLst>
-        </p:spPr>
-        <p:txBody>
-          <a:bodyPr wrap="none" anchor="ctr"/>
-          <a:lstStyle/>
-          <a:p>
-            <a:endParaRPr lang="en-US"/>
-          </a:p>
-        </p:txBody>
-      </p:sp>
-      <p:sp>
-        <p:nvSpPr>
-          <p:cNvPr id="16392" name="Text Box 8"/>
-          <p:cNvSpPr txBox="1">
-            <a:spLocks noChangeArrowheads="1"/>
-          </p:cNvSpPr>
-          <p:nvPr/>
-        </p:nvSpPr>
-        <p:spPr bwMode="auto">
-          <a:xfrm>
-            <a:off x="2133600" y="3733800"/>
-            <a:ext cx="3157538" cy="461963"/>
-          </a:xfrm>
-          <a:prstGeom prst="rect">
-            <a:avLst/>
-          </a:prstGeom>
-          <a:noFill/>
-          <a:ln>
-            <a:noFill/>
-          </a:ln>
-          <a:extLst>
-            <a:ext uri="{909E8E84-426E-40dd-AFC4-6F175D3DCCD1}">
-              <a14:hiddenFill xmlns:a14="http://schemas.microsoft.com/office/drawing/2010/main">
-                <a:solidFill>
-                  <a:srgbClr val="FFFFFF"/>
-                </a:solidFill>
-              </a14:hiddenFill>
-            </a:ext>
-            <a:ext uri="{91240B29-F687-4f45-9708-019B960494DF}">
-              <a14:hiddenLine xmlns:a14="http://schemas.microsoft.com/office/drawing/2010/main" w="9525">
-                <a:solidFill>
-                  <a:srgbClr val="000000"/>
-                </a:solidFill>
-                <a:miter lim="800000"/>
-                <a:headEnd/>
-                <a:tailEnd/>
-              </a14:hiddenLine>
-            </a:ext>
-          </a:extLst>
-        </p:spPr>
-        <p:txBody>
-          <a:bodyPr wrap="none">
-            <a:spAutoFit/>
-          </a:bodyPr>
-          <a:lstStyle>
-            <a:lvl1pPr>
-              <a:defRPr sz="2400">
-                <a:solidFill>
-                  <a:schemeClr val="tx1"/>
-                </a:solidFill>
-                <a:latin typeface="Times New Roman" charset="0"/>
-                <a:ea typeface="ＭＳ Ｐゴシック" charset="0"/>
-              </a:defRPr>
-            </a:lvl1pPr>
-            <a:lvl2pPr marL="742950" indent="-285750">
-              <a:defRPr sz="2400">
-                <a:solidFill>
-                  <a:schemeClr val="tx1"/>
-                </a:solidFill>
-                <a:latin typeface="Times New Roman" charset="0"/>
-                <a:ea typeface="ＭＳ Ｐゴシック" charset="0"/>
-              </a:defRPr>
-            </a:lvl2pPr>
-            <a:lvl3pPr marL="1143000" indent="-228600">
-              <a:defRPr sz="2400">
-                <a:solidFill>
-                  <a:schemeClr val="tx1"/>
-                </a:solidFill>
-                <a:latin typeface="Times New Roman" charset="0"/>
-                <a:ea typeface="ＭＳ Ｐゴシック" charset="0"/>
-              </a:defRPr>
-            </a:lvl3pPr>
-            <a:lvl4pPr marL="1600200" indent="-228600">
-              <a:defRPr sz="2400">
-                <a:solidFill>
-                  <a:schemeClr val="tx1"/>
-                </a:solidFill>
-                <a:latin typeface="Times New Roman" charset="0"/>
-                <a:ea typeface="ＭＳ Ｐゴシック" charset="0"/>
-              </a:defRPr>
-            </a:lvl4pPr>
-            <a:lvl5pPr marL="2057400" indent="-228600">
-              <a:defRPr sz="2400">
-                <a:solidFill>
-                  <a:schemeClr val="tx1"/>
-                </a:solidFill>
-                <a:latin typeface="Times New Roman" charset="0"/>
-                <a:ea typeface="ＭＳ Ｐゴシック" charset="0"/>
-              </a:defRPr>
-            </a:lvl5pPr>
-            <a:lvl6pPr marL="2514600" indent="-228600" eaLnBrk="0" fontAlgn="base" hangingPunct="0">
-              <a:spcBef>
-                <a:spcPct val="0"/>
-              </a:spcBef>
-              <a:spcAft>
-                <a:spcPct val="0"/>
-              </a:spcAft>
-              <a:defRPr sz="2400">
-                <a:solidFill>
-                  <a:schemeClr val="tx1"/>
-                </a:solidFill>
-                <a:latin typeface="Times New Roman" charset="0"/>
-                <a:ea typeface="ＭＳ Ｐゴシック" charset="0"/>
-              </a:defRPr>
-            </a:lvl6pPr>
-            <a:lvl7pPr marL="2971800" indent="-228600" eaLnBrk="0" fontAlgn="base" hangingPunct="0">
-              <a:spcBef>
-                <a:spcPct val="0"/>
-              </a:spcBef>
-              <a:spcAft>
-                <a:spcPct val="0"/>
-              </a:spcAft>
-              <a:defRPr sz="2400">
-                <a:solidFill>
-                  <a:schemeClr val="tx1"/>
-                </a:solidFill>
-                <a:latin typeface="Times New Roman" charset="0"/>
-                <a:ea typeface="ＭＳ Ｐゴシック" charset="0"/>
-              </a:defRPr>
-            </a:lvl7pPr>
-            <a:lvl8pPr marL="3429000" indent="-228600" eaLnBrk="0" fontAlgn="base" hangingPunct="0">
-              <a:spcBef>
-                <a:spcPct val="0"/>
-              </a:spcBef>
-              <a:spcAft>
-                <a:spcPct val="0"/>
-              </a:spcAft>
-              <a:defRPr sz="2400">
-                <a:solidFill>
-                  <a:schemeClr val="tx1"/>
-                </a:solidFill>
-                <a:latin typeface="Times New Roman" charset="0"/>
-                <a:ea typeface="ＭＳ Ｐゴシック" charset="0"/>
-              </a:defRPr>
-            </a:lvl8pPr>
-            <a:lvl9pPr marL="3886200" indent="-228600" eaLnBrk="0" fontAlgn="base" hangingPunct="0">
-              <a:spcBef>
-                <a:spcPct val="0"/>
-              </a:spcBef>
-              <a:spcAft>
-                <a:spcPct val="0"/>
-              </a:spcAft>
-              <a:defRPr sz="2400">
-                <a:solidFill>
-                  <a:schemeClr val="tx1"/>
-                </a:solidFill>
-                <a:latin typeface="Times New Roman" charset="0"/>
-                <a:ea typeface="ＭＳ Ｐゴシック" charset="0"/>
-              </a:defRPr>
-            </a:lvl9pPr>
-          </a:lstStyle>
-          <a:p>
-            <a:r>
-              <a:rPr lang="en-US"/>
-              <a:t>An executing process, </a:t>
-            </a:r>
-            <a:r>
-              <a:rPr lang="en-US" b="1"/>
-              <a:t>q</a:t>
-            </a:r>
-          </a:p>
-        </p:txBody>
-      </p:sp>
-      <p:sp>
-        <p:nvSpPr>
-          <p:cNvPr id="16393" name="AutoShape 9"/>
-          <p:cNvSpPr>
-            <a:spLocks noChangeArrowheads="1"/>
-          </p:cNvSpPr>
-          <p:nvPr/>
-        </p:nvSpPr>
-        <p:spPr bwMode="auto">
-          <a:xfrm>
-            <a:off x="2667000" y="4648200"/>
-            <a:ext cx="762000" cy="381000"/>
-          </a:xfrm>
-          <a:prstGeom prst="lightningBolt">
-            <a:avLst/>
-          </a:prstGeom>
-          <a:solidFill>
-            <a:schemeClr val="folHlink"/>
-          </a:solidFill>
-          <a:ln w="9525">
-            <a:solidFill>
-              <a:schemeClr val="tx1"/>
-            </a:solidFill>
-            <a:miter lim="800000"/>
-            <a:headEnd/>
-            <a:tailEnd/>
-          </a:ln>
-        </p:spPr>
-        <p:txBody>
-          <a:bodyPr wrap="none" anchor="ctr"/>
-          <a:lstStyle/>
-          <a:p>
-            <a:endParaRPr lang="en-US"/>
-          </a:p>
-        </p:txBody>
-      </p:sp>
-      <p:sp>
-        <p:nvSpPr>
-          <p:cNvPr id="16394" name="Text Box 10"/>
-          <p:cNvSpPr txBox="1">
-            <a:spLocks noChangeArrowheads="1"/>
-          </p:cNvSpPr>
-          <p:nvPr/>
-        </p:nvSpPr>
-        <p:spPr bwMode="auto">
-          <a:xfrm>
-            <a:off x="304800" y="4267200"/>
-            <a:ext cx="2667000" cy="400050"/>
-          </a:xfrm>
-          <a:prstGeom prst="rect">
-            <a:avLst/>
-          </a:prstGeom>
-          <a:noFill/>
-          <a:ln>
-            <a:noFill/>
-          </a:ln>
-          <a:extLst>
-            <a:ext uri="{909E8E84-426E-40dd-AFC4-6F175D3DCCD1}">
-              <a14:hiddenFill xmlns:a14="http://schemas.microsoft.com/office/drawing/2010/main">
-                <a:solidFill>
-                  <a:srgbClr val="FFFFFF"/>
-                </a:solidFill>
-              </a14:hiddenFill>
-            </a:ext>
-            <a:ext uri="{91240B29-F687-4f45-9708-019B960494DF}">
-              <a14:hiddenLine xmlns:a14="http://schemas.microsoft.com/office/drawing/2010/main" w="9525">
-                <a:solidFill>
-                  <a:srgbClr val="000000"/>
-                </a:solidFill>
-                <a:miter lim="800000"/>
-                <a:headEnd/>
-                <a:tailEnd/>
-              </a14:hiddenLine>
-            </a:ext>
-          </a:extLst>
-        </p:spPr>
-        <p:txBody>
-          <a:bodyPr wrap="none">
-            <a:spAutoFit/>
-          </a:bodyPr>
-          <a:lstStyle>
-            <a:lvl1pPr>
-              <a:defRPr sz="2400">
-                <a:solidFill>
-                  <a:schemeClr val="tx1"/>
-                </a:solidFill>
-                <a:latin typeface="Times New Roman" charset="0"/>
-                <a:ea typeface="ＭＳ Ｐゴシック" charset="0"/>
-              </a:defRPr>
-            </a:lvl1pPr>
-            <a:lvl2pPr marL="742950" indent="-285750">
-              <a:defRPr sz="2400">
-                <a:solidFill>
-                  <a:schemeClr val="tx1"/>
-                </a:solidFill>
-                <a:latin typeface="Times New Roman" charset="0"/>
-                <a:ea typeface="ＭＳ Ｐゴシック" charset="0"/>
-              </a:defRPr>
-            </a:lvl2pPr>
-            <a:lvl3pPr marL="1143000" indent="-228600">
-              <a:defRPr sz="2400">
-                <a:solidFill>
-                  <a:schemeClr val="tx1"/>
-                </a:solidFill>
-                <a:latin typeface="Times New Roman" charset="0"/>
-                <a:ea typeface="ＭＳ Ｐゴシック" charset="0"/>
-              </a:defRPr>
-            </a:lvl3pPr>
-            <a:lvl4pPr marL="1600200" indent="-228600">
-              <a:defRPr sz="2400">
-                <a:solidFill>
-                  <a:schemeClr val="tx1"/>
-                </a:solidFill>
-                <a:latin typeface="Times New Roman" charset="0"/>
-                <a:ea typeface="ＭＳ Ｐゴシック" charset="0"/>
-              </a:defRPr>
-            </a:lvl4pPr>
-            <a:lvl5pPr marL="2057400" indent="-228600">
-              <a:defRPr sz="2400">
-                <a:solidFill>
-                  <a:schemeClr val="tx1"/>
-                </a:solidFill>
-                <a:latin typeface="Times New Roman" charset="0"/>
-                <a:ea typeface="ＭＳ Ｐゴシック" charset="0"/>
-              </a:defRPr>
-            </a:lvl5pPr>
-            <a:lvl6pPr marL="2514600" indent="-228600" eaLnBrk="0" fontAlgn="base" hangingPunct="0">
-              <a:spcBef>
-                <a:spcPct val="0"/>
-              </a:spcBef>
-              <a:spcAft>
-                <a:spcPct val="0"/>
-              </a:spcAft>
-              <a:defRPr sz="2400">
-                <a:solidFill>
-                  <a:schemeClr val="tx1"/>
-                </a:solidFill>
-                <a:latin typeface="Times New Roman" charset="0"/>
-                <a:ea typeface="ＭＳ Ｐゴシック" charset="0"/>
-              </a:defRPr>
-            </a:lvl6pPr>
-            <a:lvl7pPr marL="2971800" indent="-228600" eaLnBrk="0" fontAlgn="base" hangingPunct="0">
-              <a:spcBef>
-                <a:spcPct val="0"/>
-              </a:spcBef>
-              <a:spcAft>
-                <a:spcPct val="0"/>
-              </a:spcAft>
-              <a:defRPr sz="2400">
-                <a:solidFill>
-                  <a:schemeClr val="tx1"/>
-                </a:solidFill>
-                <a:latin typeface="Times New Roman" charset="0"/>
-                <a:ea typeface="ＭＳ Ｐゴシック" charset="0"/>
-              </a:defRPr>
-            </a:lvl7pPr>
-            <a:lvl8pPr marL="3429000" indent="-228600" eaLnBrk="0" fontAlgn="base" hangingPunct="0">
-              <a:spcBef>
-                <a:spcPct val="0"/>
-              </a:spcBef>
-              <a:spcAft>
-                <a:spcPct val="0"/>
-              </a:spcAft>
-              <a:defRPr sz="2400">
-                <a:solidFill>
-                  <a:schemeClr val="tx1"/>
-                </a:solidFill>
-                <a:latin typeface="Times New Roman" charset="0"/>
-                <a:ea typeface="ＭＳ Ｐゴシック" charset="0"/>
-              </a:defRPr>
-            </a:lvl8pPr>
-            <a:lvl9pPr marL="3886200" indent="-228600" eaLnBrk="0" fontAlgn="base" hangingPunct="0">
-              <a:spcBef>
-                <a:spcPct val="0"/>
-              </a:spcBef>
-              <a:spcAft>
-                <a:spcPct val="0"/>
-              </a:spcAft>
-              <a:defRPr sz="2400">
-                <a:solidFill>
-                  <a:schemeClr val="tx1"/>
-                </a:solidFill>
-                <a:latin typeface="Times New Roman" charset="0"/>
-                <a:ea typeface="ＭＳ Ｐゴシック" charset="0"/>
-              </a:defRPr>
-            </a:lvl9pPr>
-          </a:lstStyle>
-          <a:p>
-            <a:r>
-              <a:rPr lang="en-US" sz="2000" b="1"/>
-              <a:t>q</a:t>
-            </a:r>
-            <a:r>
-              <a:rPr lang="en-US" sz="2000"/>
-              <a:t>  raises </a:t>
-            </a:r>
-            <a:r>
-              <a:rPr lang="ja-JP" altLang="en-US" sz="2000"/>
-              <a:t>“</a:t>
-            </a:r>
-            <a:r>
-              <a:rPr lang="en-US" sz="2000"/>
-              <a:t>SIG#</a:t>
-            </a:r>
-            <a:r>
-              <a:rPr lang="ja-JP" altLang="en-US" sz="2000"/>
-              <a:t>”</a:t>
-            </a:r>
-            <a:r>
-              <a:rPr lang="en-US" sz="2000"/>
-              <a:t> for </a:t>
-            </a:r>
-            <a:r>
-              <a:rPr lang="ja-JP" altLang="en-US" sz="2000"/>
-              <a:t>“</a:t>
-            </a:r>
-            <a:r>
-              <a:rPr lang="en-US" sz="2000" b="1"/>
-              <a:t>p</a:t>
-            </a:r>
-            <a:r>
-              <a:rPr lang="ja-JP" altLang="en-US" sz="2000"/>
-              <a:t>”</a:t>
-            </a:r>
-            <a:endParaRPr lang="en-US" sz="2000"/>
-          </a:p>
-        </p:txBody>
-      </p:sp>
-      <p:sp>
-        <p:nvSpPr>
-          <p:cNvPr id="16395" name="Line 11"/>
-          <p:cNvSpPr>
-            <a:spLocks noChangeShapeType="1"/>
-          </p:cNvSpPr>
-          <p:nvPr/>
-        </p:nvSpPr>
-        <p:spPr bwMode="auto">
-          <a:xfrm>
-            <a:off x="3505200" y="5029200"/>
-            <a:ext cx="2667000" cy="0"/>
-          </a:xfrm>
-          <a:prstGeom prst="line">
-            <a:avLst/>
-          </a:prstGeom>
-          <a:noFill/>
-          <a:ln w="9525">
-            <a:solidFill>
-              <a:schemeClr val="tx1"/>
-            </a:solidFill>
-            <a:round/>
-            <a:headEnd/>
-            <a:tailEnd/>
-          </a:ln>
-          <a:extLst>
-            <a:ext uri="{909E8E84-426E-40dd-AFC4-6F175D3DCCD1}">
-              <a14:hiddenFill xmlns:a14="http://schemas.microsoft.com/office/drawing/2010/main">
-                <a:noFill/>
-              </a14:hiddenFill>
-            </a:ext>
-          </a:extLst>
-        </p:spPr>
-        <p:txBody>
-          <a:bodyPr wrap="none" anchor="ctr"/>
-          <a:lstStyle/>
-          <a:p>
-            <a:endParaRPr lang="en-US"/>
-          </a:p>
-        </p:txBody>
-      </p:sp>
-      <p:sp>
-        <p:nvSpPr>
-          <p:cNvPr id="16396" name="Line 12"/>
-          <p:cNvSpPr>
-            <a:spLocks noChangeShapeType="1"/>
-          </p:cNvSpPr>
-          <p:nvPr/>
-        </p:nvSpPr>
-        <p:spPr bwMode="auto">
-          <a:xfrm>
-            <a:off x="6172200" y="5029200"/>
-            <a:ext cx="0" cy="838200"/>
-          </a:xfrm>
-          <a:prstGeom prst="line">
-            <a:avLst/>
-          </a:prstGeom>
-          <a:noFill/>
-          <a:ln w="38100">
-            <a:solidFill>
-              <a:schemeClr val="tx1"/>
-            </a:solidFill>
-            <a:prstDash val="dash"/>
-            <a:round/>
-            <a:headEnd/>
-            <a:tailEnd/>
-          </a:ln>
-          <a:extLst>
-            <a:ext uri="{909E8E84-426E-40dd-AFC4-6F175D3DCCD1}">
-              <a14:hiddenFill xmlns:a14="http://schemas.microsoft.com/office/drawing/2010/main">
-                <a:noFill/>
-              </a14:hiddenFill>
-            </a:ext>
-          </a:extLst>
-        </p:spPr>
-        <p:txBody>
-          <a:bodyPr wrap="none" anchor="ctr"/>
-          <a:lstStyle/>
-          <a:p>
-            <a:endParaRPr lang="en-US"/>
-          </a:p>
-        </p:txBody>
-      </p:sp>
-      <p:sp>
-        <p:nvSpPr>
-          <p:cNvPr id="16397" name="Text Box 13"/>
-          <p:cNvSpPr txBox="1">
-            <a:spLocks noChangeArrowheads="1"/>
-          </p:cNvSpPr>
-          <p:nvPr/>
-        </p:nvSpPr>
-        <p:spPr bwMode="auto">
-          <a:xfrm>
-            <a:off x="6324600" y="5029200"/>
-            <a:ext cx="2193925" cy="708025"/>
-          </a:xfrm>
-          <a:prstGeom prst="rect">
-            <a:avLst/>
-          </a:prstGeom>
-          <a:solidFill>
-            <a:schemeClr val="accent3">
-              <a:lumMod val="85000"/>
-            </a:schemeClr>
-          </a:solidFill>
-          <a:ln w="9525">
-            <a:noFill/>
-            <a:miter lim="800000"/>
-            <a:headEnd/>
-            <a:tailEnd/>
-          </a:ln>
-          <a:effectLst/>
-        </p:spPr>
-        <p:txBody>
-          <a:bodyPr wrap="none">
-            <a:spAutoFit/>
-          </a:bodyPr>
-          <a:lstStyle>
-            <a:lvl1pPr>
-              <a:defRPr sz="2400">
-                <a:solidFill>
-                  <a:schemeClr val="tx1"/>
-                </a:solidFill>
-                <a:latin typeface="Times New Roman" charset="0"/>
-                <a:ea typeface="ＭＳ Ｐゴシック" charset="0"/>
-              </a:defRPr>
-            </a:lvl1pPr>
-            <a:lvl2pPr marL="742950" indent="-285750">
-              <a:defRPr sz="2400">
-                <a:solidFill>
-                  <a:schemeClr val="tx1"/>
-                </a:solidFill>
-                <a:latin typeface="Times New Roman" charset="0"/>
-                <a:ea typeface="ＭＳ Ｐゴシック" charset="0"/>
-              </a:defRPr>
-            </a:lvl2pPr>
-            <a:lvl3pPr marL="1143000" indent="-228600">
-              <a:defRPr sz="2400">
-                <a:solidFill>
-                  <a:schemeClr val="tx1"/>
-                </a:solidFill>
-                <a:latin typeface="Times New Roman" charset="0"/>
-                <a:ea typeface="ＭＳ Ｐゴシック" charset="0"/>
-              </a:defRPr>
-            </a:lvl3pPr>
-            <a:lvl4pPr marL="1600200" indent="-228600">
-              <a:defRPr sz="2400">
-                <a:solidFill>
-                  <a:schemeClr val="tx1"/>
-                </a:solidFill>
-                <a:latin typeface="Times New Roman" charset="0"/>
-                <a:ea typeface="ＭＳ Ｐゴシック" charset="0"/>
-              </a:defRPr>
-            </a:lvl4pPr>
-            <a:lvl5pPr marL="2057400" indent="-228600">
-              <a:defRPr sz="2400">
-                <a:solidFill>
-                  <a:schemeClr val="tx1"/>
-                </a:solidFill>
-                <a:latin typeface="Times New Roman" charset="0"/>
-                <a:ea typeface="ＭＳ Ｐゴシック" charset="0"/>
-              </a:defRPr>
-            </a:lvl5pPr>
-            <a:lvl6pPr marL="2514600" indent="-228600" eaLnBrk="0" fontAlgn="base" hangingPunct="0">
-              <a:spcBef>
-                <a:spcPct val="0"/>
-              </a:spcBef>
-              <a:spcAft>
-                <a:spcPct val="0"/>
-              </a:spcAft>
-              <a:defRPr sz="2400">
-                <a:solidFill>
-                  <a:schemeClr val="tx1"/>
-                </a:solidFill>
-                <a:latin typeface="Times New Roman" charset="0"/>
-                <a:ea typeface="ＭＳ Ｐゴシック" charset="0"/>
-              </a:defRPr>
-            </a:lvl6pPr>
-            <a:lvl7pPr marL="2971800" indent="-228600" eaLnBrk="0" fontAlgn="base" hangingPunct="0">
-              <a:spcBef>
-                <a:spcPct val="0"/>
-              </a:spcBef>
-              <a:spcAft>
-                <a:spcPct val="0"/>
-              </a:spcAft>
-              <a:defRPr sz="2400">
-                <a:solidFill>
-                  <a:schemeClr val="tx1"/>
-                </a:solidFill>
-                <a:latin typeface="Times New Roman" charset="0"/>
-                <a:ea typeface="ＭＳ Ｐゴシック" charset="0"/>
-              </a:defRPr>
-            </a:lvl7pPr>
-            <a:lvl8pPr marL="3429000" indent="-228600" eaLnBrk="0" fontAlgn="base" hangingPunct="0">
-              <a:spcBef>
-                <a:spcPct val="0"/>
-              </a:spcBef>
-              <a:spcAft>
-                <a:spcPct val="0"/>
-              </a:spcAft>
-              <a:defRPr sz="2400">
-                <a:solidFill>
-                  <a:schemeClr val="tx1"/>
-                </a:solidFill>
-                <a:latin typeface="Times New Roman" charset="0"/>
-                <a:ea typeface="ＭＳ Ｐゴシック" charset="0"/>
-              </a:defRPr>
-            </a:lvl8pPr>
-            <a:lvl9pPr marL="3886200" indent="-228600" eaLnBrk="0" fontAlgn="base" hangingPunct="0">
-              <a:spcBef>
-                <a:spcPct val="0"/>
-              </a:spcBef>
-              <a:spcAft>
-                <a:spcPct val="0"/>
-              </a:spcAft>
-              <a:defRPr sz="2400">
-                <a:solidFill>
-                  <a:schemeClr val="tx1"/>
-                </a:solidFill>
-                <a:latin typeface="Times New Roman" charset="0"/>
-                <a:ea typeface="ＭＳ Ｐゴシック" charset="0"/>
-              </a:defRPr>
-            </a:lvl9pPr>
-          </a:lstStyle>
-          <a:p>
-            <a:r>
-              <a:rPr lang="en-US" sz="1800" b="1">
-                <a:solidFill>
-                  <a:srgbClr val="22228B"/>
-                </a:solidFill>
-                <a:latin typeface="Courier New" charset="0"/>
-              </a:rPr>
-              <a:t>sig_hndlr</a:t>
-            </a:r>
-            <a:r>
-              <a:rPr lang="en-US" sz="2000"/>
-              <a:t> runs in</a:t>
-            </a:r>
-          </a:p>
-          <a:p>
-            <a:r>
-              <a:rPr lang="en-US" sz="2000" b="1"/>
-              <a:t>p</a:t>
-            </a:r>
-            <a:r>
-              <a:rPr lang="ja-JP" altLang="en-US" sz="2000"/>
-              <a:t>’</a:t>
-            </a:r>
-            <a:r>
-              <a:rPr lang="en-US" sz="2000"/>
-              <a:t>s address space</a:t>
-            </a:r>
-          </a:p>
-        </p:txBody>
-      </p:sp>
-      <p:sp>
-        <p:nvSpPr>
-          <p:cNvPr id="16398" name="Line 14"/>
-          <p:cNvSpPr>
-            <a:spLocks noChangeShapeType="1"/>
-          </p:cNvSpPr>
-          <p:nvPr/>
-        </p:nvSpPr>
-        <p:spPr bwMode="auto">
-          <a:xfrm>
-            <a:off x="3505200" y="5867400"/>
-            <a:ext cx="2667000" cy="0"/>
-          </a:xfrm>
-          <a:prstGeom prst="line">
-            <a:avLst/>
-          </a:prstGeom>
-          <a:noFill/>
-          <a:ln w="9525">
-            <a:solidFill>
-              <a:schemeClr val="tx1"/>
-            </a:solidFill>
-            <a:round/>
-            <a:headEnd/>
-            <a:tailEnd/>
-          </a:ln>
-          <a:extLst>
-            <a:ext uri="{909E8E84-426E-40dd-AFC4-6F175D3DCCD1}">
-              <a14:hiddenFill xmlns:a14="http://schemas.microsoft.com/office/drawing/2010/main">
-                <a:noFill/>
-              </a14:hiddenFill>
-            </a:ext>
-          </a:extLst>
-        </p:spPr>
-        <p:txBody>
-          <a:bodyPr wrap="none" anchor="ctr"/>
-          <a:lstStyle/>
-          <a:p>
-            <a:endParaRPr lang="en-US"/>
-          </a:p>
-        </p:txBody>
-      </p:sp>
-      <p:sp>
-        <p:nvSpPr>
-          <p:cNvPr id="16399" name="Line 15"/>
-          <p:cNvSpPr>
-            <a:spLocks noChangeShapeType="1"/>
-          </p:cNvSpPr>
-          <p:nvPr/>
-        </p:nvSpPr>
-        <p:spPr bwMode="auto">
-          <a:xfrm>
-            <a:off x="3505200" y="5867400"/>
-            <a:ext cx="0" cy="762000"/>
-          </a:xfrm>
-          <a:prstGeom prst="line">
-            <a:avLst/>
-          </a:prstGeom>
-          <a:noFill/>
-          <a:ln w="38100">
-            <a:solidFill>
-              <a:schemeClr val="tx1"/>
-            </a:solidFill>
-            <a:prstDash val="dash"/>
-            <a:round/>
-            <a:headEnd/>
-            <a:tailEnd/>
-          </a:ln>
-          <a:extLst>
-            <a:ext uri="{909E8E84-426E-40dd-AFC4-6F175D3DCCD1}">
-              <a14:hiddenFill xmlns:a14="http://schemas.microsoft.com/office/drawing/2010/main">
-                <a:noFill/>
-              </a14:hiddenFill>
-            </a:ext>
-          </a:extLst>
-        </p:spPr>
-        <p:txBody>
-          <a:bodyPr wrap="none" anchor="ctr"/>
-          <a:lstStyle/>
-          <a:p>
-            <a:endParaRPr lang="en-US"/>
-          </a:p>
-        </p:txBody>
-      </p:sp>
-      <p:sp>
-        <p:nvSpPr>
-          <p:cNvPr id="16401" name="Text Box 17"/>
-          <p:cNvSpPr txBox="1">
-            <a:spLocks noChangeArrowheads="1"/>
-          </p:cNvSpPr>
-          <p:nvPr/>
-        </p:nvSpPr>
-        <p:spPr bwMode="auto">
-          <a:xfrm>
-            <a:off x="1600200" y="4953000"/>
-            <a:ext cx="1436688" cy="400050"/>
-          </a:xfrm>
-          <a:prstGeom prst="rect">
-            <a:avLst/>
-          </a:prstGeom>
-          <a:solidFill>
-            <a:schemeClr val="accent3">
-              <a:lumMod val="75000"/>
-            </a:schemeClr>
-          </a:solidFill>
-          <a:ln w="9525">
-            <a:noFill/>
-            <a:miter lim="800000"/>
-            <a:headEnd/>
-            <a:tailEnd/>
-          </a:ln>
-          <a:effectLst/>
-        </p:spPr>
-        <p:txBody>
-          <a:bodyPr wrap="none">
-            <a:spAutoFit/>
-          </a:bodyPr>
-          <a:lstStyle/>
-          <a:p>
-            <a:pPr>
-              <a:defRPr/>
-            </a:pPr>
-            <a:r>
-              <a:rPr lang="en-US" sz="2000" b="1" dirty="0">
-                <a:latin typeface="Times New Roman" pitchFamily="18" charset="0"/>
-                <a:ea typeface="+mn-ea"/>
-              </a:rPr>
-              <a:t>q</a:t>
-            </a:r>
-            <a:r>
-              <a:rPr lang="en-US" sz="2000" dirty="0">
-                <a:latin typeface="Times New Roman" pitchFamily="18" charset="0"/>
-                <a:ea typeface="+mn-ea"/>
-              </a:rPr>
-              <a:t> is blocked</a:t>
-            </a:r>
-          </a:p>
-        </p:txBody>
-      </p:sp>
-      <p:sp>
-        <p:nvSpPr>
-          <p:cNvPr id="16402" name="Text Box 18"/>
-          <p:cNvSpPr txBox="1">
-            <a:spLocks noChangeArrowheads="1"/>
-          </p:cNvSpPr>
-          <p:nvPr/>
-        </p:nvSpPr>
-        <p:spPr bwMode="auto">
-          <a:xfrm>
-            <a:off x="1139825" y="6019800"/>
-            <a:ext cx="2289175" cy="400050"/>
-          </a:xfrm>
-          <a:prstGeom prst="rect">
-            <a:avLst/>
-          </a:prstGeom>
-          <a:noFill/>
-          <a:ln>
-            <a:noFill/>
-          </a:ln>
-          <a:extLst>
-            <a:ext uri="{909E8E84-426E-40dd-AFC4-6F175D3DCCD1}">
-              <a14:hiddenFill xmlns:a14="http://schemas.microsoft.com/office/drawing/2010/main">
-                <a:solidFill>
-                  <a:srgbClr val="FFFFFF"/>
-                </a:solidFill>
-              </a14:hiddenFill>
-            </a:ext>
-            <a:ext uri="{91240B29-F687-4f45-9708-019B960494DF}">
-              <a14:hiddenLine xmlns:a14="http://schemas.microsoft.com/office/drawing/2010/main" w="9525">
-                <a:solidFill>
-                  <a:srgbClr val="000000"/>
-                </a:solidFill>
-                <a:miter lim="800000"/>
-                <a:headEnd/>
-                <a:tailEnd/>
-              </a14:hiddenLine>
-            </a:ext>
-          </a:extLst>
-        </p:spPr>
-        <p:txBody>
-          <a:bodyPr wrap="none">
-            <a:spAutoFit/>
-          </a:bodyPr>
-          <a:lstStyle>
-            <a:lvl1pPr>
-              <a:defRPr sz="2400">
-                <a:solidFill>
-                  <a:schemeClr val="tx1"/>
-                </a:solidFill>
-                <a:latin typeface="Times New Roman" charset="0"/>
-                <a:ea typeface="ＭＳ Ｐゴシック" charset="0"/>
-              </a:defRPr>
-            </a:lvl1pPr>
-            <a:lvl2pPr marL="742950" indent="-285750">
-              <a:defRPr sz="2400">
-                <a:solidFill>
-                  <a:schemeClr val="tx1"/>
-                </a:solidFill>
-                <a:latin typeface="Times New Roman" charset="0"/>
-                <a:ea typeface="ＭＳ Ｐゴシック" charset="0"/>
-              </a:defRPr>
-            </a:lvl2pPr>
-            <a:lvl3pPr marL="1143000" indent="-228600">
-              <a:defRPr sz="2400">
-                <a:solidFill>
-                  <a:schemeClr val="tx1"/>
-                </a:solidFill>
-                <a:latin typeface="Times New Roman" charset="0"/>
-                <a:ea typeface="ＭＳ Ｐゴシック" charset="0"/>
-              </a:defRPr>
-            </a:lvl3pPr>
-            <a:lvl4pPr marL="1600200" indent="-228600">
-              <a:defRPr sz="2400">
-                <a:solidFill>
-                  <a:schemeClr val="tx1"/>
-                </a:solidFill>
-                <a:latin typeface="Times New Roman" charset="0"/>
-                <a:ea typeface="ＭＳ Ｐゴシック" charset="0"/>
-              </a:defRPr>
-            </a:lvl4pPr>
-            <a:lvl5pPr marL="2057400" indent="-228600">
-              <a:defRPr sz="2400">
-                <a:solidFill>
-                  <a:schemeClr val="tx1"/>
-                </a:solidFill>
-                <a:latin typeface="Times New Roman" charset="0"/>
-                <a:ea typeface="ＭＳ Ｐゴシック" charset="0"/>
-              </a:defRPr>
-            </a:lvl5pPr>
-            <a:lvl6pPr marL="2514600" indent="-228600" eaLnBrk="0" fontAlgn="base" hangingPunct="0">
-              <a:spcBef>
-                <a:spcPct val="0"/>
-              </a:spcBef>
-              <a:spcAft>
-                <a:spcPct val="0"/>
-              </a:spcAft>
-              <a:defRPr sz="2400">
-                <a:solidFill>
-                  <a:schemeClr val="tx1"/>
-                </a:solidFill>
-                <a:latin typeface="Times New Roman" charset="0"/>
-                <a:ea typeface="ＭＳ Ｐゴシック" charset="0"/>
-              </a:defRPr>
-            </a:lvl6pPr>
-            <a:lvl7pPr marL="2971800" indent="-228600" eaLnBrk="0" fontAlgn="base" hangingPunct="0">
-              <a:spcBef>
-                <a:spcPct val="0"/>
-              </a:spcBef>
-              <a:spcAft>
-                <a:spcPct val="0"/>
-              </a:spcAft>
-              <a:defRPr sz="2400">
-                <a:solidFill>
-                  <a:schemeClr val="tx1"/>
-                </a:solidFill>
-                <a:latin typeface="Times New Roman" charset="0"/>
-                <a:ea typeface="ＭＳ Ｐゴシック" charset="0"/>
-              </a:defRPr>
-            </a:lvl7pPr>
-            <a:lvl8pPr marL="3429000" indent="-228600" eaLnBrk="0" fontAlgn="base" hangingPunct="0">
-              <a:spcBef>
-                <a:spcPct val="0"/>
-              </a:spcBef>
-              <a:spcAft>
-                <a:spcPct val="0"/>
-              </a:spcAft>
-              <a:defRPr sz="2400">
-                <a:solidFill>
-                  <a:schemeClr val="tx1"/>
-                </a:solidFill>
-                <a:latin typeface="Times New Roman" charset="0"/>
-                <a:ea typeface="ＭＳ Ｐゴシック" charset="0"/>
-              </a:defRPr>
-            </a:lvl8pPr>
-            <a:lvl9pPr marL="3886200" indent="-228600" eaLnBrk="0" fontAlgn="base" hangingPunct="0">
-              <a:spcBef>
-                <a:spcPct val="0"/>
-              </a:spcBef>
-              <a:spcAft>
-                <a:spcPct val="0"/>
-              </a:spcAft>
-              <a:defRPr sz="2400">
-                <a:solidFill>
-                  <a:schemeClr val="tx1"/>
-                </a:solidFill>
-                <a:latin typeface="Times New Roman" charset="0"/>
-                <a:ea typeface="ＭＳ Ｐゴシック" charset="0"/>
-              </a:defRPr>
-            </a:lvl9pPr>
-          </a:lstStyle>
-          <a:p>
-            <a:r>
-              <a:rPr lang="en-US" sz="2000" b="1"/>
-              <a:t>q</a:t>
-            </a:r>
-            <a:r>
-              <a:rPr lang="en-US" sz="2000"/>
-              <a:t> resumes execution</a:t>
-            </a:r>
-          </a:p>
-        </p:txBody>
-      </p:sp>
-    </p:spTree>
-    <p:extLst>
-      <p:ext uri="{BB962C8B-B14F-4D97-AF65-F5344CB8AC3E}">
-        <p14:creationId xmlns:p14="http://schemas.microsoft.com/office/powerpoint/2010/main" val="2143759565"/>
-      </p:ext>
-    </p:extLst>
-  </p:cSld>
-  <p:clrMapOvr>
-    <a:masterClrMapping/>
-  </p:clrMapOvr>
-  <p:timing>
-    <p:tnLst>
-      <p:par>
-        <p:cTn xmlns:p14="http://schemas.microsoft.com/office/powerpoint/2010/main" id="1" dur="indefinite" restart="never" nodeType="tmRoot"/>
-      </p:par>
-    </p:tnLst>
-  </p:timing>
-</p:sld>
-</file>
-
-<file path=ppt/slides/slide34.xml><?xml version="1.0" encoding="utf-8"?>
-<p:sld xmlns:a="http://schemas.openxmlformats.org/drawingml/2006/main" xmlns:r="http://schemas.openxmlformats.org/officeDocument/2006/relationships" xmlns:p="http://schemas.openxmlformats.org/presentationml/2006/main">
-  <p:cSld>
-    <p:spTree>
-      <p:nvGrpSpPr>
-        <p:cNvPr id="1" name=""/>
-        <p:cNvGrpSpPr/>
-        <p:nvPr/>
-      </p:nvGrpSpPr>
-      <p:grpSpPr>
-        <a:xfrm>
-          <a:off x="0" y="0"/>
-          <a:ext cx="0" cy="0"/>
-          <a:chOff x="0" y="0"/>
-          <a:chExt cx="0" cy="0"/>
-        </a:xfrm>
-      </p:grpSpPr>
-      <p:sp>
-        <p:nvSpPr>
-          <p:cNvPr id="2" name="Title 1"/>
-          <p:cNvSpPr>
-            <a:spLocks noGrp="1"/>
-          </p:cNvSpPr>
-          <p:nvPr>
-            <p:ph type="title"/>
-          </p:nvPr>
-        </p:nvSpPr>
-        <p:spPr/>
-        <p:txBody>
-          <a:bodyPr/>
-          <a:lstStyle/>
-          <a:p>
-            <a:r>
-              <a:rPr lang="en-US" dirty="0" smtClean="0"/>
-              <a:t>SIGNAL EXAMPLES</a:t>
-            </a:r>
-            <a:endParaRPr lang="en-US" dirty="0"/>
-          </a:p>
-        </p:txBody>
-      </p:sp>
-      <p:sp>
-        <p:nvSpPr>
-          <p:cNvPr id="3" name="Content Placeholder 2"/>
-          <p:cNvSpPr txBox="1">
-            <a:spLocks/>
-          </p:cNvSpPr>
-          <p:nvPr/>
-        </p:nvSpPr>
-        <p:spPr>
-          <a:xfrm>
-            <a:off x="457200" y="1600200"/>
-            <a:ext cx="8229600" cy="4525963"/>
-          </a:xfrm>
-          <a:prstGeom prst="rect">
-            <a:avLst/>
-          </a:prstGeom>
-        </p:spPr>
-        <p:txBody>
-          <a:bodyPr/>
-          <a:lstStyle>
-            <a:lvl1pPr marL="342900" indent="-342900" algn="l" defTabSz="457200" rtl="0" eaLnBrk="1" latinLnBrk="0" hangingPunct="1">
-              <a:spcBef>
-                <a:spcPct val="20000"/>
-              </a:spcBef>
-              <a:buFont typeface="Arial"/>
-              <a:buChar char="•"/>
-              <a:defRPr sz="3200" kern="1200">
-                <a:solidFill>
-                  <a:schemeClr val="tx1"/>
-                </a:solidFill>
-                <a:latin typeface="+mn-lt"/>
-                <a:ea typeface="+mn-ea"/>
-                <a:cs typeface="+mn-cs"/>
-              </a:defRPr>
-            </a:lvl1pPr>
-            <a:lvl2pPr marL="742950" indent="-285750" algn="l" defTabSz="457200" rtl="0" eaLnBrk="1" latinLnBrk="0" hangingPunct="1">
-              <a:spcBef>
-                <a:spcPct val="20000"/>
-              </a:spcBef>
-              <a:buFont typeface="Arial"/>
-              <a:buChar char="–"/>
-              <a:defRPr sz="2800" kern="1200">
-                <a:solidFill>
-                  <a:schemeClr val="tx1"/>
-                </a:solidFill>
-                <a:latin typeface="+mn-lt"/>
-                <a:ea typeface="+mn-ea"/>
-                <a:cs typeface="+mn-cs"/>
-              </a:defRPr>
-            </a:lvl2pPr>
-            <a:lvl3pPr marL="1143000" indent="-228600" algn="l" defTabSz="457200" rtl="0" eaLnBrk="1" latinLnBrk="0" hangingPunct="1">
-              <a:spcBef>
-                <a:spcPct val="20000"/>
-              </a:spcBef>
-              <a:buFont typeface="Arial"/>
-              <a:buChar char="•"/>
-              <a:defRPr sz="2400" kern="1200">
-                <a:solidFill>
-                  <a:schemeClr val="tx1"/>
-                </a:solidFill>
-                <a:latin typeface="+mn-lt"/>
-                <a:ea typeface="+mn-ea"/>
-                <a:cs typeface="+mn-cs"/>
-              </a:defRPr>
-            </a:lvl3pPr>
-            <a:lvl4pPr marL="1600200" indent="-228600" algn="l" defTabSz="457200" rtl="0" eaLnBrk="1" latinLnBrk="0" hangingPunct="1">
-              <a:spcBef>
-                <a:spcPct val="20000"/>
-              </a:spcBef>
-              <a:buFont typeface="Arial"/>
-              <a:buChar char="–"/>
-              <a:defRPr sz="2000" kern="1200">
-                <a:solidFill>
-                  <a:schemeClr val="tx1"/>
-                </a:solidFill>
-                <a:latin typeface="+mn-lt"/>
-                <a:ea typeface="+mn-ea"/>
-                <a:cs typeface="+mn-cs"/>
-              </a:defRPr>
-            </a:lvl4pPr>
-            <a:lvl5pPr marL="2057400" indent="-228600" algn="l" defTabSz="457200" rtl="0" eaLnBrk="1" latinLnBrk="0" hangingPunct="1">
-              <a:spcBef>
-                <a:spcPct val="20000"/>
-              </a:spcBef>
-              <a:buFont typeface="Arial"/>
-              <a:buChar char="»"/>
-              <a:defRPr sz="2000" kern="1200">
-                <a:solidFill>
-                  <a:schemeClr val="tx1"/>
-                </a:solidFill>
-                <a:latin typeface="+mn-lt"/>
-                <a:ea typeface="+mn-ea"/>
-                <a:cs typeface="+mn-cs"/>
-              </a:defRPr>
-            </a:lvl5pPr>
-            <a:lvl6pPr marL="2514600" indent="-228600" algn="l" defTabSz="457200" rtl="0" eaLnBrk="1" latinLnBrk="0" hangingPunct="1">
-              <a:spcBef>
-                <a:spcPct val="20000"/>
-              </a:spcBef>
-              <a:buFont typeface="Arial"/>
-              <a:buChar char="•"/>
-              <a:defRPr sz="2000" kern="1200">
-                <a:solidFill>
-                  <a:schemeClr val="tx1"/>
-                </a:solidFill>
-                <a:latin typeface="+mn-lt"/>
-                <a:ea typeface="+mn-ea"/>
-                <a:cs typeface="+mn-cs"/>
-              </a:defRPr>
-            </a:lvl6pPr>
-            <a:lvl7pPr marL="2971800" indent="-228600" algn="l" defTabSz="457200" rtl="0" eaLnBrk="1" latinLnBrk="0" hangingPunct="1">
-              <a:spcBef>
-                <a:spcPct val="20000"/>
-              </a:spcBef>
-              <a:buFont typeface="Arial"/>
-              <a:buChar char="•"/>
-              <a:defRPr sz="2000" kern="1200">
-                <a:solidFill>
-                  <a:schemeClr val="tx1"/>
-                </a:solidFill>
-                <a:latin typeface="+mn-lt"/>
-                <a:ea typeface="+mn-ea"/>
-                <a:cs typeface="+mn-cs"/>
-              </a:defRPr>
-            </a:lvl7pPr>
-            <a:lvl8pPr marL="3429000" indent="-228600" algn="l" defTabSz="457200" rtl="0" eaLnBrk="1" latinLnBrk="0" hangingPunct="1">
-              <a:spcBef>
-                <a:spcPct val="20000"/>
-              </a:spcBef>
-              <a:buFont typeface="Arial"/>
-              <a:buChar char="•"/>
-              <a:defRPr sz="2000" kern="1200">
-                <a:solidFill>
-                  <a:schemeClr val="tx1"/>
-                </a:solidFill>
-                <a:latin typeface="+mn-lt"/>
-                <a:ea typeface="+mn-ea"/>
-                <a:cs typeface="+mn-cs"/>
-              </a:defRPr>
-            </a:lvl8pPr>
-            <a:lvl9pPr marL="3886200" indent="-228600" algn="l" defTabSz="457200" rtl="0" eaLnBrk="1" latinLnBrk="0" hangingPunct="1">
-              <a:spcBef>
-                <a:spcPct val="20000"/>
-              </a:spcBef>
-              <a:buFont typeface="Arial"/>
-              <a:buChar char="•"/>
-              <a:defRPr sz="2000" kern="1200">
-                <a:solidFill>
-                  <a:schemeClr val="tx1"/>
-                </a:solidFill>
-                <a:latin typeface="+mn-lt"/>
-                <a:ea typeface="+mn-ea"/>
-                <a:cs typeface="+mn-cs"/>
-              </a:defRPr>
-            </a:lvl9pPr>
-          </a:lstStyle>
-          <a:p>
-            <a:r>
-              <a:rPr lang="en-US" dirty="0" smtClean="0"/>
-              <a:t>Signal4.c //another way to implement waiting for all background processes in  hw1</a:t>
-            </a:r>
-          </a:p>
-          <a:p>
-            <a:r>
-              <a:rPr lang="en-US" dirty="0" smtClean="0"/>
-              <a:t>Signals-</a:t>
-            </a:r>
-            <a:r>
-              <a:rPr lang="en-US" dirty="0" err="1" smtClean="0"/>
-              <a:t>ex.c</a:t>
-            </a:r>
-            <a:r>
-              <a:rPr lang="en-US" dirty="0"/>
-              <a:t> //can SIGKILL be handled by our own function?</a:t>
-            </a:r>
-            <a:endParaRPr lang="en-US" dirty="0" smtClean="0"/>
-          </a:p>
-          <a:p>
-            <a:endParaRPr lang="en-US" dirty="0" smtClean="0"/>
-          </a:p>
-          <a:p>
-            <a:endParaRPr lang="en-US" dirty="0" smtClean="0"/>
-          </a:p>
-          <a:p>
-            <a:endParaRPr lang="en-US" dirty="0"/>
-          </a:p>
-        </p:txBody>
-      </p:sp>
-    </p:spTree>
-    <p:extLst>
-      <p:ext uri="{BB962C8B-B14F-4D97-AF65-F5344CB8AC3E}">
-        <p14:creationId xmlns:p14="http://schemas.microsoft.com/office/powerpoint/2010/main" val="521045094"/>
-      </p:ext>
-    </p:extLst>
-  </p:cSld>
-  <p:clrMapOvr>
-    <a:masterClrMapping/>
-  </p:clrMapOvr>
-  <p:timing>
-    <p:tnLst>
-      <p:par>
-        <p:cTn xmlns:p14="http://schemas.microsoft.com/office/powerpoint/2010/main" id="1" dur="indefinite" restart="never" nodeType="tmRoot"/>
-      </p:par>
-    </p:tnLst>
-  </p:timing>
-</p:sld>
-</file>
-
-<file path=ppt/slides/slide35.xml><?xml version="1.0" encoding="utf-8"?>
-<p:sld xmlns:a="http://schemas.openxmlformats.org/drawingml/2006/main" xmlns:r="http://schemas.openxmlformats.org/officeDocument/2006/relationships" xmlns:p="http://schemas.openxmlformats.org/presentationml/2006/main">
-  <p:cSld>
-    <p:spTree>
-      <p:nvGrpSpPr>
-        <p:cNvPr id="1" name=""/>
-        <p:cNvGrpSpPr/>
-        <p:nvPr/>
-      </p:nvGrpSpPr>
-      <p:grpSpPr>
-        <a:xfrm>
-          <a:off x="0" y="0"/>
-          <a:ext cx="0" cy="0"/>
-          <a:chOff x="0" y="0"/>
-          <a:chExt cx="0" cy="0"/>
-        </a:xfrm>
-      </p:grpSpPr>
-      <p:sp>
-        <p:nvSpPr>
-          <p:cNvPr id="8194" name="Rectangle 2"/>
-          <p:cNvSpPr>
-            <a:spLocks noGrp="1" noChangeArrowheads="1"/>
-          </p:cNvSpPr>
-          <p:nvPr>
-            <p:ph type="title"/>
-          </p:nvPr>
-        </p:nvSpPr>
-        <p:spPr>
-          <a:xfrm>
-            <a:off x="457200" y="152400"/>
-            <a:ext cx="8077200" cy="609600"/>
-          </a:xfrm>
-        </p:spPr>
-        <p:txBody>
-          <a:bodyPr>
-            <a:normAutofit fontScale="90000"/>
-          </a:bodyPr>
-          <a:lstStyle/>
-          <a:p>
-            <a:r>
-              <a:rPr lang="en-US" sz="3600" b="1">
-                <a:latin typeface="Times New Roman" charset="0"/>
-              </a:rPr>
-              <a:t>UNIX Pipes</a:t>
-            </a:r>
-          </a:p>
-        </p:txBody>
-      </p:sp>
-      <p:sp>
-        <p:nvSpPr>
-          <p:cNvPr id="72707" name="Rectangle 3"/>
-          <p:cNvSpPr>
-            <a:spLocks noGrp="1" noChangeArrowheads="1"/>
-          </p:cNvSpPr>
-          <p:nvPr>
-            <p:ph type="body" idx="1"/>
-          </p:nvPr>
-        </p:nvSpPr>
-        <p:spPr>
-          <a:xfrm>
-            <a:off x="457200" y="990600"/>
-            <a:ext cx="8077200" cy="2362200"/>
-          </a:xfrm>
-          <a:solidFill>
-            <a:schemeClr val="bg1"/>
-          </a:solidFill>
-        </p:spPr>
-        <p:txBody>
-          <a:bodyPr/>
-          <a:lstStyle/>
-          <a:p>
-            <a:pPr marL="225425" indent="-225425"/>
-            <a:r>
-              <a:rPr lang="en-US" sz="2000">
-                <a:latin typeface="Times New Roman" charset="0"/>
-              </a:rPr>
-              <a:t>The pipe interface is intended to look like a file interface</a:t>
-            </a:r>
-          </a:p>
-          <a:p>
-            <a:pPr marL="225425" indent="-225425"/>
-            <a:r>
-              <a:rPr lang="en-US" sz="2000">
-                <a:latin typeface="Times New Roman" charset="0"/>
-              </a:rPr>
-              <a:t>Analog of </a:t>
-            </a:r>
-            <a:r>
-              <a:rPr lang="en-US" sz="2000" b="1">
-                <a:latin typeface="Times New Roman" charset="0"/>
-              </a:rPr>
-              <a:t>open</a:t>
-            </a:r>
-            <a:r>
-              <a:rPr lang="en-US" sz="2000">
-                <a:latin typeface="Times New Roman" charset="0"/>
-              </a:rPr>
-              <a:t> is to create the pipe: </a:t>
-            </a:r>
-            <a:r>
-              <a:rPr lang="en-US" sz="2000" b="1">
-                <a:latin typeface="Times New Roman" charset="0"/>
-              </a:rPr>
-              <a:t>pipe</a:t>
-            </a:r>
-            <a:r>
-              <a:rPr lang="en-US" sz="2000">
-                <a:latin typeface="Times New Roman" charset="0"/>
-              </a:rPr>
-              <a:t>(p)</a:t>
-            </a:r>
-          </a:p>
-          <a:p>
-            <a:pPr marL="225425" indent="-225425"/>
-            <a:r>
-              <a:rPr lang="en-US" sz="2000">
-                <a:latin typeface="Times New Roman" charset="0"/>
-              </a:rPr>
-              <a:t>Kernel creates a buffer with two pointers </a:t>
-            </a:r>
-            <a:r>
-              <a:rPr lang="en-US" sz="2000" b="1">
-                <a:latin typeface="Times New Roman" charset="0"/>
-              </a:rPr>
-              <a:t>p[0] </a:t>
-            </a:r>
-            <a:r>
-              <a:rPr lang="en-US" sz="2000">
-                <a:latin typeface="Times New Roman" charset="0"/>
-              </a:rPr>
-              <a:t>and</a:t>
-            </a:r>
-            <a:r>
-              <a:rPr lang="en-US" sz="2000" b="1">
-                <a:latin typeface="Times New Roman" charset="0"/>
-              </a:rPr>
-              <a:t> p[1]</a:t>
-            </a:r>
-          </a:p>
-          <a:p>
-            <a:pPr marL="225425" indent="-225425"/>
-            <a:r>
-              <a:rPr lang="en-US" sz="2000">
-                <a:latin typeface="Times New Roman" charset="0"/>
-              </a:rPr>
-              <a:t>File  </a:t>
-            </a:r>
-            <a:r>
-              <a:rPr lang="en-US" sz="1800" b="1">
-                <a:latin typeface="Courier New" charset="0"/>
-              </a:rPr>
-              <a:t>read </a:t>
-            </a:r>
-            <a:r>
-              <a:rPr lang="en-US" sz="1800" b="1">
-                <a:latin typeface="Times New Roman" charset="0"/>
-              </a:rPr>
-              <a:t>/ </a:t>
-            </a:r>
-            <a:r>
-              <a:rPr lang="en-US" sz="1800" b="1">
-                <a:latin typeface="Courier New" charset="0"/>
-              </a:rPr>
-              <a:t>write</a:t>
-            </a:r>
-            <a:r>
-              <a:rPr lang="en-US" sz="1800">
-                <a:latin typeface="Times New Roman" charset="0"/>
-              </a:rPr>
-              <a:t>  </a:t>
-            </a:r>
-            <a:r>
-              <a:rPr lang="en-US" sz="2000">
-                <a:latin typeface="Times New Roman" charset="0"/>
-              </a:rPr>
-              <a:t>calls are used to send/receive information on the pipe</a:t>
-            </a:r>
-          </a:p>
-          <a:p>
-            <a:pPr marL="225425" indent="-225425"/>
-            <a:r>
-              <a:rPr lang="en-US" sz="2000">
-                <a:latin typeface="Times New Roman" charset="0"/>
-              </a:rPr>
-              <a:t>Processes use </a:t>
-            </a:r>
-            <a:r>
-              <a:rPr lang="en-US" sz="2000" b="1">
-                <a:latin typeface="Times New Roman" charset="0"/>
-              </a:rPr>
-              <a:t>p[1]</a:t>
-            </a:r>
-            <a:r>
-              <a:rPr lang="en-US" sz="2000">
-                <a:latin typeface="Times New Roman" charset="0"/>
-              </a:rPr>
-              <a:t> to write and </a:t>
-            </a:r>
-            <a:r>
-              <a:rPr lang="en-US" sz="2000" b="1">
-                <a:latin typeface="Times New Roman" charset="0"/>
-              </a:rPr>
-              <a:t>p[0]</a:t>
-            </a:r>
-            <a:r>
-              <a:rPr lang="en-US" sz="2000">
-                <a:latin typeface="Times New Roman" charset="0"/>
-              </a:rPr>
-              <a:t> to read</a:t>
-            </a:r>
-          </a:p>
-          <a:p>
-            <a:pPr marL="225425" indent="-225425"/>
-            <a:r>
-              <a:rPr lang="en-US" sz="2000" b="1">
-                <a:latin typeface="Times New Roman" charset="0"/>
-              </a:rPr>
-              <a:t>pipe</a:t>
-            </a:r>
-            <a:r>
-              <a:rPr lang="en-US" sz="2000">
-                <a:latin typeface="Times New Roman" charset="0"/>
-              </a:rPr>
-              <a:t> handles (p[0] &amp; p[1]) are copied on </a:t>
-            </a:r>
-            <a:r>
-              <a:rPr lang="en-US" sz="2000" b="1">
-                <a:latin typeface="Times New Roman" charset="0"/>
-              </a:rPr>
-              <a:t>fork() </a:t>
-            </a:r>
-            <a:r>
-              <a:rPr lang="en-US" sz="2000">
-                <a:latin typeface="Times New Roman" charset="0"/>
-              </a:rPr>
-              <a:t>  (similar to file handles)</a:t>
-            </a:r>
-          </a:p>
-        </p:txBody>
-      </p:sp>
-      <p:sp>
-        <p:nvSpPr>
-          <p:cNvPr id="6" name="Text Box 4"/>
-          <p:cNvSpPr txBox="1">
-            <a:spLocks noChangeArrowheads="1"/>
-          </p:cNvSpPr>
-          <p:nvPr/>
-        </p:nvSpPr>
-        <p:spPr bwMode="auto">
-          <a:xfrm>
-            <a:off x="4152900" y="3413125"/>
-            <a:ext cx="4381500" cy="3292475"/>
-          </a:xfrm>
-          <a:prstGeom prst="rect">
-            <a:avLst/>
-          </a:prstGeom>
-          <a:solidFill>
-            <a:schemeClr val="accent1">
-              <a:lumMod val="20000"/>
-              <a:lumOff val="80000"/>
-            </a:schemeClr>
-          </a:solidFill>
-          <a:ln w="9525">
-            <a:noFill/>
-            <a:miter lim="800000"/>
-            <a:headEnd/>
-            <a:tailEnd/>
-          </a:ln>
-          <a:effectLst/>
-        </p:spPr>
-        <p:txBody>
-          <a:bodyPr wrap="none">
-            <a:spAutoFit/>
-          </a:bodyPr>
-          <a:lstStyle/>
-          <a:p>
-            <a:pPr>
-              <a:defRPr/>
-            </a:pPr>
-            <a:r>
-              <a:rPr lang="en-US" sz="1600" dirty="0" err="1">
-                <a:solidFill>
-                  <a:schemeClr val="accent6">
-                    <a:lumMod val="50000"/>
-                  </a:schemeClr>
-                </a:solidFill>
-                <a:latin typeface="Courier New" pitchFamily="49" charset="0"/>
-                <a:ea typeface="+mn-ea"/>
-              </a:rPr>
-              <a:t>int</a:t>
-            </a:r>
-            <a:r>
-              <a:rPr lang="en-US" sz="1600" dirty="0">
-                <a:solidFill>
-                  <a:schemeClr val="accent6">
-                    <a:lumMod val="50000"/>
-                  </a:schemeClr>
-                </a:solidFill>
-                <a:latin typeface="Courier New" pitchFamily="49" charset="0"/>
-                <a:ea typeface="+mn-ea"/>
-              </a:rPr>
-              <a:t> p[2];</a:t>
-            </a:r>
-          </a:p>
-          <a:p>
-            <a:pPr>
-              <a:defRPr/>
-            </a:pPr>
-            <a:r>
-              <a:rPr lang="en-US" sz="1600" dirty="0">
-                <a:solidFill>
-                  <a:schemeClr val="accent6">
-                    <a:lumMod val="50000"/>
-                  </a:schemeClr>
-                </a:solidFill>
-                <a:latin typeface="Courier New" pitchFamily="49" charset="0"/>
-                <a:ea typeface="+mn-ea"/>
-              </a:rPr>
-              <a:t>. . .</a:t>
-            </a:r>
-          </a:p>
-          <a:p>
-            <a:pPr>
-              <a:defRPr/>
-            </a:pPr>
-            <a:r>
-              <a:rPr lang="en-US" sz="1600" b="1" dirty="0">
-                <a:solidFill>
-                  <a:schemeClr val="accent6">
-                    <a:lumMod val="50000"/>
-                  </a:schemeClr>
-                </a:solidFill>
-                <a:latin typeface="Courier New" pitchFamily="49" charset="0"/>
-                <a:ea typeface="+mn-ea"/>
-              </a:rPr>
-              <a:t>pipe</a:t>
-            </a:r>
-            <a:r>
-              <a:rPr lang="en-US" sz="1600" dirty="0">
-                <a:solidFill>
-                  <a:schemeClr val="accent6">
-                    <a:lumMod val="50000"/>
-                  </a:schemeClr>
-                </a:solidFill>
-                <a:latin typeface="Courier New" pitchFamily="49" charset="0"/>
-                <a:ea typeface="+mn-ea"/>
-              </a:rPr>
-              <a:t>(p);</a:t>
-            </a:r>
-          </a:p>
-          <a:p>
-            <a:pPr>
-              <a:defRPr/>
-            </a:pPr>
-            <a:r>
-              <a:rPr lang="en-US" sz="1600" dirty="0">
-                <a:solidFill>
-                  <a:schemeClr val="accent6">
-                    <a:lumMod val="50000"/>
-                  </a:schemeClr>
-                </a:solidFill>
-                <a:latin typeface="Courier New" pitchFamily="49" charset="0"/>
-                <a:ea typeface="+mn-ea"/>
-              </a:rPr>
-              <a:t>. . .</a:t>
-            </a:r>
-          </a:p>
-          <a:p>
-            <a:pPr>
-              <a:defRPr/>
-            </a:pPr>
-            <a:r>
-              <a:rPr lang="en-US" sz="1600" dirty="0">
-                <a:solidFill>
-                  <a:schemeClr val="accent6">
-                    <a:lumMod val="50000"/>
-                  </a:schemeClr>
-                </a:solidFill>
-                <a:latin typeface="Courier New" pitchFamily="49" charset="0"/>
-                <a:ea typeface="+mn-ea"/>
-              </a:rPr>
-              <a:t>if(</a:t>
-            </a:r>
-            <a:r>
-              <a:rPr lang="en-US" sz="1600" b="1" dirty="0">
-                <a:solidFill>
-                  <a:schemeClr val="accent6">
-                    <a:lumMod val="50000"/>
-                  </a:schemeClr>
-                </a:solidFill>
-                <a:latin typeface="Courier New" pitchFamily="49" charset="0"/>
-                <a:ea typeface="+mn-ea"/>
-              </a:rPr>
-              <a:t>fork</a:t>
-            </a:r>
-            <a:r>
-              <a:rPr lang="en-US" sz="1600" dirty="0">
-                <a:solidFill>
-                  <a:schemeClr val="accent6">
-                    <a:lumMod val="50000"/>
-                  </a:schemeClr>
-                </a:solidFill>
-                <a:latin typeface="Courier New" pitchFamily="49" charset="0"/>
-                <a:ea typeface="+mn-ea"/>
-              </a:rPr>
-              <a:t>() == 0) { /* the child */</a:t>
-            </a:r>
-          </a:p>
-          <a:p>
-            <a:pPr>
-              <a:defRPr/>
-            </a:pPr>
-            <a:r>
-              <a:rPr lang="en-US" sz="1600" dirty="0">
-                <a:solidFill>
-                  <a:schemeClr val="accent6">
-                    <a:lumMod val="50000"/>
-                  </a:schemeClr>
-                </a:solidFill>
-                <a:latin typeface="Courier New" pitchFamily="49" charset="0"/>
-                <a:ea typeface="+mn-ea"/>
-              </a:rPr>
-              <a:t>  . . .</a:t>
-            </a:r>
-          </a:p>
-          <a:p>
-            <a:pPr>
-              <a:defRPr/>
-            </a:pPr>
-            <a:r>
-              <a:rPr lang="en-US" sz="1600" dirty="0">
-                <a:solidFill>
-                  <a:schemeClr val="accent6">
-                    <a:lumMod val="50000"/>
-                  </a:schemeClr>
-                </a:solidFill>
-                <a:latin typeface="Courier New" pitchFamily="49" charset="0"/>
-                <a:ea typeface="+mn-ea"/>
-              </a:rPr>
-              <a:t>  </a:t>
-            </a:r>
-            <a:r>
-              <a:rPr lang="en-US" sz="1600" b="1" dirty="0">
-                <a:solidFill>
-                  <a:schemeClr val="accent6">
-                    <a:lumMod val="50000"/>
-                  </a:schemeClr>
-                </a:solidFill>
-                <a:latin typeface="Courier New" pitchFamily="49" charset="0"/>
-                <a:ea typeface="+mn-ea"/>
-              </a:rPr>
-              <a:t>read</a:t>
-            </a:r>
-            <a:r>
-              <a:rPr lang="en-US" sz="1600" dirty="0">
-                <a:solidFill>
-                  <a:schemeClr val="accent6">
-                    <a:lumMod val="50000"/>
-                  </a:schemeClr>
-                </a:solidFill>
-                <a:latin typeface="Courier New" pitchFamily="49" charset="0"/>
-                <a:ea typeface="+mn-ea"/>
-              </a:rPr>
-              <a:t>(p[0], </a:t>
-            </a:r>
-            <a:r>
-              <a:rPr lang="en-US" sz="1600" dirty="0" err="1">
-                <a:solidFill>
-                  <a:schemeClr val="accent6">
-                    <a:lumMod val="50000"/>
-                  </a:schemeClr>
-                </a:solidFill>
-                <a:latin typeface="Courier New" pitchFamily="49" charset="0"/>
-                <a:ea typeface="+mn-ea"/>
-              </a:rPr>
-              <a:t>childBuf</a:t>
-            </a:r>
-            <a:r>
-              <a:rPr lang="en-US" sz="1600" dirty="0">
-                <a:solidFill>
-                  <a:schemeClr val="accent6">
-                    <a:lumMod val="50000"/>
-                  </a:schemeClr>
-                </a:solidFill>
-                <a:latin typeface="Courier New" pitchFamily="49" charset="0"/>
-                <a:ea typeface="+mn-ea"/>
-              </a:rPr>
-              <a:t>, </a:t>
-            </a:r>
-            <a:r>
-              <a:rPr lang="en-US" sz="1600" dirty="0" err="1">
-                <a:solidFill>
-                  <a:schemeClr val="accent6">
-                    <a:lumMod val="50000"/>
-                  </a:schemeClr>
-                </a:solidFill>
-                <a:latin typeface="Courier New" pitchFamily="49" charset="0"/>
-                <a:ea typeface="+mn-ea"/>
-              </a:rPr>
-              <a:t>len</a:t>
-            </a:r>
-            <a:r>
-              <a:rPr lang="en-US" sz="1600" dirty="0">
-                <a:solidFill>
-                  <a:schemeClr val="accent6">
-                    <a:lumMod val="50000"/>
-                  </a:schemeClr>
-                </a:solidFill>
-                <a:latin typeface="Courier New" pitchFamily="49" charset="0"/>
-                <a:ea typeface="+mn-ea"/>
-              </a:rPr>
-              <a:t>);</a:t>
-            </a:r>
-          </a:p>
-          <a:p>
-            <a:pPr>
-              <a:defRPr/>
-            </a:pPr>
-            <a:r>
-              <a:rPr lang="en-US" sz="1600" dirty="0">
-                <a:solidFill>
-                  <a:schemeClr val="accent6">
-                    <a:lumMod val="50000"/>
-                  </a:schemeClr>
-                </a:solidFill>
-                <a:latin typeface="Courier New" pitchFamily="49" charset="0"/>
-                <a:ea typeface="+mn-ea"/>
-              </a:rPr>
-              <a:t>  . . .</a:t>
-            </a:r>
-          </a:p>
-          <a:p>
-            <a:pPr>
-              <a:defRPr/>
-            </a:pPr>
-            <a:r>
-              <a:rPr lang="en-US" sz="1600" dirty="0">
-                <a:solidFill>
-                  <a:schemeClr val="accent6">
-                    <a:lumMod val="50000"/>
-                  </a:schemeClr>
-                </a:solidFill>
-                <a:latin typeface="Courier New" pitchFamily="49" charset="0"/>
-                <a:ea typeface="+mn-ea"/>
-              </a:rPr>
-              <a:t>} else { /* the parent */</a:t>
-            </a:r>
-          </a:p>
-          <a:p>
-            <a:pPr>
-              <a:defRPr/>
-            </a:pPr>
-            <a:r>
-              <a:rPr lang="en-US" sz="1600" dirty="0">
-                <a:solidFill>
-                  <a:schemeClr val="accent6">
-                    <a:lumMod val="50000"/>
-                  </a:schemeClr>
-                </a:solidFill>
-                <a:latin typeface="Courier New" pitchFamily="49" charset="0"/>
-                <a:ea typeface="+mn-ea"/>
-              </a:rPr>
-              <a:t>  . . .</a:t>
-            </a:r>
-          </a:p>
-          <a:p>
-            <a:pPr>
-              <a:defRPr/>
-            </a:pPr>
-            <a:r>
-              <a:rPr lang="en-US" sz="1600" dirty="0">
-                <a:solidFill>
-                  <a:schemeClr val="accent6">
-                    <a:lumMod val="50000"/>
-                  </a:schemeClr>
-                </a:solidFill>
-                <a:latin typeface="Courier New" pitchFamily="49" charset="0"/>
-                <a:ea typeface="+mn-ea"/>
-              </a:rPr>
-              <a:t>  </a:t>
-            </a:r>
-            <a:r>
-              <a:rPr lang="en-US" sz="1600" b="1" dirty="0">
-                <a:solidFill>
-                  <a:schemeClr val="accent6">
-                    <a:lumMod val="50000"/>
-                  </a:schemeClr>
-                </a:solidFill>
-                <a:latin typeface="Courier New" pitchFamily="49" charset="0"/>
-                <a:ea typeface="+mn-ea"/>
-              </a:rPr>
-              <a:t>write</a:t>
-            </a:r>
-            <a:r>
-              <a:rPr lang="en-US" sz="1600" dirty="0">
-                <a:solidFill>
-                  <a:schemeClr val="accent6">
-                    <a:lumMod val="50000"/>
-                  </a:schemeClr>
-                </a:solidFill>
-                <a:latin typeface="Courier New" pitchFamily="49" charset="0"/>
-                <a:ea typeface="+mn-ea"/>
-              </a:rPr>
-              <a:t>(p[1], </a:t>
-            </a:r>
-            <a:r>
-              <a:rPr lang="en-US" sz="1600" dirty="0" err="1">
-                <a:solidFill>
-                  <a:schemeClr val="accent6">
-                    <a:lumMod val="50000"/>
-                  </a:schemeClr>
-                </a:solidFill>
-                <a:latin typeface="Courier New" pitchFamily="49" charset="0"/>
-                <a:ea typeface="+mn-ea"/>
-              </a:rPr>
-              <a:t>msgToChild</a:t>
-            </a:r>
-            <a:r>
-              <a:rPr lang="en-US" sz="1600" dirty="0">
-                <a:solidFill>
-                  <a:schemeClr val="accent6">
-                    <a:lumMod val="50000"/>
-                  </a:schemeClr>
-                </a:solidFill>
-                <a:latin typeface="Courier New" pitchFamily="49" charset="0"/>
-                <a:ea typeface="+mn-ea"/>
-              </a:rPr>
-              <a:t>, </a:t>
-            </a:r>
-            <a:r>
-              <a:rPr lang="en-US" sz="1600" dirty="0" err="1">
-                <a:solidFill>
-                  <a:schemeClr val="accent6">
-                    <a:lumMod val="50000"/>
-                  </a:schemeClr>
-                </a:solidFill>
-                <a:latin typeface="Courier New" pitchFamily="49" charset="0"/>
-                <a:ea typeface="+mn-ea"/>
-              </a:rPr>
-              <a:t>len</a:t>
-            </a:r>
-            <a:r>
-              <a:rPr lang="en-US" sz="1600" dirty="0">
-                <a:solidFill>
-                  <a:schemeClr val="accent6">
-                    <a:lumMod val="50000"/>
-                  </a:schemeClr>
-                </a:solidFill>
-                <a:latin typeface="Courier New" pitchFamily="49" charset="0"/>
-                <a:ea typeface="+mn-ea"/>
-              </a:rPr>
-              <a:t>);</a:t>
-            </a:r>
-          </a:p>
-          <a:p>
-            <a:pPr>
-              <a:defRPr/>
-            </a:pPr>
-            <a:r>
-              <a:rPr lang="en-US" sz="1600" dirty="0">
-                <a:solidFill>
-                  <a:schemeClr val="accent6">
-                    <a:lumMod val="50000"/>
-                  </a:schemeClr>
-                </a:solidFill>
-                <a:latin typeface="Courier New" pitchFamily="49" charset="0"/>
-                <a:ea typeface="+mn-ea"/>
-              </a:rPr>
-              <a:t>  . . .</a:t>
-            </a:r>
-          </a:p>
-          <a:p>
-            <a:pPr>
-              <a:defRPr/>
-            </a:pPr>
-            <a:r>
-              <a:rPr lang="en-US" sz="1600" dirty="0">
-                <a:solidFill>
-                  <a:schemeClr val="accent6">
-                    <a:lumMod val="50000"/>
-                  </a:schemeClr>
-                </a:solidFill>
-                <a:latin typeface="Courier New" pitchFamily="49" charset="0"/>
-                <a:ea typeface="+mn-ea"/>
-              </a:rPr>
-              <a:t>}</a:t>
-            </a:r>
-            <a:endParaRPr lang="en-US" sz="1800" dirty="0">
-              <a:solidFill>
-                <a:schemeClr val="accent6">
-                  <a:lumMod val="50000"/>
-                </a:schemeClr>
-              </a:solidFill>
-              <a:latin typeface="Times New Roman" pitchFamily="18" charset="0"/>
-              <a:ea typeface="+mn-ea"/>
-            </a:endParaRPr>
-          </a:p>
-        </p:txBody>
-      </p:sp>
-    </p:spTree>
-    <p:extLst>
-      <p:ext uri="{BB962C8B-B14F-4D97-AF65-F5344CB8AC3E}">
-        <p14:creationId xmlns:p14="http://schemas.microsoft.com/office/powerpoint/2010/main" val="929066407"/>
-      </p:ext>
-    </p:extLst>
-  </p:cSld>
-  <p:clrMapOvr>
-    <a:masterClrMapping/>
-  </p:clrMapOvr>
-  <p:timing>
-    <p:tnLst>
-      <p:par>
-        <p:cTn xmlns:p14="http://schemas.microsoft.com/office/powerpoint/2010/main" id="1" dur="indefinite" restart="never" nodeType="tmRoot"/>
-      </p:par>
-    </p:tnLst>
-  </p:timing>
-</p:sld>
-</file>
-
-<file path=ppt/slides/slide36.xml><?xml version="1.0" encoding="utf-8"?>
-<p:sld xmlns:a="http://schemas.openxmlformats.org/drawingml/2006/main" xmlns:r="http://schemas.openxmlformats.org/officeDocument/2006/relationships" xmlns:p="http://schemas.openxmlformats.org/presentationml/2006/main">
-  <p:cSld>
-    <p:spTree>
-      <p:nvGrpSpPr>
-        <p:cNvPr id="1" name=""/>
-        <p:cNvGrpSpPr/>
-        <p:nvPr/>
-      </p:nvGrpSpPr>
-      <p:grpSpPr>
-        <a:xfrm>
-          <a:off x="0" y="0"/>
-          <a:ext cx="0" cy="0"/>
-          <a:chOff x="0" y="0"/>
-          <a:chExt cx="0" cy="0"/>
-        </a:xfrm>
-      </p:grpSpPr>
-      <p:sp>
-        <p:nvSpPr>
-          <p:cNvPr id="71682" name="AutoShape 2"/>
-          <p:cNvSpPr>
-            <a:spLocks noChangeArrowheads="1"/>
-          </p:cNvSpPr>
-          <p:nvPr/>
-        </p:nvSpPr>
-        <p:spPr bwMode="auto">
-          <a:xfrm rot="-5400000">
-            <a:off x="4533900" y="4152900"/>
-            <a:ext cx="381000" cy="2286000"/>
-          </a:xfrm>
-          <a:prstGeom prst="can">
-            <a:avLst>
-              <a:gd name="adj" fmla="val 150000"/>
-            </a:avLst>
-          </a:prstGeom>
-          <a:solidFill>
-            <a:srgbClr val="99FF99"/>
-          </a:solidFill>
-          <a:ln w="9525">
-            <a:solidFill>
-              <a:schemeClr val="tx1"/>
-            </a:solidFill>
-            <a:round/>
-            <a:headEnd/>
-            <a:tailEnd/>
-          </a:ln>
-        </p:spPr>
-        <p:txBody>
-          <a:bodyPr wrap="none" anchor="ctr"/>
-          <a:lstStyle/>
-          <a:p>
-            <a:endParaRPr lang="en-US"/>
-          </a:p>
-        </p:txBody>
-      </p:sp>
-      <p:sp>
-        <p:nvSpPr>
-          <p:cNvPr id="7171" name="Rectangle 3"/>
-          <p:cNvSpPr>
-            <a:spLocks noGrp="1" noChangeArrowheads="1"/>
-          </p:cNvSpPr>
-          <p:nvPr>
-            <p:ph type="title"/>
-          </p:nvPr>
-        </p:nvSpPr>
-        <p:spPr>
-          <a:xfrm>
-            <a:off x="381000" y="228600"/>
-            <a:ext cx="8458200" cy="685800"/>
-          </a:xfrm>
-        </p:spPr>
-        <p:txBody>
-          <a:bodyPr/>
-          <a:lstStyle/>
-          <a:p>
-            <a:r>
-              <a:rPr lang="en-US" sz="3600" b="1">
-                <a:latin typeface="Times New Roman" charset="0"/>
-              </a:rPr>
-              <a:t>UNIX Pipes</a:t>
-            </a:r>
-          </a:p>
-        </p:txBody>
-      </p:sp>
-      <p:sp>
-        <p:nvSpPr>
-          <p:cNvPr id="71687" name="Text Box 7"/>
-          <p:cNvSpPr txBox="1">
-            <a:spLocks noChangeArrowheads="1"/>
-          </p:cNvSpPr>
-          <p:nvPr/>
-        </p:nvSpPr>
-        <p:spPr bwMode="auto">
-          <a:xfrm>
-            <a:off x="3810000" y="4191000"/>
-            <a:ext cx="1876425" cy="400050"/>
-          </a:xfrm>
-          <a:prstGeom prst="rect">
-            <a:avLst/>
-          </a:prstGeom>
-          <a:solidFill>
-            <a:schemeClr val="bg2">
-              <a:lumMod val="40000"/>
-              <a:lumOff val="60000"/>
-            </a:schemeClr>
-          </a:solidFill>
-          <a:ln w="9525">
-            <a:noFill/>
-            <a:miter lim="800000"/>
-            <a:headEnd/>
-            <a:tailEnd/>
-          </a:ln>
-          <a:effectLst/>
-        </p:spPr>
-        <p:txBody>
-          <a:bodyPr>
-            <a:spAutoFit/>
-          </a:bodyPr>
-          <a:lstStyle/>
-          <a:p>
-            <a:pPr>
-              <a:defRPr/>
-            </a:pPr>
-            <a:r>
-              <a:rPr lang="en-US" sz="2000" dirty="0">
-                <a:latin typeface="Times New Roman" pitchFamily="18" charset="0"/>
-                <a:ea typeface="+mn-ea"/>
-              </a:rPr>
-              <a:t>pipe for P</a:t>
-            </a:r>
-            <a:r>
-              <a:rPr lang="en-US" sz="2000" baseline="-25000" dirty="0">
-                <a:latin typeface="Times New Roman" pitchFamily="18" charset="0"/>
-                <a:ea typeface="+mn-ea"/>
-              </a:rPr>
-              <a:t>  </a:t>
-            </a:r>
-            <a:r>
-              <a:rPr lang="en-US" sz="2000" dirty="0">
-                <a:latin typeface="Times New Roman" pitchFamily="18" charset="0"/>
-                <a:ea typeface="+mn-ea"/>
-              </a:rPr>
-              <a:t>and Q</a:t>
-            </a:r>
-            <a:endParaRPr lang="en-US" sz="2000" baseline="-25000" dirty="0">
-              <a:latin typeface="Times New Roman" pitchFamily="18" charset="0"/>
-              <a:ea typeface="+mn-ea"/>
-            </a:endParaRPr>
-          </a:p>
-        </p:txBody>
-      </p:sp>
-      <p:sp>
-        <p:nvSpPr>
-          <p:cNvPr id="71689" name="Line 9"/>
-          <p:cNvSpPr>
-            <a:spLocks noChangeShapeType="1"/>
-          </p:cNvSpPr>
-          <p:nvPr/>
-        </p:nvSpPr>
-        <p:spPr bwMode="auto">
-          <a:xfrm>
-            <a:off x="1143000" y="4114800"/>
-            <a:ext cx="7010400" cy="0"/>
-          </a:xfrm>
-          <a:prstGeom prst="line">
-            <a:avLst/>
-          </a:prstGeom>
-          <a:noFill/>
-          <a:ln w="76200">
-            <a:solidFill>
-              <a:schemeClr val="tx1"/>
-            </a:solidFill>
-            <a:round/>
-            <a:headEnd/>
-            <a:tailEnd/>
-          </a:ln>
-          <a:extLst>
-            <a:ext uri="{909E8E84-426E-40dd-AFC4-6F175D3DCCD1}">
-              <a14:hiddenFill xmlns:a14="http://schemas.microsoft.com/office/drawing/2010/main">
-                <a:noFill/>
-              </a14:hiddenFill>
-            </a:ext>
-          </a:extLst>
-        </p:spPr>
-        <p:txBody>
-          <a:bodyPr wrap="none" anchor="ctr"/>
-          <a:lstStyle/>
-          <a:p>
-            <a:endParaRPr lang="en-US"/>
-          </a:p>
-        </p:txBody>
-      </p:sp>
-      <p:sp>
-        <p:nvSpPr>
-          <p:cNvPr id="71690" name="AutoShape 10"/>
-          <p:cNvSpPr>
-            <a:spLocks noChangeArrowheads="1"/>
-          </p:cNvSpPr>
-          <p:nvPr/>
-        </p:nvSpPr>
-        <p:spPr bwMode="auto">
-          <a:xfrm>
-            <a:off x="762000" y="5105400"/>
-            <a:ext cx="2057400" cy="457200"/>
-          </a:xfrm>
-          <a:prstGeom prst="roundRect">
-            <a:avLst>
-              <a:gd name="adj" fmla="val 16667"/>
-            </a:avLst>
-          </a:prstGeom>
-          <a:solidFill>
-            <a:schemeClr val="hlink"/>
-          </a:solidFill>
-          <a:ln w="9525">
-            <a:solidFill>
-              <a:schemeClr val="tx1"/>
-            </a:solidFill>
-            <a:round/>
-            <a:headEnd/>
-            <a:tailEnd/>
-          </a:ln>
-        </p:spPr>
-        <p:txBody>
-          <a:bodyPr wrap="none" anchor="ctr"/>
-          <a:lstStyle/>
-          <a:p>
-            <a:pPr algn="ctr"/>
-            <a:r>
-              <a:rPr lang="en-US" sz="2000">
-                <a:latin typeface="Courier New" charset="0"/>
-              </a:rPr>
-              <a:t>write</a:t>
-            </a:r>
-            <a:r>
-              <a:rPr lang="en-US"/>
-              <a:t> function</a:t>
-            </a:r>
-          </a:p>
-        </p:txBody>
-      </p:sp>
-      <p:sp>
-        <p:nvSpPr>
-          <p:cNvPr id="71691" name="AutoShape 11"/>
-          <p:cNvSpPr>
-            <a:spLocks noChangeArrowheads="1"/>
-          </p:cNvSpPr>
-          <p:nvPr/>
-        </p:nvSpPr>
-        <p:spPr bwMode="auto">
-          <a:xfrm>
-            <a:off x="6477000" y="5105400"/>
-            <a:ext cx="2362200" cy="457200"/>
-          </a:xfrm>
-          <a:prstGeom prst="roundRect">
-            <a:avLst>
-              <a:gd name="adj" fmla="val 16667"/>
-            </a:avLst>
-          </a:prstGeom>
-          <a:solidFill>
-            <a:schemeClr val="hlink"/>
-          </a:solidFill>
-          <a:ln w="9525">
-            <a:solidFill>
-              <a:schemeClr val="tx1"/>
-            </a:solidFill>
-            <a:round/>
-            <a:headEnd/>
-            <a:tailEnd/>
-          </a:ln>
-        </p:spPr>
-        <p:txBody>
-          <a:bodyPr wrap="none" anchor="ctr"/>
-          <a:lstStyle/>
-          <a:p>
-            <a:pPr algn="ctr"/>
-            <a:r>
-              <a:rPr lang="en-US" sz="2000">
-                <a:latin typeface="Courier New" charset="0"/>
-              </a:rPr>
-              <a:t>read</a:t>
-            </a:r>
-            <a:r>
-              <a:rPr lang="en-US"/>
-              <a:t> function</a:t>
-            </a:r>
-          </a:p>
-        </p:txBody>
-      </p:sp>
-      <p:sp>
-        <p:nvSpPr>
-          <p:cNvPr id="71692" name="Line 12"/>
-          <p:cNvSpPr>
-            <a:spLocks noChangeShapeType="1"/>
-          </p:cNvSpPr>
-          <p:nvPr/>
-        </p:nvSpPr>
-        <p:spPr bwMode="auto">
-          <a:xfrm>
-            <a:off x="1752600" y="3810000"/>
-            <a:ext cx="0" cy="1219200"/>
-          </a:xfrm>
-          <a:prstGeom prst="line">
-            <a:avLst/>
-          </a:prstGeom>
-          <a:noFill/>
-          <a:ln w="19050">
-            <a:solidFill>
-              <a:schemeClr val="tx1"/>
-            </a:solidFill>
-            <a:round/>
-            <a:headEnd/>
-            <a:tailEnd type="triangle" w="med" len="med"/>
-          </a:ln>
-          <a:extLst>
-            <a:ext uri="{909E8E84-426E-40dd-AFC4-6F175D3DCCD1}">
-              <a14:hiddenFill xmlns:a14="http://schemas.microsoft.com/office/drawing/2010/main">
-                <a:noFill/>
-              </a14:hiddenFill>
-            </a:ext>
-          </a:extLst>
-        </p:spPr>
-        <p:txBody>
-          <a:bodyPr wrap="none" anchor="ctr"/>
-          <a:lstStyle/>
-          <a:p>
-            <a:endParaRPr lang="en-US"/>
-          </a:p>
-        </p:txBody>
-      </p:sp>
-      <p:sp>
-        <p:nvSpPr>
-          <p:cNvPr id="71693" name="Line 13"/>
-          <p:cNvSpPr>
-            <a:spLocks noChangeShapeType="1"/>
-          </p:cNvSpPr>
-          <p:nvPr/>
-        </p:nvSpPr>
-        <p:spPr bwMode="auto">
-          <a:xfrm flipV="1">
-            <a:off x="7467600" y="3810000"/>
-            <a:ext cx="0" cy="1219200"/>
-          </a:xfrm>
-          <a:prstGeom prst="line">
-            <a:avLst/>
-          </a:prstGeom>
-          <a:noFill/>
-          <a:ln w="19050">
-            <a:solidFill>
-              <a:schemeClr val="tx1"/>
-            </a:solidFill>
-            <a:round/>
-            <a:headEnd/>
-            <a:tailEnd type="triangle" w="med" len="med"/>
-          </a:ln>
-          <a:extLst>
-            <a:ext uri="{909E8E84-426E-40dd-AFC4-6F175D3DCCD1}">
-              <a14:hiddenFill xmlns:a14="http://schemas.microsoft.com/office/drawing/2010/main">
-                <a:noFill/>
-              </a14:hiddenFill>
-            </a:ext>
-          </a:extLst>
-        </p:spPr>
-        <p:txBody>
-          <a:bodyPr wrap="none" anchor="ctr"/>
-          <a:lstStyle/>
-          <a:p>
-            <a:endParaRPr lang="en-US"/>
-          </a:p>
-        </p:txBody>
-      </p:sp>
-      <p:sp>
-        <p:nvSpPr>
-          <p:cNvPr id="71695" name="Text Box 15"/>
-          <p:cNvSpPr txBox="1">
-            <a:spLocks noChangeArrowheads="1"/>
-          </p:cNvSpPr>
-          <p:nvPr/>
-        </p:nvSpPr>
-        <p:spPr bwMode="auto">
-          <a:xfrm>
-            <a:off x="381000" y="1524000"/>
-            <a:ext cx="2971800" cy="2246313"/>
-          </a:xfrm>
-          <a:prstGeom prst="rect">
-            <a:avLst/>
-          </a:prstGeom>
-          <a:solidFill>
-            <a:schemeClr val="bg1"/>
-          </a:solidFill>
-          <a:ln>
-            <a:noFill/>
-          </a:ln>
-          <a:extLst>
-            <a:ext uri="{91240B29-F687-4f45-9708-019B960494DF}">
-              <a14:hiddenLine xmlns:a14="http://schemas.microsoft.com/office/drawing/2010/main" w="9525">
-                <a:solidFill>
-                  <a:srgbClr val="000000"/>
-                </a:solidFill>
-                <a:miter lim="800000"/>
-                <a:headEnd/>
-                <a:tailEnd/>
-              </a14:hiddenLine>
-            </a:ext>
-          </a:extLst>
-        </p:spPr>
-        <p:txBody>
-          <a:bodyPr>
-            <a:spAutoFit/>
-          </a:bodyPr>
-          <a:lstStyle>
-            <a:lvl1pPr>
-              <a:defRPr sz="2400">
-                <a:solidFill>
-                  <a:schemeClr val="tx1"/>
-                </a:solidFill>
-                <a:latin typeface="Times New Roman" charset="0"/>
-                <a:ea typeface="ＭＳ Ｐゴシック" charset="0"/>
-              </a:defRPr>
-            </a:lvl1pPr>
-            <a:lvl2pPr marL="742950" indent="-285750">
-              <a:defRPr sz="2400">
-                <a:solidFill>
-                  <a:schemeClr val="tx1"/>
-                </a:solidFill>
-                <a:latin typeface="Times New Roman" charset="0"/>
-                <a:ea typeface="ＭＳ Ｐゴシック" charset="0"/>
-              </a:defRPr>
-            </a:lvl2pPr>
-            <a:lvl3pPr marL="1143000" indent="-228600">
-              <a:defRPr sz="2400">
-                <a:solidFill>
-                  <a:schemeClr val="tx1"/>
-                </a:solidFill>
-                <a:latin typeface="Times New Roman" charset="0"/>
-                <a:ea typeface="ＭＳ Ｐゴシック" charset="0"/>
-              </a:defRPr>
-            </a:lvl3pPr>
-            <a:lvl4pPr marL="1600200" indent="-228600">
-              <a:defRPr sz="2400">
-                <a:solidFill>
-                  <a:schemeClr val="tx1"/>
-                </a:solidFill>
-                <a:latin typeface="Times New Roman" charset="0"/>
-                <a:ea typeface="ＭＳ Ｐゴシック" charset="0"/>
-              </a:defRPr>
-            </a:lvl4pPr>
-            <a:lvl5pPr marL="2057400" indent="-228600">
-              <a:defRPr sz="2400">
-                <a:solidFill>
-                  <a:schemeClr val="tx1"/>
-                </a:solidFill>
-                <a:latin typeface="Times New Roman" charset="0"/>
-                <a:ea typeface="ＭＳ Ｐゴシック" charset="0"/>
-              </a:defRPr>
-            </a:lvl5pPr>
-            <a:lvl6pPr marL="2514600" indent="-228600" eaLnBrk="0" fontAlgn="base" hangingPunct="0">
-              <a:spcBef>
-                <a:spcPct val="0"/>
-              </a:spcBef>
-              <a:spcAft>
-                <a:spcPct val="0"/>
-              </a:spcAft>
-              <a:defRPr sz="2400">
-                <a:solidFill>
-                  <a:schemeClr val="tx1"/>
-                </a:solidFill>
-                <a:latin typeface="Times New Roman" charset="0"/>
-                <a:ea typeface="ＭＳ Ｐゴシック" charset="0"/>
-              </a:defRPr>
-            </a:lvl6pPr>
-            <a:lvl7pPr marL="2971800" indent="-228600" eaLnBrk="0" fontAlgn="base" hangingPunct="0">
-              <a:spcBef>
-                <a:spcPct val="0"/>
-              </a:spcBef>
-              <a:spcAft>
-                <a:spcPct val="0"/>
-              </a:spcAft>
-              <a:defRPr sz="2400">
-                <a:solidFill>
-                  <a:schemeClr val="tx1"/>
-                </a:solidFill>
-                <a:latin typeface="Times New Roman" charset="0"/>
-                <a:ea typeface="ＭＳ Ｐゴシック" charset="0"/>
-              </a:defRPr>
-            </a:lvl7pPr>
-            <a:lvl8pPr marL="3429000" indent="-228600" eaLnBrk="0" fontAlgn="base" hangingPunct="0">
-              <a:spcBef>
-                <a:spcPct val="0"/>
-              </a:spcBef>
-              <a:spcAft>
-                <a:spcPct val="0"/>
-              </a:spcAft>
-              <a:defRPr sz="2400">
-                <a:solidFill>
-                  <a:schemeClr val="tx1"/>
-                </a:solidFill>
-                <a:latin typeface="Times New Roman" charset="0"/>
-                <a:ea typeface="ＭＳ Ｐゴシック" charset="0"/>
-              </a:defRPr>
-            </a:lvl8pPr>
-            <a:lvl9pPr marL="3886200" indent="-228600" eaLnBrk="0" fontAlgn="base" hangingPunct="0">
-              <a:spcBef>
-                <a:spcPct val="0"/>
-              </a:spcBef>
-              <a:spcAft>
-                <a:spcPct val="0"/>
-              </a:spcAft>
-              <a:defRPr sz="2400">
-                <a:solidFill>
-                  <a:schemeClr val="tx1"/>
-                </a:solidFill>
-                <a:latin typeface="Times New Roman" charset="0"/>
-                <a:ea typeface="ＭＳ Ｐゴシック" charset="0"/>
-              </a:defRPr>
-            </a:lvl9pPr>
-          </a:lstStyle>
-          <a:p>
-            <a:r>
-              <a:rPr lang="en-US" sz="2000"/>
-              <a:t>int </a:t>
-            </a:r>
-            <a:r>
-              <a:rPr lang="en-US" sz="2000">
-                <a:solidFill>
-                  <a:srgbClr val="FF0000"/>
-                </a:solidFill>
-              </a:rPr>
-              <a:t>p[2]</a:t>
-            </a:r>
-            <a:r>
-              <a:rPr lang="en-US" sz="2000"/>
-              <a:t>;</a:t>
-            </a:r>
-          </a:p>
-          <a:p>
-            <a:r>
-              <a:rPr lang="en-US" sz="2000"/>
-              <a:t>  </a:t>
-            </a:r>
-            <a:r>
-              <a:rPr lang="en-US" sz="2000" b="1"/>
-              <a:t>pipe</a:t>
-            </a:r>
-            <a:r>
-              <a:rPr lang="en-US" sz="2000"/>
-              <a:t>(p);</a:t>
-            </a:r>
-          </a:p>
-          <a:p>
-            <a:r>
-              <a:rPr lang="en-US" sz="2000"/>
-              <a:t>…</a:t>
-            </a:r>
-          </a:p>
-          <a:p>
-            <a:r>
-              <a:rPr lang="en-US" sz="2000"/>
-              <a:t>  </a:t>
-            </a:r>
-            <a:r>
-              <a:rPr lang="en-US" sz="2000" b="1"/>
-              <a:t>fork</a:t>
-            </a:r>
-            <a:r>
-              <a:rPr lang="en-US" sz="2000"/>
-              <a:t>()</a:t>
-            </a:r>
-          </a:p>
-          <a:p>
-            <a:r>
-              <a:rPr lang="en-US" sz="2000"/>
-              <a:t>…</a:t>
-            </a:r>
-          </a:p>
-          <a:p>
-            <a:r>
-              <a:rPr lang="en-US" sz="2000"/>
-              <a:t>  </a:t>
-            </a:r>
-            <a:r>
-              <a:rPr lang="en-US" sz="2000" b="1"/>
-              <a:t>write</a:t>
-            </a:r>
-            <a:r>
-              <a:rPr lang="en-US" sz="2000"/>
-              <a:t>(</a:t>
-            </a:r>
-            <a:r>
-              <a:rPr lang="en-US" sz="2000">
-                <a:solidFill>
-                  <a:srgbClr val="FF0000"/>
-                </a:solidFill>
-              </a:rPr>
-              <a:t>p[1]</a:t>
-            </a:r>
-            <a:r>
-              <a:rPr lang="en-US" sz="2000"/>
-              <a:t>, </a:t>
-            </a:r>
-            <a:r>
-              <a:rPr lang="ja-JP" altLang="en-US" sz="2000"/>
-              <a:t>“</a:t>
-            </a:r>
-            <a:r>
-              <a:rPr lang="en-US" sz="2000"/>
-              <a:t>hello</a:t>
-            </a:r>
-            <a:r>
-              <a:rPr lang="ja-JP" altLang="en-US" sz="2000"/>
-              <a:t>”</a:t>
-            </a:r>
-            <a:r>
-              <a:rPr lang="en-US" sz="2000"/>
-              <a:t>, size);</a:t>
-            </a:r>
-          </a:p>
-          <a:p>
-            <a:r>
-              <a:rPr lang="en-US" sz="2000"/>
-              <a:t>…</a:t>
-            </a:r>
-            <a:endParaRPr lang="en-US"/>
-          </a:p>
-        </p:txBody>
-      </p:sp>
-      <p:sp>
-        <p:nvSpPr>
-          <p:cNvPr id="71696" name="Text Box 16"/>
-          <p:cNvSpPr txBox="1">
-            <a:spLocks noChangeArrowheads="1"/>
-          </p:cNvSpPr>
-          <p:nvPr/>
-        </p:nvSpPr>
-        <p:spPr bwMode="auto">
-          <a:xfrm>
-            <a:off x="5943600" y="1600200"/>
-            <a:ext cx="2844800" cy="2124075"/>
-          </a:xfrm>
-          <a:prstGeom prst="rect">
-            <a:avLst/>
-          </a:prstGeom>
-          <a:solidFill>
-            <a:schemeClr val="bg1"/>
-          </a:solidFill>
-          <a:ln w="9525">
-            <a:noFill/>
-            <a:miter lim="800000"/>
-            <a:headEnd/>
-            <a:tailEnd/>
-          </a:ln>
-          <a:effectLst/>
-        </p:spPr>
-        <p:txBody>
-          <a:bodyPr>
-            <a:spAutoFit/>
-          </a:bodyPr>
-          <a:lstStyle>
-            <a:lvl1pPr>
-              <a:defRPr sz="2400">
-                <a:solidFill>
-                  <a:schemeClr val="tx1"/>
-                </a:solidFill>
-                <a:latin typeface="Times New Roman" charset="0"/>
-                <a:ea typeface="ＭＳ Ｐゴシック" charset="0"/>
-              </a:defRPr>
-            </a:lvl1pPr>
-            <a:lvl2pPr marL="742950" indent="-285750">
-              <a:defRPr sz="2400">
-                <a:solidFill>
-                  <a:schemeClr val="tx1"/>
-                </a:solidFill>
-                <a:latin typeface="Times New Roman" charset="0"/>
-                <a:ea typeface="ＭＳ Ｐゴシック" charset="0"/>
-              </a:defRPr>
-            </a:lvl2pPr>
-            <a:lvl3pPr marL="1143000" indent="-228600">
-              <a:defRPr sz="2400">
-                <a:solidFill>
-                  <a:schemeClr val="tx1"/>
-                </a:solidFill>
-                <a:latin typeface="Times New Roman" charset="0"/>
-                <a:ea typeface="ＭＳ Ｐゴシック" charset="0"/>
-              </a:defRPr>
-            </a:lvl3pPr>
-            <a:lvl4pPr marL="1600200" indent="-228600">
-              <a:defRPr sz="2400">
-                <a:solidFill>
-                  <a:schemeClr val="tx1"/>
-                </a:solidFill>
-                <a:latin typeface="Times New Roman" charset="0"/>
-                <a:ea typeface="ＭＳ Ｐゴシック" charset="0"/>
-              </a:defRPr>
-            </a:lvl4pPr>
-            <a:lvl5pPr marL="2057400" indent="-228600">
-              <a:defRPr sz="2400">
-                <a:solidFill>
-                  <a:schemeClr val="tx1"/>
-                </a:solidFill>
-                <a:latin typeface="Times New Roman" charset="0"/>
-                <a:ea typeface="ＭＳ Ｐゴシック" charset="0"/>
-              </a:defRPr>
-            </a:lvl5pPr>
-            <a:lvl6pPr marL="2514600" indent="-228600" eaLnBrk="0" fontAlgn="base" hangingPunct="0">
-              <a:spcBef>
-                <a:spcPct val="0"/>
-              </a:spcBef>
-              <a:spcAft>
-                <a:spcPct val="0"/>
-              </a:spcAft>
-              <a:defRPr sz="2400">
-                <a:solidFill>
-                  <a:schemeClr val="tx1"/>
-                </a:solidFill>
-                <a:latin typeface="Times New Roman" charset="0"/>
-                <a:ea typeface="ＭＳ Ｐゴシック" charset="0"/>
-              </a:defRPr>
-            </a:lvl6pPr>
-            <a:lvl7pPr marL="2971800" indent="-228600" eaLnBrk="0" fontAlgn="base" hangingPunct="0">
-              <a:spcBef>
-                <a:spcPct val="0"/>
-              </a:spcBef>
-              <a:spcAft>
-                <a:spcPct val="0"/>
-              </a:spcAft>
-              <a:defRPr sz="2400">
-                <a:solidFill>
-                  <a:schemeClr val="tx1"/>
-                </a:solidFill>
-                <a:latin typeface="Times New Roman" charset="0"/>
-                <a:ea typeface="ＭＳ Ｐゴシック" charset="0"/>
-              </a:defRPr>
-            </a:lvl7pPr>
-            <a:lvl8pPr marL="3429000" indent="-228600" eaLnBrk="0" fontAlgn="base" hangingPunct="0">
-              <a:spcBef>
-                <a:spcPct val="0"/>
-              </a:spcBef>
-              <a:spcAft>
-                <a:spcPct val="0"/>
-              </a:spcAft>
-              <a:defRPr sz="2400">
-                <a:solidFill>
-                  <a:schemeClr val="tx1"/>
-                </a:solidFill>
-                <a:latin typeface="Times New Roman" charset="0"/>
-                <a:ea typeface="ＭＳ Ｐゴシック" charset="0"/>
-              </a:defRPr>
-            </a:lvl8pPr>
-            <a:lvl9pPr marL="3886200" indent="-228600" eaLnBrk="0" fontAlgn="base" hangingPunct="0">
-              <a:spcBef>
-                <a:spcPct val="0"/>
-              </a:spcBef>
-              <a:spcAft>
-                <a:spcPct val="0"/>
-              </a:spcAft>
-              <a:defRPr sz="2400">
-                <a:solidFill>
-                  <a:schemeClr val="tx1"/>
-                </a:solidFill>
-                <a:latin typeface="Times New Roman" charset="0"/>
-                <a:ea typeface="ＭＳ Ｐゴシック" charset="0"/>
-              </a:defRPr>
-            </a:lvl9pPr>
-          </a:lstStyle>
-          <a:p>
-            <a:r>
-              <a:rPr lang="en-US" sz="1800">
-                <a:solidFill>
-                  <a:srgbClr val="22228B"/>
-                </a:solidFill>
-              </a:rPr>
-              <a:t>/* gets a copy of parent</a:t>
-            </a:r>
-            <a:r>
-              <a:rPr lang="ja-JP" altLang="en-US" sz="1800">
-                <a:solidFill>
-                  <a:srgbClr val="22228B"/>
-                </a:solidFill>
-              </a:rPr>
-              <a:t>’</a:t>
-            </a:r>
-            <a:r>
-              <a:rPr lang="en-US" sz="1800">
-                <a:solidFill>
-                  <a:srgbClr val="22228B"/>
-                </a:solidFill>
-              </a:rPr>
-              <a:t>s local variables including the pipe pointers p[0] and p[1] */</a:t>
-            </a:r>
-          </a:p>
-          <a:p>
-            <a:r>
-              <a:rPr lang="en-US" sz="2000"/>
-              <a:t>…</a:t>
-            </a:r>
-          </a:p>
-          <a:p>
-            <a:r>
-              <a:rPr lang="en-US" sz="2000" b="1"/>
-              <a:t>read</a:t>
-            </a:r>
-            <a:r>
-              <a:rPr lang="en-US" sz="2000"/>
-              <a:t>(</a:t>
-            </a:r>
-            <a:r>
-              <a:rPr lang="en-US" sz="2000">
-                <a:solidFill>
-                  <a:srgbClr val="FF0000"/>
-                </a:solidFill>
-              </a:rPr>
-              <a:t>p[0]</a:t>
-            </a:r>
-            <a:r>
-              <a:rPr lang="en-US" sz="2000"/>
-              <a:t>, inbuf, size);</a:t>
-            </a:r>
-          </a:p>
-          <a:p>
-            <a:r>
-              <a:rPr lang="en-US" sz="2000"/>
-              <a:t>…</a:t>
-            </a:r>
-            <a:endParaRPr lang="en-US"/>
-          </a:p>
-        </p:txBody>
-      </p:sp>
-      <p:sp>
-        <p:nvSpPr>
-          <p:cNvPr id="71698" name="Line 18"/>
-          <p:cNvSpPr>
-            <a:spLocks noChangeShapeType="1"/>
-          </p:cNvSpPr>
-          <p:nvPr/>
-        </p:nvSpPr>
-        <p:spPr bwMode="auto">
-          <a:xfrm>
-            <a:off x="2819400" y="5334000"/>
-            <a:ext cx="1066800" cy="0"/>
-          </a:xfrm>
-          <a:prstGeom prst="line">
-            <a:avLst/>
-          </a:prstGeom>
-          <a:noFill/>
-          <a:ln w="28575">
-            <a:solidFill>
-              <a:schemeClr val="tx1"/>
-            </a:solidFill>
-            <a:round/>
-            <a:headEnd/>
-            <a:tailEnd type="triangle" w="med" len="med"/>
-          </a:ln>
-          <a:extLst>
-            <a:ext uri="{909E8E84-426E-40dd-AFC4-6F175D3DCCD1}">
-              <a14:hiddenFill xmlns:a14="http://schemas.microsoft.com/office/drawing/2010/main">
-                <a:noFill/>
-              </a14:hiddenFill>
-            </a:ext>
-          </a:extLst>
-        </p:spPr>
-        <p:txBody>
-          <a:bodyPr wrap="none" anchor="ctr"/>
-          <a:lstStyle/>
-          <a:p>
-            <a:endParaRPr lang="en-US"/>
-          </a:p>
-        </p:txBody>
-      </p:sp>
-      <p:sp>
-        <p:nvSpPr>
-          <p:cNvPr id="71699" name="Line 19"/>
-          <p:cNvSpPr>
-            <a:spLocks noChangeShapeType="1"/>
-          </p:cNvSpPr>
-          <p:nvPr/>
-        </p:nvSpPr>
-        <p:spPr bwMode="auto">
-          <a:xfrm>
-            <a:off x="5867400" y="5334000"/>
-            <a:ext cx="609600" cy="0"/>
-          </a:xfrm>
-          <a:prstGeom prst="line">
-            <a:avLst/>
-          </a:prstGeom>
-          <a:noFill/>
-          <a:ln w="28575">
-            <a:solidFill>
-              <a:schemeClr val="tx1"/>
-            </a:solidFill>
-            <a:round/>
-            <a:headEnd/>
-            <a:tailEnd type="triangle" w="med" len="med"/>
-          </a:ln>
-          <a:extLst>
-            <a:ext uri="{909E8E84-426E-40dd-AFC4-6F175D3DCCD1}">
-              <a14:hiddenFill xmlns:a14="http://schemas.microsoft.com/office/drawing/2010/main">
-                <a:noFill/>
-              </a14:hiddenFill>
-            </a:ext>
-          </a:extLst>
-        </p:spPr>
-        <p:txBody>
-          <a:bodyPr wrap="none" anchor="ctr"/>
-          <a:lstStyle/>
-          <a:p>
-            <a:endParaRPr lang="en-US"/>
-          </a:p>
-        </p:txBody>
-      </p:sp>
-      <p:sp>
-        <p:nvSpPr>
-          <p:cNvPr id="71700" name="Text Box 20"/>
-          <p:cNvSpPr txBox="1">
-            <a:spLocks noChangeArrowheads="1"/>
-          </p:cNvSpPr>
-          <p:nvPr/>
-        </p:nvSpPr>
-        <p:spPr bwMode="auto">
-          <a:xfrm>
-            <a:off x="3581400" y="5638800"/>
-            <a:ext cx="2620963" cy="708025"/>
-          </a:xfrm>
-          <a:prstGeom prst="rect">
-            <a:avLst/>
-          </a:prstGeom>
-          <a:solidFill>
-            <a:schemeClr val="accent2">
-              <a:lumMod val="40000"/>
-              <a:lumOff val="60000"/>
-            </a:schemeClr>
-          </a:solidFill>
-          <a:ln w="9525">
-            <a:noFill/>
-            <a:miter lim="800000"/>
-            <a:headEnd/>
-            <a:tailEnd/>
-          </a:ln>
-          <a:effectLst/>
-        </p:spPr>
-        <p:txBody>
-          <a:bodyPr wrap="none">
-            <a:spAutoFit/>
-          </a:bodyPr>
-          <a:lstStyle/>
-          <a:p>
-            <a:pPr>
-              <a:defRPr/>
-            </a:pPr>
-            <a:r>
-              <a:rPr lang="en-US" sz="2000" dirty="0">
-                <a:latin typeface="Andale Sans for VST" pitchFamily="34" charset="0"/>
-                <a:ea typeface="+mn-ea"/>
-              </a:rPr>
-              <a:t>FIFO buffer</a:t>
-            </a:r>
-          </a:p>
-          <a:p>
-            <a:pPr>
-              <a:defRPr/>
-            </a:pPr>
-            <a:r>
-              <a:rPr lang="en-US" sz="2000" dirty="0">
-                <a:latin typeface="Andale Sans for VST" pitchFamily="34" charset="0"/>
-                <a:ea typeface="+mn-ea"/>
-              </a:rPr>
-              <a:t>size = 4096 characters</a:t>
-            </a:r>
-          </a:p>
-        </p:txBody>
-      </p:sp>
-      <p:sp>
-        <p:nvSpPr>
-          <p:cNvPr id="71701" name="Text Box 21"/>
-          <p:cNvSpPr txBox="1">
-            <a:spLocks noChangeArrowheads="1"/>
-          </p:cNvSpPr>
-          <p:nvPr/>
-        </p:nvSpPr>
-        <p:spPr bwMode="auto">
-          <a:xfrm>
-            <a:off x="609600" y="990600"/>
-            <a:ext cx="2139950" cy="400050"/>
-          </a:xfrm>
-          <a:prstGeom prst="rect">
-            <a:avLst/>
-          </a:prstGeom>
-          <a:noFill/>
-          <a:ln>
-            <a:noFill/>
-          </a:ln>
-          <a:extLst>
-            <a:ext uri="{909E8E84-426E-40dd-AFC4-6F175D3DCCD1}">
-              <a14:hiddenFill xmlns:a14="http://schemas.microsoft.com/office/drawing/2010/main">
-                <a:solidFill>
-                  <a:srgbClr val="FFFFFF"/>
-                </a:solidFill>
-              </a14:hiddenFill>
-            </a:ext>
-            <a:ext uri="{91240B29-F687-4f45-9708-019B960494DF}">
-              <a14:hiddenLine xmlns:a14="http://schemas.microsoft.com/office/drawing/2010/main" w="9525">
-                <a:solidFill>
-                  <a:srgbClr val="000000"/>
-                </a:solidFill>
-                <a:miter lim="800000"/>
-                <a:headEnd/>
-                <a:tailEnd/>
-              </a14:hiddenLine>
-            </a:ext>
-          </a:extLst>
-        </p:spPr>
-        <p:txBody>
-          <a:bodyPr wrap="none">
-            <a:spAutoFit/>
-          </a:bodyPr>
-          <a:lstStyle>
-            <a:lvl1pPr>
-              <a:defRPr sz="2400">
-                <a:solidFill>
-                  <a:schemeClr val="tx1"/>
-                </a:solidFill>
-                <a:latin typeface="Times New Roman" charset="0"/>
-                <a:ea typeface="ＭＳ Ｐゴシック" charset="0"/>
-              </a:defRPr>
-            </a:lvl1pPr>
-            <a:lvl2pPr marL="742950" indent="-285750">
-              <a:defRPr sz="2400">
-                <a:solidFill>
-                  <a:schemeClr val="tx1"/>
-                </a:solidFill>
-                <a:latin typeface="Times New Roman" charset="0"/>
-                <a:ea typeface="ＭＳ Ｐゴシック" charset="0"/>
-              </a:defRPr>
-            </a:lvl2pPr>
-            <a:lvl3pPr marL="1143000" indent="-228600">
-              <a:defRPr sz="2400">
-                <a:solidFill>
-                  <a:schemeClr val="tx1"/>
-                </a:solidFill>
-                <a:latin typeface="Times New Roman" charset="0"/>
-                <a:ea typeface="ＭＳ Ｐゴシック" charset="0"/>
-              </a:defRPr>
-            </a:lvl3pPr>
-            <a:lvl4pPr marL="1600200" indent="-228600">
-              <a:defRPr sz="2400">
-                <a:solidFill>
-                  <a:schemeClr val="tx1"/>
-                </a:solidFill>
-                <a:latin typeface="Times New Roman" charset="0"/>
-                <a:ea typeface="ＭＳ Ｐゴシック" charset="0"/>
-              </a:defRPr>
-            </a:lvl4pPr>
-            <a:lvl5pPr marL="2057400" indent="-228600">
-              <a:defRPr sz="2400">
-                <a:solidFill>
-                  <a:schemeClr val="tx1"/>
-                </a:solidFill>
-                <a:latin typeface="Times New Roman" charset="0"/>
-                <a:ea typeface="ＭＳ Ｐゴシック" charset="0"/>
-              </a:defRPr>
-            </a:lvl5pPr>
-            <a:lvl6pPr marL="2514600" indent="-228600" eaLnBrk="0" fontAlgn="base" hangingPunct="0">
-              <a:spcBef>
-                <a:spcPct val="0"/>
-              </a:spcBef>
-              <a:spcAft>
-                <a:spcPct val="0"/>
-              </a:spcAft>
-              <a:defRPr sz="2400">
-                <a:solidFill>
-                  <a:schemeClr val="tx1"/>
-                </a:solidFill>
-                <a:latin typeface="Times New Roman" charset="0"/>
-                <a:ea typeface="ＭＳ Ｐゴシック" charset="0"/>
-              </a:defRPr>
-            </a:lvl6pPr>
-            <a:lvl7pPr marL="2971800" indent="-228600" eaLnBrk="0" fontAlgn="base" hangingPunct="0">
-              <a:spcBef>
-                <a:spcPct val="0"/>
-              </a:spcBef>
-              <a:spcAft>
-                <a:spcPct val="0"/>
-              </a:spcAft>
-              <a:defRPr sz="2400">
-                <a:solidFill>
-                  <a:schemeClr val="tx1"/>
-                </a:solidFill>
-                <a:latin typeface="Times New Roman" charset="0"/>
-                <a:ea typeface="ＭＳ Ｐゴシック" charset="0"/>
-              </a:defRPr>
-            </a:lvl7pPr>
-            <a:lvl8pPr marL="3429000" indent="-228600" eaLnBrk="0" fontAlgn="base" hangingPunct="0">
-              <a:spcBef>
-                <a:spcPct val="0"/>
-              </a:spcBef>
-              <a:spcAft>
-                <a:spcPct val="0"/>
-              </a:spcAft>
-              <a:defRPr sz="2400">
-                <a:solidFill>
-                  <a:schemeClr val="tx1"/>
-                </a:solidFill>
-                <a:latin typeface="Times New Roman" charset="0"/>
-                <a:ea typeface="ＭＳ Ｐゴシック" charset="0"/>
-              </a:defRPr>
-            </a:lvl8pPr>
-            <a:lvl9pPr marL="3886200" indent="-228600" eaLnBrk="0" fontAlgn="base" hangingPunct="0">
-              <a:spcBef>
-                <a:spcPct val="0"/>
-              </a:spcBef>
-              <a:spcAft>
-                <a:spcPct val="0"/>
-              </a:spcAft>
-              <a:defRPr sz="2400">
-                <a:solidFill>
-                  <a:schemeClr val="tx1"/>
-                </a:solidFill>
-                <a:latin typeface="Times New Roman" charset="0"/>
-                <a:ea typeface="ＭＳ Ｐゴシック" charset="0"/>
-              </a:defRPr>
-            </a:lvl9pPr>
-          </a:lstStyle>
-          <a:p>
-            <a:r>
-              <a:rPr lang="en-US" sz="2000">
-                <a:latin typeface="Andale Sans for VST" charset="0"/>
-              </a:rPr>
-              <a:t>Parent process,  P</a:t>
-            </a:r>
-            <a:endParaRPr lang="en-US" sz="2000" baseline="-25000">
-              <a:latin typeface="Andale Sans for VST" charset="0"/>
-            </a:endParaRPr>
-          </a:p>
-        </p:txBody>
-      </p:sp>
-      <p:sp>
-        <p:nvSpPr>
-          <p:cNvPr id="71702" name="Text Box 22"/>
-          <p:cNvSpPr txBox="1">
-            <a:spLocks noChangeArrowheads="1"/>
-          </p:cNvSpPr>
-          <p:nvPr/>
-        </p:nvSpPr>
-        <p:spPr bwMode="auto">
-          <a:xfrm>
-            <a:off x="6324600" y="1143000"/>
-            <a:ext cx="2097088" cy="400050"/>
-          </a:xfrm>
-          <a:prstGeom prst="rect">
-            <a:avLst/>
-          </a:prstGeom>
-          <a:noFill/>
-          <a:ln>
-            <a:noFill/>
-          </a:ln>
-          <a:extLst>
-            <a:ext uri="{909E8E84-426E-40dd-AFC4-6F175D3DCCD1}">
-              <a14:hiddenFill xmlns:a14="http://schemas.microsoft.com/office/drawing/2010/main">
-                <a:solidFill>
-                  <a:srgbClr val="FFFFFF"/>
-                </a:solidFill>
-              </a14:hiddenFill>
-            </a:ext>
-            <a:ext uri="{91240B29-F687-4f45-9708-019B960494DF}">
-              <a14:hiddenLine xmlns:a14="http://schemas.microsoft.com/office/drawing/2010/main" w="9525">
-                <a:solidFill>
-                  <a:srgbClr val="000000"/>
-                </a:solidFill>
-                <a:miter lim="800000"/>
-                <a:headEnd/>
-                <a:tailEnd/>
-              </a14:hiddenLine>
-            </a:ext>
-          </a:extLst>
-        </p:spPr>
-        <p:txBody>
-          <a:bodyPr wrap="none">
-            <a:spAutoFit/>
-          </a:bodyPr>
-          <a:lstStyle>
-            <a:lvl1pPr>
-              <a:defRPr sz="2400">
-                <a:solidFill>
-                  <a:schemeClr val="tx1"/>
-                </a:solidFill>
-                <a:latin typeface="Times New Roman" charset="0"/>
-                <a:ea typeface="ＭＳ Ｐゴシック" charset="0"/>
-              </a:defRPr>
-            </a:lvl1pPr>
-            <a:lvl2pPr marL="742950" indent="-285750">
-              <a:defRPr sz="2400">
-                <a:solidFill>
-                  <a:schemeClr val="tx1"/>
-                </a:solidFill>
-                <a:latin typeface="Times New Roman" charset="0"/>
-                <a:ea typeface="ＭＳ Ｐゴシック" charset="0"/>
-              </a:defRPr>
-            </a:lvl2pPr>
-            <a:lvl3pPr marL="1143000" indent="-228600">
-              <a:defRPr sz="2400">
-                <a:solidFill>
-                  <a:schemeClr val="tx1"/>
-                </a:solidFill>
-                <a:latin typeface="Times New Roman" charset="0"/>
-                <a:ea typeface="ＭＳ Ｐゴシック" charset="0"/>
-              </a:defRPr>
-            </a:lvl3pPr>
-            <a:lvl4pPr marL="1600200" indent="-228600">
-              <a:defRPr sz="2400">
-                <a:solidFill>
-                  <a:schemeClr val="tx1"/>
-                </a:solidFill>
-                <a:latin typeface="Times New Roman" charset="0"/>
-                <a:ea typeface="ＭＳ Ｐゴシック" charset="0"/>
-              </a:defRPr>
-            </a:lvl4pPr>
-            <a:lvl5pPr marL="2057400" indent="-228600">
-              <a:defRPr sz="2400">
-                <a:solidFill>
-                  <a:schemeClr val="tx1"/>
-                </a:solidFill>
-                <a:latin typeface="Times New Roman" charset="0"/>
-                <a:ea typeface="ＭＳ Ｐゴシック" charset="0"/>
-              </a:defRPr>
-            </a:lvl5pPr>
-            <a:lvl6pPr marL="2514600" indent="-228600" eaLnBrk="0" fontAlgn="base" hangingPunct="0">
-              <a:spcBef>
-                <a:spcPct val="0"/>
-              </a:spcBef>
-              <a:spcAft>
-                <a:spcPct val="0"/>
-              </a:spcAft>
-              <a:defRPr sz="2400">
-                <a:solidFill>
-                  <a:schemeClr val="tx1"/>
-                </a:solidFill>
-                <a:latin typeface="Times New Roman" charset="0"/>
-                <a:ea typeface="ＭＳ Ｐゴシック" charset="0"/>
-              </a:defRPr>
-            </a:lvl6pPr>
-            <a:lvl7pPr marL="2971800" indent="-228600" eaLnBrk="0" fontAlgn="base" hangingPunct="0">
-              <a:spcBef>
-                <a:spcPct val="0"/>
-              </a:spcBef>
-              <a:spcAft>
-                <a:spcPct val="0"/>
-              </a:spcAft>
-              <a:defRPr sz="2400">
-                <a:solidFill>
-                  <a:schemeClr val="tx1"/>
-                </a:solidFill>
-                <a:latin typeface="Times New Roman" charset="0"/>
-                <a:ea typeface="ＭＳ Ｐゴシック" charset="0"/>
-              </a:defRPr>
-            </a:lvl7pPr>
-            <a:lvl8pPr marL="3429000" indent="-228600" eaLnBrk="0" fontAlgn="base" hangingPunct="0">
-              <a:spcBef>
-                <a:spcPct val="0"/>
-              </a:spcBef>
-              <a:spcAft>
-                <a:spcPct val="0"/>
-              </a:spcAft>
-              <a:defRPr sz="2400">
-                <a:solidFill>
-                  <a:schemeClr val="tx1"/>
-                </a:solidFill>
-                <a:latin typeface="Times New Roman" charset="0"/>
-                <a:ea typeface="ＭＳ Ｐゴシック" charset="0"/>
-              </a:defRPr>
-            </a:lvl8pPr>
-            <a:lvl9pPr marL="3886200" indent="-228600" eaLnBrk="0" fontAlgn="base" hangingPunct="0">
-              <a:spcBef>
-                <a:spcPct val="0"/>
-              </a:spcBef>
-              <a:spcAft>
-                <a:spcPct val="0"/>
-              </a:spcAft>
-              <a:defRPr sz="2400">
-                <a:solidFill>
-                  <a:schemeClr val="tx1"/>
-                </a:solidFill>
-                <a:latin typeface="Times New Roman" charset="0"/>
-                <a:ea typeface="ＭＳ Ｐゴシック" charset="0"/>
-              </a:defRPr>
-            </a:lvl9pPr>
-          </a:lstStyle>
-          <a:p>
-            <a:r>
-              <a:rPr lang="en-US" sz="2000">
-                <a:latin typeface="Andale Sans for VST" charset="0"/>
-              </a:rPr>
-              <a:t>Child process,  Q</a:t>
-            </a:r>
-            <a:endParaRPr lang="en-US" sz="2000" baseline="-25000">
-              <a:latin typeface="Andale Sans for VST" charset="0"/>
-            </a:endParaRPr>
-          </a:p>
-        </p:txBody>
-      </p:sp>
-      <p:sp>
-        <p:nvSpPr>
-          <p:cNvPr id="71703" name="Rectangle 23"/>
-          <p:cNvSpPr>
-            <a:spLocks noChangeArrowheads="1"/>
-          </p:cNvSpPr>
-          <p:nvPr/>
-        </p:nvSpPr>
-        <p:spPr bwMode="auto">
-          <a:xfrm>
-            <a:off x="4343400" y="5054600"/>
-            <a:ext cx="1271588" cy="457200"/>
-          </a:xfrm>
-          <a:prstGeom prst="rect">
-            <a:avLst/>
-          </a:prstGeom>
-          <a:noFill/>
-          <a:ln>
-            <a:noFill/>
-          </a:ln>
-          <a:extLst>
-            <a:ext uri="{909E8E84-426E-40dd-AFC4-6F175D3DCCD1}">
-              <a14:hiddenFill xmlns:a14="http://schemas.microsoft.com/office/drawing/2010/main">
-                <a:solidFill>
-                  <a:srgbClr val="FFFFFF"/>
-                </a:solidFill>
-              </a14:hiddenFill>
-            </a:ext>
-            <a:ext uri="{91240B29-F687-4f45-9708-019B960494DF}">
-              <a14:hiddenLine xmlns:a14="http://schemas.microsoft.com/office/drawing/2010/main" w="9525">
-                <a:solidFill>
-                  <a:srgbClr val="000000"/>
-                </a:solidFill>
-                <a:miter lim="800000"/>
-                <a:headEnd/>
-                <a:tailEnd/>
-              </a14:hiddenLine>
-            </a:ext>
-          </a:extLst>
-        </p:spPr>
-        <p:txBody>
-          <a:bodyPr wrap="none">
-            <a:spAutoFit/>
-          </a:bodyPr>
-          <a:lstStyle/>
-          <a:p>
-            <a:r>
-              <a:rPr lang="en-US" sz="1800" i="1">
-                <a:latin typeface="Courier New" charset="0"/>
-                <a:sym typeface="Symbol" charset="0"/>
-              </a:rPr>
-              <a:t></a:t>
-            </a:r>
-            <a:r>
-              <a:rPr lang="en-US" i="1">
-                <a:latin typeface="Courier New" charset="0"/>
-              </a:rPr>
-              <a:t>olleh</a:t>
-            </a:r>
-          </a:p>
-        </p:txBody>
-      </p:sp>
-      <p:sp>
-        <p:nvSpPr>
-          <p:cNvPr id="25" name="AutoShape 9"/>
-          <p:cNvSpPr>
-            <a:spLocks noChangeArrowheads="1"/>
-          </p:cNvSpPr>
-          <p:nvPr/>
-        </p:nvSpPr>
-        <p:spPr bwMode="auto">
-          <a:xfrm>
-            <a:off x="1447800" y="2590800"/>
-            <a:ext cx="4343400" cy="228600"/>
-          </a:xfrm>
-          <a:prstGeom prst="lightningBolt">
-            <a:avLst/>
-          </a:prstGeom>
-          <a:solidFill>
-            <a:schemeClr val="folHlink"/>
-          </a:solidFill>
-          <a:ln w="9525">
-            <a:solidFill>
-              <a:schemeClr val="tx1"/>
-            </a:solidFill>
-            <a:miter lim="800000"/>
-            <a:headEnd/>
-            <a:tailEnd/>
-          </a:ln>
-        </p:spPr>
-        <p:txBody>
-          <a:bodyPr wrap="none" anchor="ctr"/>
-          <a:lstStyle/>
-          <a:p>
-            <a:endParaRPr lang="en-US"/>
-          </a:p>
-        </p:txBody>
-      </p:sp>
-      <p:cxnSp>
-        <p:nvCxnSpPr>
-          <p:cNvPr id="29" name="Straight Connector 28"/>
-          <p:cNvCxnSpPr>
-            <a:cxnSpLocks noChangeShapeType="1"/>
-          </p:cNvCxnSpPr>
-          <p:nvPr/>
-        </p:nvCxnSpPr>
-        <p:spPr bwMode="auto">
-          <a:xfrm rot="5400000">
-            <a:off x="952500" y="3924300"/>
-            <a:ext cx="381000" cy="0"/>
-          </a:xfrm>
-          <a:prstGeom prst="line">
-            <a:avLst/>
-          </a:prstGeom>
-          <a:noFill/>
-          <a:ln w="76200">
-            <a:solidFill>
-              <a:schemeClr val="tx1"/>
-            </a:solidFill>
-            <a:round/>
-            <a:headEnd/>
-            <a:tailEnd/>
-          </a:ln>
-          <a:extLst>
-            <a:ext uri="{909E8E84-426E-40dd-AFC4-6F175D3DCCD1}">
-              <a14:hiddenFill xmlns:a14="http://schemas.microsoft.com/office/drawing/2010/main">
-                <a:noFill/>
-              </a14:hiddenFill>
-            </a:ext>
-          </a:extLst>
-        </p:spPr>
-      </p:cxnSp>
-      <p:cxnSp>
-        <p:nvCxnSpPr>
-          <p:cNvPr id="30" name="Straight Connector 29"/>
-          <p:cNvCxnSpPr>
-            <a:cxnSpLocks noChangeShapeType="1"/>
-          </p:cNvCxnSpPr>
-          <p:nvPr/>
-        </p:nvCxnSpPr>
-        <p:spPr bwMode="auto">
-          <a:xfrm rot="5400000">
-            <a:off x="7962900" y="3924300"/>
-            <a:ext cx="381000" cy="0"/>
-          </a:xfrm>
-          <a:prstGeom prst="line">
-            <a:avLst/>
-          </a:prstGeom>
-          <a:noFill/>
-          <a:ln w="76200">
-            <a:solidFill>
-              <a:schemeClr val="tx1"/>
-            </a:solidFill>
-            <a:round/>
-            <a:headEnd/>
-            <a:tailEnd/>
-          </a:ln>
-          <a:extLst>
-            <a:ext uri="{909E8E84-426E-40dd-AFC4-6F175D3DCCD1}">
-              <a14:hiddenFill xmlns:a14="http://schemas.microsoft.com/office/drawing/2010/main">
-                <a:noFill/>
-              </a14:hiddenFill>
-            </a:ext>
-          </a:extLst>
-        </p:spPr>
-      </p:cxnSp>
-    </p:spTree>
-    <p:extLst>
-      <p:ext uri="{BB962C8B-B14F-4D97-AF65-F5344CB8AC3E}">
-        <p14:creationId xmlns:p14="http://schemas.microsoft.com/office/powerpoint/2010/main" val="501575095"/>
-      </p:ext>
-    </p:extLst>
-  </p:cSld>
-  <p:clrMapOvr>
-    <a:masterClrMapping/>
-  </p:clrMapOvr>
-  <p:timing>
-    <p:tnLst>
-      <p:par>
-        <p:cTn xmlns:p14="http://schemas.microsoft.com/office/powerpoint/2010/main" id="1" dur="indefinite" restart="never" nodeType="tmRoot"/>
-      </p:par>
-    </p:tnLst>
-  </p:timing>
-</p:sld>
-</file>
-
-<file path=ppt/slides/slide37.xml><?xml version="1.0" encoding="utf-8"?>
-<p:sld xmlns:a="http://schemas.openxmlformats.org/drawingml/2006/main" xmlns:r="http://schemas.openxmlformats.org/officeDocument/2006/relationships" xmlns:p="http://schemas.openxmlformats.org/presentationml/2006/main">
-  <p:cSld>
-    <p:spTree>
-      <p:nvGrpSpPr>
-        <p:cNvPr id="1" name=""/>
-        <p:cNvGrpSpPr/>
-        <p:nvPr/>
-      </p:nvGrpSpPr>
-      <p:grpSpPr>
-        <a:xfrm>
-          <a:off x="0" y="0"/>
-          <a:ext cx="0" cy="0"/>
-          <a:chOff x="0" y="0"/>
-          <a:chExt cx="0" cy="0"/>
-        </a:xfrm>
-      </p:grpSpPr>
-      <p:sp>
-        <p:nvSpPr>
-          <p:cNvPr id="9218" name="Rectangle 2"/>
-          <p:cNvSpPr>
-            <a:spLocks noGrp="1" noChangeArrowheads="1"/>
-          </p:cNvSpPr>
-          <p:nvPr>
-            <p:ph type="title"/>
-          </p:nvPr>
-        </p:nvSpPr>
-        <p:spPr>
-          <a:xfrm>
-            <a:off x="533400" y="228600"/>
-            <a:ext cx="8229600" cy="609600"/>
-          </a:xfrm>
-        </p:spPr>
-        <p:txBody>
-          <a:bodyPr>
-            <a:normAutofit fontScale="90000"/>
-          </a:bodyPr>
-          <a:lstStyle/>
-          <a:p>
-            <a:r>
-              <a:rPr lang="en-US" sz="3600" b="1">
-                <a:latin typeface="Times New Roman" charset="0"/>
-              </a:rPr>
-              <a:t>UNIX Pipes (cont)</a:t>
-            </a:r>
-          </a:p>
-        </p:txBody>
-      </p:sp>
-      <p:sp>
-        <p:nvSpPr>
-          <p:cNvPr id="74755" name="Rectangle 3"/>
-          <p:cNvSpPr>
-            <a:spLocks noGrp="1" noChangeArrowheads="1"/>
-          </p:cNvSpPr>
-          <p:nvPr>
-            <p:ph type="body" idx="1"/>
-          </p:nvPr>
-        </p:nvSpPr>
-        <p:spPr>
-          <a:xfrm>
-            <a:off x="457200" y="1143000"/>
-            <a:ext cx="8305800" cy="5486400"/>
-          </a:xfrm>
-          <a:solidFill>
-            <a:schemeClr val="bg1">
-              <a:lumMod val="95000"/>
-            </a:schemeClr>
-          </a:solidFill>
-        </p:spPr>
-        <p:txBody>
-          <a:bodyPr/>
-          <a:lstStyle/>
-          <a:p>
-            <a:pPr marL="225425" indent="-225425">
-              <a:defRPr/>
-            </a:pPr>
-            <a:r>
-              <a:rPr lang="en-US" sz="2000" dirty="0" smtClean="0">
-                <a:ea typeface="+mn-ea"/>
-              </a:rPr>
-              <a:t>The normal </a:t>
-            </a:r>
-            <a:r>
-              <a:rPr lang="en-US" sz="1800" dirty="0" smtClean="0">
-                <a:latin typeface="Courier New" pitchFamily="49" charset="0"/>
-                <a:ea typeface="+mn-ea"/>
-              </a:rPr>
-              <a:t>write</a:t>
-            </a:r>
-            <a:r>
-              <a:rPr lang="en-US" sz="2000" dirty="0" smtClean="0">
-                <a:ea typeface="+mn-ea"/>
-              </a:rPr>
-              <a:t> is an asynchronous operation (that notifies of write errors) </a:t>
-            </a:r>
-          </a:p>
-          <a:p>
-            <a:pPr marL="225425" indent="-225425">
-              <a:buFontTx/>
-              <a:buNone/>
-              <a:defRPr/>
-            </a:pPr>
-            <a:r>
-              <a:rPr lang="en-US" sz="2000" dirty="0" smtClean="0">
-                <a:ea typeface="+mn-ea"/>
-              </a:rPr>
-              <a:t>	</a:t>
-            </a:r>
-            <a:r>
-              <a:rPr lang="en-US" sz="1800" dirty="0" smtClean="0">
-                <a:ea typeface="+mn-ea"/>
-              </a:rPr>
-              <a:t>(i.e. </a:t>
-            </a:r>
-            <a:r>
-              <a:rPr lang="en-US" sz="1800" dirty="0" smtClean="0">
-                <a:latin typeface="Courier New" pitchFamily="49" charset="0"/>
-                <a:ea typeface="+mn-ea"/>
-              </a:rPr>
-              <a:t>write</a:t>
-            </a:r>
-            <a:r>
-              <a:rPr lang="en-US" sz="1800" dirty="0" smtClean="0">
-                <a:ea typeface="+mn-ea"/>
-              </a:rPr>
-              <a:t> and the corresponding </a:t>
-            </a:r>
-            <a:r>
-              <a:rPr lang="en-US" sz="1800" dirty="0" smtClean="0">
-                <a:latin typeface="Courier New" pitchFamily="49" charset="0"/>
-                <a:ea typeface="+mn-ea"/>
-              </a:rPr>
-              <a:t>read</a:t>
-            </a:r>
-            <a:r>
-              <a:rPr lang="en-US" sz="1800" dirty="0" smtClean="0">
-                <a:ea typeface="+mn-ea"/>
-              </a:rPr>
-              <a:t> do not happen at the same time.)</a:t>
-            </a:r>
-          </a:p>
-          <a:p>
-            <a:pPr marL="225425" indent="-225425">
-              <a:defRPr/>
-            </a:pPr>
-            <a:endParaRPr lang="en-US" sz="1800" dirty="0" smtClean="0">
-              <a:ea typeface="+mn-ea"/>
-            </a:endParaRPr>
-          </a:p>
-          <a:p>
-            <a:pPr marL="225425" indent="-225425">
-              <a:defRPr/>
-            </a:pPr>
-            <a:r>
-              <a:rPr lang="en-US" sz="2000" dirty="0" smtClean="0">
-                <a:ea typeface="+mn-ea"/>
-              </a:rPr>
-              <a:t>The normal </a:t>
-            </a:r>
-            <a:r>
-              <a:rPr lang="en-US" sz="1800" dirty="0" smtClean="0">
-                <a:latin typeface="Courier New" pitchFamily="49" charset="0"/>
-                <a:ea typeface="+mn-ea"/>
-              </a:rPr>
-              <a:t>read</a:t>
-            </a:r>
-            <a:r>
-              <a:rPr lang="en-US" sz="2000" dirty="0" smtClean="0">
-                <a:ea typeface="+mn-ea"/>
-              </a:rPr>
-              <a:t> is a blocking read; there is also a </a:t>
-            </a:r>
-            <a:r>
-              <a:rPr lang="en-US" sz="2000" dirty="0" err="1" smtClean="0">
-                <a:ea typeface="+mn-ea"/>
-              </a:rPr>
-              <a:t>nonblocking</a:t>
-            </a:r>
-            <a:r>
-              <a:rPr lang="en-US" sz="2000" dirty="0" smtClean="0">
-                <a:ea typeface="+mn-ea"/>
-              </a:rPr>
-              <a:t> </a:t>
-            </a:r>
-            <a:r>
-              <a:rPr lang="en-US" sz="1800" dirty="0" smtClean="0">
-                <a:latin typeface="Courier New" pitchFamily="49" charset="0"/>
-                <a:ea typeface="+mn-ea"/>
-              </a:rPr>
-              <a:t>read</a:t>
-            </a:r>
-            <a:r>
-              <a:rPr lang="en-US" sz="2000" dirty="0" smtClean="0">
-                <a:ea typeface="+mn-ea"/>
-              </a:rPr>
-              <a:t>.</a:t>
-            </a:r>
-          </a:p>
-          <a:p>
-            <a:pPr marL="225425" indent="-225425">
-              <a:defRPr/>
-            </a:pPr>
-            <a:endParaRPr lang="en-US" sz="2000" dirty="0" smtClean="0">
-              <a:ea typeface="+mn-ea"/>
-            </a:endParaRPr>
-          </a:p>
-          <a:p>
-            <a:pPr marL="225425" indent="-225425">
-              <a:defRPr/>
-            </a:pPr>
-            <a:r>
-              <a:rPr lang="en-US" sz="2000" b="1" dirty="0" smtClean="0">
-                <a:ea typeface="+mn-ea"/>
-              </a:rPr>
-              <a:t>dup2</a:t>
-            </a:r>
-            <a:r>
-              <a:rPr lang="en-US" sz="2000" dirty="0" smtClean="0">
-                <a:ea typeface="+mn-ea"/>
-              </a:rPr>
-              <a:t>(</a:t>
-            </a:r>
-            <a:r>
-              <a:rPr lang="en-US" sz="2000" dirty="0" err="1" smtClean="0">
-                <a:ea typeface="+mn-ea"/>
-              </a:rPr>
-              <a:t>int</a:t>
-            </a:r>
-            <a:r>
-              <a:rPr lang="en-US" sz="2000" dirty="0" smtClean="0">
-                <a:ea typeface="+mn-ea"/>
-              </a:rPr>
-              <a:t> </a:t>
-            </a:r>
-            <a:r>
-              <a:rPr lang="en-US" sz="1800" b="1" dirty="0" err="1" smtClean="0">
-                <a:solidFill>
-                  <a:srgbClr val="C00000"/>
-                </a:solidFill>
-                <a:latin typeface="Courier New" pitchFamily="49" charset="0"/>
-                <a:ea typeface="+mn-ea"/>
-              </a:rPr>
-              <a:t>Pptr</a:t>
-            </a:r>
-            <a:r>
-              <a:rPr lang="en-US" sz="2000" dirty="0" smtClean="0">
-                <a:ea typeface="+mn-ea"/>
-              </a:rPr>
-              <a:t>, </a:t>
-            </a:r>
-            <a:r>
-              <a:rPr lang="en-US" sz="2000" dirty="0" err="1" smtClean="0">
-                <a:ea typeface="+mn-ea"/>
-              </a:rPr>
-              <a:t>int</a:t>
-            </a:r>
-            <a:r>
-              <a:rPr lang="en-US" sz="2000" dirty="0" smtClean="0">
-                <a:ea typeface="+mn-ea"/>
-              </a:rPr>
-              <a:t> </a:t>
-            </a:r>
-            <a:r>
-              <a:rPr lang="en-US" sz="1800" b="1" dirty="0" smtClean="0">
-                <a:solidFill>
-                  <a:srgbClr val="C00000"/>
-                </a:solidFill>
-                <a:latin typeface="Courier New" pitchFamily="49" charset="0"/>
-                <a:ea typeface="+mn-ea"/>
-              </a:rPr>
-              <a:t>ptr2</a:t>
-            </a:r>
-            <a:r>
-              <a:rPr lang="en-US" sz="2000" dirty="0" smtClean="0">
-                <a:ea typeface="+mn-ea"/>
-              </a:rPr>
-              <a:t>) system call causes the file descriptor </a:t>
-            </a:r>
-            <a:r>
-              <a:rPr lang="en-US" sz="1800" b="1" dirty="0" smtClean="0">
-                <a:solidFill>
-                  <a:srgbClr val="C00000"/>
-                </a:solidFill>
-                <a:latin typeface="Courier New" pitchFamily="49" charset="0"/>
-                <a:ea typeface="+mn-ea"/>
-              </a:rPr>
-              <a:t>ptr2</a:t>
-            </a:r>
-            <a:r>
-              <a:rPr lang="en-US" sz="2000" dirty="0" smtClean="0">
-                <a:ea typeface="+mn-ea"/>
-              </a:rPr>
-              <a:t> to refer to the same file as </a:t>
-            </a:r>
-            <a:r>
-              <a:rPr lang="en-US" sz="1800" b="1" dirty="0" err="1" smtClean="0">
-                <a:solidFill>
-                  <a:srgbClr val="C00000"/>
-                </a:solidFill>
-                <a:latin typeface="Courier New" pitchFamily="49" charset="0"/>
-                <a:ea typeface="+mn-ea"/>
-              </a:rPr>
-              <a:t>Pptr</a:t>
-            </a:r>
-            <a:r>
-              <a:rPr lang="en-US" sz="2000" dirty="0" smtClean="0">
-                <a:ea typeface="+mn-ea"/>
-              </a:rPr>
-              <a:t>. </a:t>
-            </a:r>
-          </a:p>
-          <a:p>
-            <a:pPr marL="225425" indent="-225425">
-              <a:buFontTx/>
-              <a:buNone/>
-              <a:defRPr/>
-            </a:pPr>
-            <a:r>
-              <a:rPr lang="en-US" sz="2000" dirty="0" smtClean="0">
-                <a:latin typeface="Courier New" pitchFamily="49" charset="0"/>
-                <a:ea typeface="+mn-ea"/>
-              </a:rPr>
-              <a:t>	</a:t>
-            </a:r>
-            <a:r>
-              <a:rPr lang="en-US" sz="1800" dirty="0" smtClean="0">
-                <a:solidFill>
-                  <a:schemeClr val="accent6">
-                    <a:lumMod val="50000"/>
-                  </a:schemeClr>
-                </a:solidFill>
-                <a:latin typeface="Courier New" pitchFamily="49" charset="0"/>
-                <a:ea typeface="+mn-ea"/>
-              </a:rPr>
-              <a:t>e.g. </a:t>
-            </a:r>
-            <a:r>
-              <a:rPr lang="en-US" sz="1800" b="1" dirty="0" smtClean="0">
-                <a:solidFill>
-                  <a:schemeClr val="accent6">
-                    <a:lumMod val="50000"/>
-                  </a:schemeClr>
-                </a:solidFill>
-                <a:latin typeface="Courier New" pitchFamily="49" charset="0"/>
-                <a:ea typeface="+mn-ea"/>
-              </a:rPr>
-              <a:t>dup2</a:t>
-            </a:r>
-            <a:r>
-              <a:rPr lang="en-US" sz="1800" dirty="0" smtClean="0">
-                <a:solidFill>
-                  <a:schemeClr val="accent6">
-                    <a:lumMod val="50000"/>
-                  </a:schemeClr>
-                </a:solidFill>
-                <a:latin typeface="Courier New" pitchFamily="49" charset="0"/>
-                <a:ea typeface="+mn-ea"/>
-              </a:rPr>
-              <a:t>(p[1], 1)</a:t>
-            </a:r>
-          </a:p>
-          <a:p>
-            <a:pPr>
-              <a:buFontTx/>
-              <a:buNone/>
-              <a:defRPr/>
-            </a:pPr>
-            <a:r>
-              <a:rPr lang="en-US" sz="1800" dirty="0" smtClean="0">
-                <a:solidFill>
-                  <a:schemeClr val="accent6">
-                    <a:lumMod val="50000"/>
-                  </a:schemeClr>
-                </a:solidFill>
-                <a:latin typeface="Courier New" pitchFamily="49" charset="0"/>
-                <a:ea typeface="+mn-ea"/>
-              </a:rPr>
-              <a:t>	     causes </a:t>
-            </a:r>
-            <a:r>
-              <a:rPr lang="en-US" sz="1800" b="1" dirty="0" err="1" smtClean="0">
-                <a:solidFill>
-                  <a:schemeClr val="accent6">
-                    <a:lumMod val="50000"/>
-                  </a:schemeClr>
-                </a:solidFill>
-                <a:latin typeface="Courier New" pitchFamily="49" charset="0"/>
-                <a:ea typeface="+mn-ea"/>
-              </a:rPr>
-              <a:t>stdout</a:t>
-            </a:r>
-            <a:r>
-              <a:rPr lang="en-US" sz="1800" dirty="0" smtClean="0">
-                <a:solidFill>
-                  <a:schemeClr val="accent6">
-                    <a:lumMod val="50000"/>
-                  </a:schemeClr>
-                </a:solidFill>
-                <a:latin typeface="Courier New" pitchFamily="49" charset="0"/>
-                <a:ea typeface="+mn-ea"/>
-              </a:rPr>
-              <a:t> to refer to the write end of the pipe</a:t>
-            </a:r>
-          </a:p>
-        </p:txBody>
-      </p:sp>
-    </p:spTree>
-    <p:extLst>
-      <p:ext uri="{BB962C8B-B14F-4D97-AF65-F5344CB8AC3E}">
-        <p14:creationId xmlns:p14="http://schemas.microsoft.com/office/powerpoint/2010/main" val="518891155"/>
-      </p:ext>
-    </p:extLst>
-  </p:cSld>
-  <p:clrMapOvr>
-    <a:masterClrMapping/>
-  </p:clrMapOvr>
-  <p:timing>
-    <p:tnLst>
-      <p:par>
-        <p:cTn xmlns:p14="http://schemas.microsoft.com/office/powerpoint/2010/main" id="1" dur="indefinite" restart="never" nodeType="tmRoot"/>
-      </p:par>
-    </p:tnLst>
-  </p:timing>
-</p:sld>
-</file>
-
-<file path=ppt/slides/slide38.xml><?xml version="1.0" encoding="utf-8"?>
-<p:sld xmlns:a="http://schemas.openxmlformats.org/drawingml/2006/main" xmlns:r="http://schemas.openxmlformats.org/officeDocument/2006/relationships" xmlns:p="http://schemas.openxmlformats.org/presentationml/2006/main">
-  <p:cSld>
-    <p:spTree>
-      <p:nvGrpSpPr>
-        <p:cNvPr id="1" name=""/>
-        <p:cNvGrpSpPr/>
-        <p:nvPr/>
-      </p:nvGrpSpPr>
-      <p:grpSpPr>
-        <a:xfrm>
-          <a:off x="0" y="0"/>
-          <a:ext cx="0" cy="0"/>
-          <a:chOff x="0" y="0"/>
-          <a:chExt cx="0" cy="0"/>
-        </a:xfrm>
-      </p:grpSpPr>
-      <p:sp>
-        <p:nvSpPr>
-          <p:cNvPr id="2" name="Title 1"/>
-          <p:cNvSpPr>
-            <a:spLocks noGrp="1"/>
-          </p:cNvSpPr>
-          <p:nvPr>
-            <p:ph type="title"/>
-          </p:nvPr>
-        </p:nvSpPr>
-        <p:spPr/>
-        <p:txBody>
-          <a:bodyPr/>
-          <a:lstStyle/>
-          <a:p>
-            <a:r>
-              <a:rPr lang="en-US" dirty="0" smtClean="0"/>
-              <a:t>Examples</a:t>
-            </a:r>
-            <a:endParaRPr lang="en-US" dirty="0"/>
-          </a:p>
-        </p:txBody>
-      </p:sp>
-      <p:sp>
-        <p:nvSpPr>
-          <p:cNvPr id="3" name="Content Placeholder 2"/>
-          <p:cNvSpPr>
-            <a:spLocks noGrp="1"/>
-          </p:cNvSpPr>
-          <p:nvPr>
-            <p:ph idx="1"/>
-          </p:nvPr>
-        </p:nvSpPr>
-        <p:spPr/>
-        <p:txBody>
-          <a:bodyPr/>
-          <a:lstStyle/>
-          <a:p>
-            <a:r>
-              <a:rPr lang="en-US" dirty="0" smtClean="0"/>
-              <a:t>Pipe-</a:t>
-            </a:r>
-            <a:r>
-              <a:rPr lang="en-US" dirty="0" err="1" smtClean="0"/>
-              <a:t>ex.c</a:t>
-            </a:r>
-            <a:endParaRPr lang="en-US" dirty="0" smtClean="0"/>
-          </a:p>
-          <a:p>
-            <a:r>
-              <a:rPr lang="en-US" dirty="0" smtClean="0"/>
-              <a:t>Fork_ex5.c //integration example of everything</a:t>
-            </a:r>
-          </a:p>
-          <a:p>
-            <a:endParaRPr lang="en-US" dirty="0" smtClean="0"/>
-          </a:p>
-          <a:p>
-            <a:endParaRPr lang="en-US" dirty="0"/>
-          </a:p>
-        </p:txBody>
-      </p:sp>
-    </p:spTree>
-    <p:extLst>
-      <p:ext uri="{BB962C8B-B14F-4D97-AF65-F5344CB8AC3E}">
-        <p14:creationId xmlns:p14="http://schemas.microsoft.com/office/powerpoint/2010/main" val="454530356"/>
       </p:ext>
     </p:extLst>
   </p:cSld>
